--- a/CPEN_435_final.pptx
+++ b/CPEN_435_final.pptx
@@ -10,7 +10,8 @@
     <p:sldId id="258" r:id="rId4"/>
     <p:sldId id="259" r:id="rId5"/>
     <p:sldId id="260" r:id="rId6"/>
-    <p:sldId id="261" r:id="rId7"/>
+    <p:sldId id="263" r:id="rId7"/>
+    <p:sldId id="262" r:id="rId8"/>
   </p:sldIdLst>
   <p:sldSz cx="12192000" cy="6858000"/>
   <p:notesSz cx="6858000" cy="9144000"/>
@@ -109,7 +110,4472 @@
       </a:defRPr>
     </a:lvl9pPr>
   </p:defaultTextStyle>
+  <p:extLst>
+    <p:ext uri="{EFAFB233-063F-42B5-8137-9DF3F51BA10A}">
+      <p15:sldGuideLst xmlns:p15="http://schemas.microsoft.com/office/powerpoint/2012/main"/>
+    </p:ext>
+  </p:extLst>
 </p:presentation>
+</file>
+
+<file path=ppt/charts/chart1.xml><?xml version="1.0" encoding="utf-8"?>
+<c:chartSpace xmlns:c="http://schemas.openxmlformats.org/drawingml/2006/chart" xmlns:a="http://schemas.openxmlformats.org/drawingml/2006/main" xmlns:r="http://schemas.openxmlformats.org/officeDocument/2006/relationships" xmlns:c16r2="http://schemas.microsoft.com/office/drawing/2015/06/chart">
+  <c:date1904 val="0"/>
+  <c:lang val="en-US"/>
+  <c:roundedCorners val="0"/>
+  <mc:AlternateContent xmlns:mc="http://schemas.openxmlformats.org/markup-compatibility/2006">
+    <mc:Choice xmlns:c14="http://schemas.microsoft.com/office/drawing/2007/8/2/chart" Requires="c14">
+      <c14:style val="102"/>
+    </mc:Choice>
+    <mc:Fallback>
+      <c:style val="2"/>
+    </mc:Fallback>
+  </mc:AlternateContent>
+  <c:chart>
+    <c:title>
+      <c:tx>
+        <c:rich>
+          <a:bodyPr rot="0" spcFirstLastPara="1" vertOverflow="ellipsis" vert="horz" wrap="square" anchor="ctr" anchorCtr="1"/>
+          <a:lstStyle/>
+          <a:p>
+            <a:pPr>
+              <a:defRPr sz="1400" b="0" i="0" u="none" strike="noStrike" kern="1200" spc="0" baseline="0">
+                <a:solidFill>
+                  <a:schemeClr val="tx1">
+                    <a:lumMod val="65000"/>
+                    <a:lumOff val="35000"/>
+                  </a:schemeClr>
+                </a:solidFill>
+                <a:latin typeface="+mn-lt"/>
+                <a:ea typeface="+mn-ea"/>
+                <a:cs typeface="+mn-cs"/>
+              </a:defRPr>
+            </a:pPr>
+            <a:r>
+              <a:rPr lang="en-US" dirty="0"/>
+              <a:t>Non-Blocking</a:t>
+            </a:r>
+            <a:r>
+              <a:rPr lang="en-US" baseline="0" dirty="0"/>
+              <a:t> </a:t>
+            </a:r>
+            <a:r>
+              <a:rPr lang="en-US" dirty="0"/>
+              <a:t>Node: 2</a:t>
+            </a:r>
+          </a:p>
+          <a:p>
+            <a:pPr>
+              <a:defRPr/>
+            </a:pPr>
+            <a:r>
+              <a:rPr lang="en-US" dirty="0" err="1"/>
+              <a:t>Martix</a:t>
+            </a:r>
+            <a:r>
+              <a:rPr lang="en-US" dirty="0"/>
+              <a:t>:</a:t>
+            </a:r>
+            <a:r>
+              <a:rPr lang="en-US" baseline="0" dirty="0"/>
+              <a:t> 512 Row: 16-256</a:t>
+            </a:r>
+            <a:r>
+              <a:rPr lang="en-US" dirty="0"/>
+              <a:t> </a:t>
+            </a:r>
+          </a:p>
+        </c:rich>
+      </c:tx>
+      <c:overlay val="0"/>
+      <c:spPr>
+        <a:noFill/>
+        <a:ln>
+          <a:noFill/>
+        </a:ln>
+        <a:effectLst/>
+      </c:spPr>
+      <c:txPr>
+        <a:bodyPr rot="0" spcFirstLastPara="1" vertOverflow="ellipsis" vert="horz" wrap="square" anchor="ctr" anchorCtr="1"/>
+        <a:lstStyle/>
+        <a:p>
+          <a:pPr>
+            <a:defRPr sz="1400" b="0" i="0" u="none" strike="noStrike" kern="1200" spc="0" baseline="0">
+              <a:solidFill>
+                <a:schemeClr val="tx1">
+                  <a:lumMod val="65000"/>
+                  <a:lumOff val="35000"/>
+                </a:schemeClr>
+              </a:solidFill>
+              <a:latin typeface="+mn-lt"/>
+              <a:ea typeface="+mn-ea"/>
+              <a:cs typeface="+mn-cs"/>
+            </a:defRPr>
+          </a:pPr>
+          <a:endParaRPr lang="en-US"/>
+        </a:p>
+      </c:txPr>
+    </c:title>
+    <c:autoTitleDeleted val="0"/>
+    <c:plotArea>
+      <c:layout/>
+      <c:scatterChart>
+        <c:scatterStyle val="lineMarker"/>
+        <c:varyColors val="0"/>
+        <c:ser>
+          <c:idx val="0"/>
+          <c:order val="0"/>
+          <c:spPr>
+            <a:ln w="25400" cap="rnd">
+              <a:noFill/>
+              <a:round/>
+            </a:ln>
+            <a:effectLst/>
+          </c:spPr>
+          <c:marker>
+            <c:symbol val="circle"/>
+            <c:size val="5"/>
+            <c:spPr>
+              <a:solidFill>
+                <a:schemeClr val="accent1"/>
+              </a:solidFill>
+              <a:ln w="9525">
+                <a:solidFill>
+                  <a:schemeClr val="accent1"/>
+                </a:solidFill>
+              </a:ln>
+              <a:effectLst/>
+            </c:spPr>
+          </c:marker>
+          <c:trendline>
+            <c:spPr>
+              <a:ln w="19050" cap="rnd">
+                <a:solidFill>
+                  <a:schemeClr val="accent1"/>
+                </a:solidFill>
+                <a:prstDash val="sysDot"/>
+              </a:ln>
+              <a:effectLst/>
+            </c:spPr>
+            <c:trendlineType val="linear"/>
+            <c:dispRSqr val="0"/>
+            <c:dispEq val="0"/>
+          </c:trendline>
+          <c:trendline>
+            <c:spPr>
+              <a:ln w="19050" cap="rnd">
+                <a:solidFill>
+                  <a:schemeClr val="accent1"/>
+                </a:solidFill>
+                <a:prstDash val="sysDot"/>
+              </a:ln>
+              <a:effectLst/>
+            </c:spPr>
+            <c:trendlineType val="linear"/>
+            <c:dispRSqr val="0"/>
+            <c:dispEq val="0"/>
+          </c:trendline>
+          <c:trendline>
+            <c:spPr>
+              <a:ln w="19050" cap="rnd">
+                <a:solidFill>
+                  <a:schemeClr val="accent1"/>
+                </a:solidFill>
+                <a:prstDash val="sysDot"/>
+              </a:ln>
+              <a:effectLst/>
+            </c:spPr>
+            <c:trendlineType val="linear"/>
+            <c:dispRSqr val="0"/>
+            <c:dispEq val="1"/>
+            <c:trendlineLbl>
+              <c:layout>
+                <c:manualLayout>
+                  <c:x val="0.12746685507194988"/>
+                  <c:y val="-0.38957567615999517"/>
+                </c:manualLayout>
+              </c:layout>
+              <c:numFmt formatCode="General" sourceLinked="0"/>
+              <c:spPr>
+                <a:noFill/>
+                <a:ln>
+                  <a:noFill/>
+                </a:ln>
+                <a:effectLst/>
+              </c:spPr>
+              <c:txPr>
+                <a:bodyPr rot="0" spcFirstLastPara="1" vertOverflow="ellipsis" vert="horz" wrap="square" anchor="ctr" anchorCtr="1"/>
+                <a:lstStyle/>
+                <a:p>
+                  <a:pPr>
+                    <a:defRPr sz="900" b="0" i="0" u="none" strike="noStrike" kern="1200" baseline="0">
+                      <a:solidFill>
+                        <a:schemeClr val="tx1">
+                          <a:lumMod val="65000"/>
+                          <a:lumOff val="35000"/>
+                        </a:schemeClr>
+                      </a:solidFill>
+                      <a:latin typeface="+mn-lt"/>
+                      <a:ea typeface="+mn-ea"/>
+                      <a:cs typeface="+mn-cs"/>
+                    </a:defRPr>
+                  </a:pPr>
+                  <a:endParaRPr lang="en-US"/>
+                </a:p>
+              </c:txPr>
+            </c:trendlineLbl>
+          </c:trendline>
+          <c:xVal>
+            <c:numRef>
+              <c:f>Sheet1!$E$35:$E$47</c:f>
+              <c:numCache>
+                <c:formatCode>General</c:formatCode>
+                <c:ptCount val="13"/>
+                <c:pt idx="0">
+                  <c:v>256</c:v>
+                </c:pt>
+                <c:pt idx="3">
+                  <c:v>128</c:v>
+                </c:pt>
+                <c:pt idx="6">
+                  <c:v>64</c:v>
+                </c:pt>
+                <c:pt idx="9">
+                  <c:v>32</c:v>
+                </c:pt>
+                <c:pt idx="12">
+                  <c:v>16</c:v>
+                </c:pt>
+              </c:numCache>
+            </c:numRef>
+          </c:xVal>
+          <c:yVal>
+            <c:numRef>
+              <c:f>Sheet1!$G$37:$G$49</c:f>
+              <c:numCache>
+                <c:formatCode>General</c:formatCode>
+                <c:ptCount val="13"/>
+                <c:pt idx="0">
+                  <c:v>1.2605686666666667</c:v>
+                </c:pt>
+                <c:pt idx="3">
+                  <c:v>1.2706643333333332</c:v>
+                </c:pt>
+                <c:pt idx="6">
+                  <c:v>1.2642683333333335</c:v>
+                </c:pt>
+                <c:pt idx="9">
+                  <c:v>1.2718210000000001</c:v>
+                </c:pt>
+                <c:pt idx="12">
+                  <c:v>1.3264385000000001</c:v>
+                </c:pt>
+              </c:numCache>
+            </c:numRef>
+          </c:yVal>
+          <c:smooth val="0"/>
+          <c:extLst>
+            <c:ext xmlns:c16="http://schemas.microsoft.com/office/drawing/2014/chart" uri="{C3380CC4-5D6E-409C-BE32-E72D297353CC}">
+              <c16:uniqueId val="{00000003-EE14-4CE9-9555-AD99BEBFB015}"/>
+            </c:ext>
+          </c:extLst>
+        </c:ser>
+        <c:dLbls>
+          <c:showLegendKey val="0"/>
+          <c:showVal val="0"/>
+          <c:showCatName val="0"/>
+          <c:showSerName val="0"/>
+          <c:showPercent val="0"/>
+          <c:showBubbleSize val="0"/>
+        </c:dLbls>
+        <c:axId val="534621648"/>
+        <c:axId val="534617712"/>
+      </c:scatterChart>
+      <c:valAx>
+        <c:axId val="534621648"/>
+        <c:scaling>
+          <c:orientation val="minMax"/>
+        </c:scaling>
+        <c:delete val="0"/>
+        <c:axPos val="b"/>
+        <c:majorGridlines>
+          <c:spPr>
+            <a:ln w="9525" cap="flat" cmpd="sng" algn="ctr">
+              <a:solidFill>
+                <a:schemeClr val="tx1">
+                  <a:lumMod val="15000"/>
+                  <a:lumOff val="85000"/>
+                </a:schemeClr>
+              </a:solidFill>
+              <a:round/>
+            </a:ln>
+            <a:effectLst/>
+          </c:spPr>
+        </c:majorGridlines>
+        <c:title>
+          <c:tx>
+            <c:rich>
+              <a:bodyPr rot="0" spcFirstLastPara="1" vertOverflow="ellipsis" vert="horz" wrap="square" anchor="ctr" anchorCtr="1"/>
+              <a:lstStyle/>
+              <a:p>
+                <a:pPr>
+                  <a:defRPr sz="1000" b="0" i="0" u="none" strike="noStrike" kern="1200" baseline="0">
+                    <a:solidFill>
+                      <a:schemeClr val="tx1">
+                        <a:lumMod val="65000"/>
+                        <a:lumOff val="35000"/>
+                      </a:schemeClr>
+                    </a:solidFill>
+                    <a:latin typeface="+mn-lt"/>
+                    <a:ea typeface="+mn-ea"/>
+                    <a:cs typeface="+mn-cs"/>
+                  </a:defRPr>
+                </a:pPr>
+                <a:r>
+                  <a:rPr lang="en-US" dirty="0"/>
+                  <a:t>Rows</a:t>
+                </a:r>
+                <a:r>
+                  <a:rPr lang="en-US" baseline="0" dirty="0"/>
+                  <a:t> Per Task </a:t>
+                </a:r>
+              </a:p>
+              <a:p>
+                <a:pPr>
+                  <a:defRPr/>
+                </a:pPr>
+                <a:endParaRPr lang="en-US" dirty="0"/>
+              </a:p>
+            </c:rich>
+          </c:tx>
+          <c:overlay val="0"/>
+          <c:spPr>
+            <a:noFill/>
+            <a:ln>
+              <a:noFill/>
+            </a:ln>
+            <a:effectLst/>
+          </c:spPr>
+          <c:txPr>
+            <a:bodyPr rot="0" spcFirstLastPara="1" vertOverflow="ellipsis" vert="horz" wrap="square" anchor="ctr" anchorCtr="1"/>
+            <a:lstStyle/>
+            <a:p>
+              <a:pPr>
+                <a:defRPr sz="1000" b="0" i="0" u="none" strike="noStrike" kern="1200" baseline="0">
+                  <a:solidFill>
+                    <a:schemeClr val="tx1">
+                      <a:lumMod val="65000"/>
+                      <a:lumOff val="35000"/>
+                    </a:schemeClr>
+                  </a:solidFill>
+                  <a:latin typeface="+mn-lt"/>
+                  <a:ea typeface="+mn-ea"/>
+                  <a:cs typeface="+mn-cs"/>
+                </a:defRPr>
+              </a:pPr>
+              <a:endParaRPr lang="en-US"/>
+            </a:p>
+          </c:txPr>
+        </c:title>
+        <c:numFmt formatCode="General" sourceLinked="1"/>
+        <c:majorTickMark val="none"/>
+        <c:minorTickMark val="none"/>
+        <c:tickLblPos val="nextTo"/>
+        <c:spPr>
+          <a:noFill/>
+          <a:ln w="9525" cap="flat" cmpd="sng" algn="ctr">
+            <a:solidFill>
+              <a:schemeClr val="tx1">
+                <a:lumMod val="25000"/>
+                <a:lumOff val="75000"/>
+              </a:schemeClr>
+            </a:solidFill>
+            <a:round/>
+          </a:ln>
+          <a:effectLst/>
+        </c:spPr>
+        <c:txPr>
+          <a:bodyPr rot="-60000000" spcFirstLastPara="1" vertOverflow="ellipsis" vert="horz" wrap="square" anchor="ctr" anchorCtr="1"/>
+          <a:lstStyle/>
+          <a:p>
+            <a:pPr>
+              <a:defRPr sz="900" b="0" i="0" u="none" strike="noStrike" kern="1200" baseline="0">
+                <a:solidFill>
+                  <a:schemeClr val="tx1">
+                    <a:lumMod val="65000"/>
+                    <a:lumOff val="35000"/>
+                  </a:schemeClr>
+                </a:solidFill>
+                <a:latin typeface="+mn-lt"/>
+                <a:ea typeface="+mn-ea"/>
+                <a:cs typeface="+mn-cs"/>
+              </a:defRPr>
+            </a:pPr>
+            <a:endParaRPr lang="en-US"/>
+          </a:p>
+        </c:txPr>
+        <c:crossAx val="534617712"/>
+        <c:crosses val="autoZero"/>
+        <c:crossBetween val="midCat"/>
+      </c:valAx>
+      <c:valAx>
+        <c:axId val="534617712"/>
+        <c:scaling>
+          <c:orientation val="minMax"/>
+          <c:max val="1.4"/>
+        </c:scaling>
+        <c:delete val="0"/>
+        <c:axPos val="l"/>
+        <c:majorGridlines>
+          <c:spPr>
+            <a:ln w="9525" cap="flat" cmpd="sng" algn="ctr">
+              <a:solidFill>
+                <a:schemeClr val="tx1">
+                  <a:lumMod val="15000"/>
+                  <a:lumOff val="85000"/>
+                </a:schemeClr>
+              </a:solidFill>
+              <a:round/>
+            </a:ln>
+            <a:effectLst/>
+          </c:spPr>
+        </c:majorGridlines>
+        <c:title>
+          <c:tx>
+            <c:rich>
+              <a:bodyPr rot="-5400000" spcFirstLastPara="1" vertOverflow="ellipsis" vert="horz" wrap="square" anchor="ctr" anchorCtr="1"/>
+              <a:lstStyle/>
+              <a:p>
+                <a:pPr>
+                  <a:defRPr sz="1000" b="0" i="0" u="none" strike="noStrike" kern="1200" baseline="0">
+                    <a:solidFill>
+                      <a:schemeClr val="tx1">
+                        <a:lumMod val="65000"/>
+                        <a:lumOff val="35000"/>
+                      </a:schemeClr>
+                    </a:solidFill>
+                    <a:latin typeface="+mn-lt"/>
+                    <a:ea typeface="+mn-ea"/>
+                    <a:cs typeface="+mn-cs"/>
+                  </a:defRPr>
+                </a:pPr>
+                <a:r>
+                  <a:rPr lang="en-US" dirty="0"/>
+                  <a:t>Seconds</a:t>
+                </a:r>
+              </a:p>
+            </c:rich>
+          </c:tx>
+          <c:overlay val="0"/>
+          <c:spPr>
+            <a:noFill/>
+            <a:ln>
+              <a:noFill/>
+            </a:ln>
+            <a:effectLst/>
+          </c:spPr>
+          <c:txPr>
+            <a:bodyPr rot="-5400000" spcFirstLastPara="1" vertOverflow="ellipsis" vert="horz" wrap="square" anchor="ctr" anchorCtr="1"/>
+            <a:lstStyle/>
+            <a:p>
+              <a:pPr>
+                <a:defRPr sz="1000" b="0" i="0" u="none" strike="noStrike" kern="1200" baseline="0">
+                  <a:solidFill>
+                    <a:schemeClr val="tx1">
+                      <a:lumMod val="65000"/>
+                      <a:lumOff val="35000"/>
+                    </a:schemeClr>
+                  </a:solidFill>
+                  <a:latin typeface="+mn-lt"/>
+                  <a:ea typeface="+mn-ea"/>
+                  <a:cs typeface="+mn-cs"/>
+                </a:defRPr>
+              </a:pPr>
+              <a:endParaRPr lang="en-US"/>
+            </a:p>
+          </c:txPr>
+        </c:title>
+        <c:numFmt formatCode="General" sourceLinked="1"/>
+        <c:majorTickMark val="none"/>
+        <c:minorTickMark val="none"/>
+        <c:tickLblPos val="nextTo"/>
+        <c:spPr>
+          <a:noFill/>
+          <a:ln w="9525" cap="flat" cmpd="sng" algn="ctr">
+            <a:solidFill>
+              <a:schemeClr val="tx1">
+                <a:lumMod val="25000"/>
+                <a:lumOff val="75000"/>
+              </a:schemeClr>
+            </a:solidFill>
+            <a:round/>
+          </a:ln>
+          <a:effectLst/>
+        </c:spPr>
+        <c:txPr>
+          <a:bodyPr rot="-60000000" spcFirstLastPara="1" vertOverflow="ellipsis" vert="horz" wrap="square" anchor="ctr" anchorCtr="1"/>
+          <a:lstStyle/>
+          <a:p>
+            <a:pPr>
+              <a:defRPr sz="900" b="0" i="0" u="none" strike="noStrike" kern="1200" baseline="0">
+                <a:solidFill>
+                  <a:schemeClr val="tx1">
+                    <a:lumMod val="65000"/>
+                    <a:lumOff val="35000"/>
+                  </a:schemeClr>
+                </a:solidFill>
+                <a:latin typeface="+mn-lt"/>
+                <a:ea typeface="+mn-ea"/>
+                <a:cs typeface="+mn-cs"/>
+              </a:defRPr>
+            </a:pPr>
+            <a:endParaRPr lang="en-US"/>
+          </a:p>
+        </c:txPr>
+        <c:crossAx val="534621648"/>
+        <c:crosses val="autoZero"/>
+        <c:crossBetween val="midCat"/>
+      </c:valAx>
+      <c:spPr>
+        <a:noFill/>
+        <a:ln w="25400">
+          <a:noFill/>
+        </a:ln>
+        <a:effectLst/>
+      </c:spPr>
+    </c:plotArea>
+    <c:plotVisOnly val="1"/>
+    <c:dispBlanksAs val="gap"/>
+    <c:extLst>
+      <c:ext xmlns:c16r3="http://schemas.microsoft.com/office/drawing/2017/03/chart" uri="{56B9EC1D-385E-4148-901F-78D8002777C0}">
+        <c16r3:dataDisplayOptions16>
+          <c16r3:dispNaAsBlank val="1"/>
+        </c16r3:dataDisplayOptions16>
+      </c:ext>
+    </c:extLst>
+    <c:showDLblsOverMax val="0"/>
+  </c:chart>
+  <c:spPr>
+    <a:noFill/>
+    <a:ln>
+      <a:noFill/>
+    </a:ln>
+    <a:effectLst/>
+  </c:spPr>
+  <c:txPr>
+    <a:bodyPr/>
+    <a:lstStyle/>
+    <a:p>
+      <a:pPr>
+        <a:defRPr/>
+      </a:pPr>
+      <a:endParaRPr lang="en-US"/>
+    </a:p>
+  </c:txPr>
+  <c:externalData r:id="rId3">
+    <c:autoUpdate val="0"/>
+  </c:externalData>
+</c:chartSpace>
+</file>
+
+<file path=ppt/charts/chart2.xml><?xml version="1.0" encoding="utf-8"?>
+<c:chartSpace xmlns:c="http://schemas.openxmlformats.org/drawingml/2006/chart" xmlns:a="http://schemas.openxmlformats.org/drawingml/2006/main" xmlns:r="http://schemas.openxmlformats.org/officeDocument/2006/relationships" xmlns:c16r2="http://schemas.microsoft.com/office/drawing/2015/06/chart">
+  <c:date1904 val="0"/>
+  <c:lang val="en-US"/>
+  <c:roundedCorners val="0"/>
+  <mc:AlternateContent xmlns:mc="http://schemas.openxmlformats.org/markup-compatibility/2006">
+    <mc:Choice xmlns:c14="http://schemas.microsoft.com/office/drawing/2007/8/2/chart" Requires="c14">
+      <c14:style val="102"/>
+    </mc:Choice>
+    <mc:Fallback>
+      <c:style val="2"/>
+    </mc:Fallback>
+  </mc:AlternateContent>
+  <c:chart>
+    <c:title>
+      <c:tx>
+        <c:rich>
+          <a:bodyPr rot="0" spcFirstLastPara="1" vertOverflow="ellipsis" vert="horz" wrap="square" anchor="ctr" anchorCtr="1"/>
+          <a:lstStyle/>
+          <a:p>
+            <a:pPr>
+              <a:defRPr sz="1400" b="0" i="0" u="none" strike="noStrike" kern="1200" spc="0" baseline="0">
+                <a:solidFill>
+                  <a:schemeClr val="tx1">
+                    <a:lumMod val="65000"/>
+                    <a:lumOff val="35000"/>
+                  </a:schemeClr>
+                </a:solidFill>
+                <a:latin typeface="+mn-lt"/>
+                <a:ea typeface="+mn-ea"/>
+                <a:cs typeface="+mn-cs"/>
+              </a:defRPr>
+            </a:pPr>
+            <a:r>
+              <a:rPr lang="en-US"/>
+              <a:t>Blocking Node: 2</a:t>
+            </a:r>
+          </a:p>
+          <a:p>
+            <a:pPr>
+              <a:defRPr/>
+            </a:pPr>
+            <a:r>
+              <a:rPr lang="en-US"/>
+              <a:t>Matrix:</a:t>
+            </a:r>
+            <a:r>
+              <a:rPr lang="en-US" baseline="0"/>
+              <a:t> 512 Rows 16-265</a:t>
+            </a:r>
+            <a:endParaRPr lang="en-US"/>
+          </a:p>
+        </c:rich>
+      </c:tx>
+      <c:overlay val="0"/>
+      <c:spPr>
+        <a:noFill/>
+        <a:ln>
+          <a:noFill/>
+        </a:ln>
+        <a:effectLst/>
+      </c:spPr>
+      <c:txPr>
+        <a:bodyPr rot="0" spcFirstLastPara="1" vertOverflow="ellipsis" vert="horz" wrap="square" anchor="ctr" anchorCtr="1"/>
+        <a:lstStyle/>
+        <a:p>
+          <a:pPr>
+            <a:defRPr sz="1400" b="0" i="0" u="none" strike="noStrike" kern="1200" spc="0" baseline="0">
+              <a:solidFill>
+                <a:schemeClr val="tx1">
+                  <a:lumMod val="65000"/>
+                  <a:lumOff val="35000"/>
+                </a:schemeClr>
+              </a:solidFill>
+              <a:latin typeface="+mn-lt"/>
+              <a:ea typeface="+mn-ea"/>
+              <a:cs typeface="+mn-cs"/>
+            </a:defRPr>
+          </a:pPr>
+          <a:endParaRPr lang="en-US"/>
+        </a:p>
+      </c:txPr>
+    </c:title>
+    <c:autoTitleDeleted val="0"/>
+    <c:plotArea>
+      <c:layout/>
+      <c:scatterChart>
+        <c:scatterStyle val="lineMarker"/>
+        <c:varyColors val="0"/>
+        <c:ser>
+          <c:idx val="0"/>
+          <c:order val="0"/>
+          <c:tx>
+            <c:v>Assign #6 Node: 2</c:v>
+          </c:tx>
+          <c:spPr>
+            <a:ln w="25400" cap="rnd">
+              <a:noFill/>
+              <a:round/>
+            </a:ln>
+            <a:effectLst/>
+          </c:spPr>
+          <c:marker>
+            <c:symbol val="circle"/>
+            <c:size val="5"/>
+            <c:spPr>
+              <a:solidFill>
+                <a:schemeClr val="accent1"/>
+              </a:solidFill>
+              <a:ln w="9525">
+                <a:solidFill>
+                  <a:schemeClr val="accent1"/>
+                </a:solidFill>
+              </a:ln>
+              <a:effectLst/>
+            </c:spPr>
+          </c:marker>
+          <c:trendline>
+            <c:spPr>
+              <a:ln w="19050" cap="rnd">
+                <a:solidFill>
+                  <a:schemeClr val="accent1"/>
+                </a:solidFill>
+                <a:prstDash val="sysDot"/>
+              </a:ln>
+              <a:effectLst/>
+            </c:spPr>
+            <c:trendlineType val="linear"/>
+            <c:dispRSqr val="0"/>
+            <c:dispEq val="0"/>
+          </c:trendline>
+          <c:trendline>
+            <c:spPr>
+              <a:ln w="19050" cap="rnd">
+                <a:solidFill>
+                  <a:schemeClr val="accent1"/>
+                </a:solidFill>
+                <a:prstDash val="sysDot"/>
+              </a:ln>
+              <a:effectLst/>
+            </c:spPr>
+            <c:trendlineType val="linear"/>
+            <c:dispRSqr val="0"/>
+            <c:dispEq val="0"/>
+          </c:trendline>
+          <c:trendline>
+            <c:spPr>
+              <a:ln w="19050" cap="rnd">
+                <a:solidFill>
+                  <a:schemeClr val="accent1"/>
+                </a:solidFill>
+                <a:prstDash val="sysDot"/>
+              </a:ln>
+              <a:effectLst/>
+            </c:spPr>
+            <c:trendlineType val="linear"/>
+            <c:dispRSqr val="0"/>
+            <c:dispEq val="1"/>
+            <c:trendlineLbl>
+              <c:layout>
+                <c:manualLayout>
+                  <c:x val="0.13345185413365357"/>
+                  <c:y val="-0.29898779502471817"/>
+                </c:manualLayout>
+              </c:layout>
+              <c:numFmt formatCode="General" sourceLinked="0"/>
+              <c:spPr>
+                <a:noFill/>
+                <a:ln>
+                  <a:noFill/>
+                </a:ln>
+                <a:effectLst/>
+              </c:spPr>
+              <c:txPr>
+                <a:bodyPr rot="0" spcFirstLastPara="1" vertOverflow="ellipsis" vert="horz" wrap="square" anchor="ctr" anchorCtr="1"/>
+                <a:lstStyle/>
+                <a:p>
+                  <a:pPr>
+                    <a:defRPr sz="900" b="0" i="0" u="none" strike="noStrike" kern="1200" baseline="0">
+                      <a:solidFill>
+                        <a:schemeClr val="tx1">
+                          <a:lumMod val="65000"/>
+                          <a:lumOff val="35000"/>
+                        </a:schemeClr>
+                      </a:solidFill>
+                      <a:latin typeface="+mn-lt"/>
+                      <a:ea typeface="+mn-ea"/>
+                      <a:cs typeface="+mn-cs"/>
+                    </a:defRPr>
+                  </a:pPr>
+                  <a:endParaRPr lang="en-US"/>
+                </a:p>
+              </c:txPr>
+            </c:trendlineLbl>
+          </c:trendline>
+          <c:xVal>
+            <c:numRef>
+              <c:f>Sheet1!$Z$35:$Z$47</c:f>
+              <c:numCache>
+                <c:formatCode>General</c:formatCode>
+                <c:ptCount val="13"/>
+                <c:pt idx="0">
+                  <c:v>256</c:v>
+                </c:pt>
+                <c:pt idx="3">
+                  <c:v>128</c:v>
+                </c:pt>
+                <c:pt idx="6">
+                  <c:v>64</c:v>
+                </c:pt>
+                <c:pt idx="9">
+                  <c:v>32</c:v>
+                </c:pt>
+                <c:pt idx="12">
+                  <c:v>16</c:v>
+                </c:pt>
+              </c:numCache>
+            </c:numRef>
+          </c:xVal>
+          <c:yVal>
+            <c:numRef>
+              <c:f>Sheet1!$AB$37:$AB$49</c:f>
+              <c:numCache>
+                <c:formatCode>General</c:formatCode>
+                <c:ptCount val="13"/>
+                <c:pt idx="0">
+                  <c:v>0.84452766666666668</c:v>
+                </c:pt>
+                <c:pt idx="3">
+                  <c:v>0.84762766666666656</c:v>
+                </c:pt>
+                <c:pt idx="6">
+                  <c:v>0.83860200000000018</c:v>
+                </c:pt>
+                <c:pt idx="9">
+                  <c:v>0.84443400000000002</c:v>
+                </c:pt>
+                <c:pt idx="12">
+                  <c:v>0.8667355000000001</c:v>
+                </c:pt>
+              </c:numCache>
+            </c:numRef>
+          </c:yVal>
+          <c:smooth val="0"/>
+          <c:extLst>
+            <c:ext xmlns:c16="http://schemas.microsoft.com/office/drawing/2014/chart" uri="{C3380CC4-5D6E-409C-BE32-E72D297353CC}">
+              <c16:uniqueId val="{00000003-17D7-4FA6-971F-ED2619D1A861}"/>
+            </c:ext>
+          </c:extLst>
+        </c:ser>
+        <c:dLbls>
+          <c:showLegendKey val="0"/>
+          <c:showVal val="0"/>
+          <c:showCatName val="0"/>
+          <c:showSerName val="0"/>
+          <c:showPercent val="0"/>
+          <c:showBubbleSize val="0"/>
+        </c:dLbls>
+        <c:axId val="544197952"/>
+        <c:axId val="544197624"/>
+      </c:scatterChart>
+      <c:valAx>
+        <c:axId val="544197952"/>
+        <c:scaling>
+          <c:orientation val="minMax"/>
+        </c:scaling>
+        <c:delete val="0"/>
+        <c:axPos val="b"/>
+        <c:majorGridlines>
+          <c:spPr>
+            <a:ln w="9525" cap="flat" cmpd="sng" algn="ctr">
+              <a:solidFill>
+                <a:schemeClr val="tx1">
+                  <a:lumMod val="15000"/>
+                  <a:lumOff val="85000"/>
+                </a:schemeClr>
+              </a:solidFill>
+              <a:round/>
+            </a:ln>
+            <a:effectLst/>
+          </c:spPr>
+        </c:majorGridlines>
+        <c:title>
+          <c:tx>
+            <c:rich>
+              <a:bodyPr rot="0" spcFirstLastPara="1" vertOverflow="ellipsis" vert="horz" wrap="square" anchor="ctr" anchorCtr="1"/>
+              <a:lstStyle/>
+              <a:p>
+                <a:pPr>
+                  <a:defRPr sz="1000" b="0" i="0" u="none" strike="noStrike" kern="1200" baseline="0">
+                    <a:solidFill>
+                      <a:schemeClr val="tx1">
+                        <a:lumMod val="65000"/>
+                        <a:lumOff val="35000"/>
+                      </a:schemeClr>
+                    </a:solidFill>
+                    <a:latin typeface="+mn-lt"/>
+                    <a:ea typeface="+mn-ea"/>
+                    <a:cs typeface="+mn-cs"/>
+                  </a:defRPr>
+                </a:pPr>
+                <a:r>
+                  <a:rPr lang="en-US"/>
+                  <a:t>Rows</a:t>
+                </a:r>
+                <a:r>
+                  <a:rPr lang="en-US" baseline="0"/>
+                  <a:t> Per Task</a:t>
+                </a:r>
+                <a:endParaRPr lang="en-US"/>
+              </a:p>
+            </c:rich>
+          </c:tx>
+          <c:overlay val="0"/>
+          <c:spPr>
+            <a:noFill/>
+            <a:ln>
+              <a:noFill/>
+            </a:ln>
+            <a:effectLst/>
+          </c:spPr>
+          <c:txPr>
+            <a:bodyPr rot="0" spcFirstLastPara="1" vertOverflow="ellipsis" vert="horz" wrap="square" anchor="ctr" anchorCtr="1"/>
+            <a:lstStyle/>
+            <a:p>
+              <a:pPr>
+                <a:defRPr sz="1000" b="0" i="0" u="none" strike="noStrike" kern="1200" baseline="0">
+                  <a:solidFill>
+                    <a:schemeClr val="tx1">
+                      <a:lumMod val="65000"/>
+                      <a:lumOff val="35000"/>
+                    </a:schemeClr>
+                  </a:solidFill>
+                  <a:latin typeface="+mn-lt"/>
+                  <a:ea typeface="+mn-ea"/>
+                  <a:cs typeface="+mn-cs"/>
+                </a:defRPr>
+              </a:pPr>
+              <a:endParaRPr lang="en-US"/>
+            </a:p>
+          </c:txPr>
+        </c:title>
+        <c:numFmt formatCode="General" sourceLinked="1"/>
+        <c:majorTickMark val="none"/>
+        <c:minorTickMark val="none"/>
+        <c:tickLblPos val="nextTo"/>
+        <c:spPr>
+          <a:noFill/>
+          <a:ln w="9525" cap="flat" cmpd="sng" algn="ctr">
+            <a:solidFill>
+              <a:schemeClr val="tx1">
+                <a:lumMod val="25000"/>
+                <a:lumOff val="75000"/>
+              </a:schemeClr>
+            </a:solidFill>
+            <a:round/>
+          </a:ln>
+          <a:effectLst/>
+        </c:spPr>
+        <c:txPr>
+          <a:bodyPr rot="-60000000" spcFirstLastPara="1" vertOverflow="ellipsis" vert="horz" wrap="square" anchor="ctr" anchorCtr="1"/>
+          <a:lstStyle/>
+          <a:p>
+            <a:pPr>
+              <a:defRPr sz="900" b="0" i="0" u="none" strike="noStrike" kern="1200" baseline="0">
+                <a:solidFill>
+                  <a:schemeClr val="tx1">
+                    <a:lumMod val="65000"/>
+                    <a:lumOff val="35000"/>
+                  </a:schemeClr>
+                </a:solidFill>
+                <a:latin typeface="+mn-lt"/>
+                <a:ea typeface="+mn-ea"/>
+                <a:cs typeface="+mn-cs"/>
+              </a:defRPr>
+            </a:pPr>
+            <a:endParaRPr lang="en-US"/>
+          </a:p>
+        </c:txPr>
+        <c:crossAx val="544197624"/>
+        <c:crosses val="autoZero"/>
+        <c:crossBetween val="midCat"/>
+      </c:valAx>
+      <c:valAx>
+        <c:axId val="544197624"/>
+        <c:scaling>
+          <c:orientation val="minMax"/>
+        </c:scaling>
+        <c:delete val="0"/>
+        <c:axPos val="l"/>
+        <c:majorGridlines>
+          <c:spPr>
+            <a:ln w="9525" cap="flat" cmpd="sng" algn="ctr">
+              <a:solidFill>
+                <a:schemeClr val="tx1">
+                  <a:lumMod val="15000"/>
+                  <a:lumOff val="85000"/>
+                </a:schemeClr>
+              </a:solidFill>
+              <a:round/>
+            </a:ln>
+            <a:effectLst/>
+          </c:spPr>
+        </c:majorGridlines>
+        <c:title>
+          <c:tx>
+            <c:rich>
+              <a:bodyPr rot="-5400000" spcFirstLastPara="1" vertOverflow="ellipsis" vert="horz" wrap="square" anchor="ctr" anchorCtr="1"/>
+              <a:lstStyle/>
+              <a:p>
+                <a:pPr>
+                  <a:defRPr sz="1000" b="0" i="0" u="none" strike="noStrike" kern="1200" baseline="0">
+                    <a:solidFill>
+                      <a:schemeClr val="tx1">
+                        <a:lumMod val="65000"/>
+                        <a:lumOff val="35000"/>
+                      </a:schemeClr>
+                    </a:solidFill>
+                    <a:latin typeface="+mn-lt"/>
+                    <a:ea typeface="+mn-ea"/>
+                    <a:cs typeface="+mn-cs"/>
+                  </a:defRPr>
+                </a:pPr>
+                <a:r>
+                  <a:rPr lang="en-US"/>
+                  <a:t>Seconds</a:t>
+                </a:r>
+                <a:r>
+                  <a:rPr lang="en-US" baseline="0"/>
+                  <a:t> </a:t>
+                </a:r>
+                <a:endParaRPr lang="en-US"/>
+              </a:p>
+            </c:rich>
+          </c:tx>
+          <c:overlay val="0"/>
+          <c:spPr>
+            <a:noFill/>
+            <a:ln>
+              <a:noFill/>
+            </a:ln>
+            <a:effectLst/>
+          </c:spPr>
+          <c:txPr>
+            <a:bodyPr rot="-5400000" spcFirstLastPara="1" vertOverflow="ellipsis" vert="horz" wrap="square" anchor="ctr" anchorCtr="1"/>
+            <a:lstStyle/>
+            <a:p>
+              <a:pPr>
+                <a:defRPr sz="1000" b="0" i="0" u="none" strike="noStrike" kern="1200" baseline="0">
+                  <a:solidFill>
+                    <a:schemeClr val="tx1">
+                      <a:lumMod val="65000"/>
+                      <a:lumOff val="35000"/>
+                    </a:schemeClr>
+                  </a:solidFill>
+                  <a:latin typeface="+mn-lt"/>
+                  <a:ea typeface="+mn-ea"/>
+                  <a:cs typeface="+mn-cs"/>
+                </a:defRPr>
+              </a:pPr>
+              <a:endParaRPr lang="en-US"/>
+            </a:p>
+          </c:txPr>
+        </c:title>
+        <c:numFmt formatCode="General" sourceLinked="1"/>
+        <c:majorTickMark val="none"/>
+        <c:minorTickMark val="none"/>
+        <c:tickLblPos val="nextTo"/>
+        <c:spPr>
+          <a:noFill/>
+          <a:ln w="9525" cap="flat" cmpd="sng" algn="ctr">
+            <a:solidFill>
+              <a:schemeClr val="tx1">
+                <a:lumMod val="25000"/>
+                <a:lumOff val="75000"/>
+              </a:schemeClr>
+            </a:solidFill>
+            <a:round/>
+          </a:ln>
+          <a:effectLst/>
+        </c:spPr>
+        <c:txPr>
+          <a:bodyPr rot="-60000000" spcFirstLastPara="1" vertOverflow="ellipsis" vert="horz" wrap="square" anchor="ctr" anchorCtr="1"/>
+          <a:lstStyle/>
+          <a:p>
+            <a:pPr>
+              <a:defRPr sz="900" b="0" i="0" u="none" strike="noStrike" kern="1200" baseline="0">
+                <a:solidFill>
+                  <a:schemeClr val="tx1">
+                    <a:lumMod val="65000"/>
+                    <a:lumOff val="35000"/>
+                  </a:schemeClr>
+                </a:solidFill>
+                <a:latin typeface="+mn-lt"/>
+                <a:ea typeface="+mn-ea"/>
+                <a:cs typeface="+mn-cs"/>
+              </a:defRPr>
+            </a:pPr>
+            <a:endParaRPr lang="en-US"/>
+          </a:p>
+        </c:txPr>
+        <c:crossAx val="544197952"/>
+        <c:crosses val="autoZero"/>
+        <c:crossBetween val="midCat"/>
+      </c:valAx>
+      <c:spPr>
+        <a:noFill/>
+        <a:ln>
+          <a:noFill/>
+        </a:ln>
+        <a:effectLst/>
+      </c:spPr>
+    </c:plotArea>
+    <c:plotVisOnly val="1"/>
+    <c:dispBlanksAs val="gap"/>
+    <c:extLst>
+      <c:ext xmlns:c16r3="http://schemas.microsoft.com/office/drawing/2017/03/chart" uri="{56B9EC1D-385E-4148-901F-78D8002777C0}">
+        <c16r3:dataDisplayOptions16>
+          <c16r3:dispNaAsBlank val="1"/>
+        </c16r3:dataDisplayOptions16>
+      </c:ext>
+    </c:extLst>
+    <c:showDLblsOverMax val="0"/>
+  </c:chart>
+  <c:spPr>
+    <a:noFill/>
+    <a:ln>
+      <a:noFill/>
+    </a:ln>
+    <a:effectLst/>
+  </c:spPr>
+  <c:txPr>
+    <a:bodyPr/>
+    <a:lstStyle/>
+    <a:p>
+      <a:pPr>
+        <a:defRPr/>
+      </a:pPr>
+      <a:endParaRPr lang="en-US"/>
+    </a:p>
+  </c:txPr>
+  <c:externalData r:id="rId3">
+    <c:autoUpdate val="0"/>
+  </c:externalData>
+</c:chartSpace>
+</file>
+
+<file path=ppt/charts/chart3.xml><?xml version="1.0" encoding="utf-8"?>
+<c:chartSpace xmlns:c="http://schemas.openxmlformats.org/drawingml/2006/chart" xmlns:a="http://schemas.openxmlformats.org/drawingml/2006/main" xmlns:r="http://schemas.openxmlformats.org/officeDocument/2006/relationships" xmlns:c16r2="http://schemas.microsoft.com/office/drawing/2015/06/chart">
+  <c:date1904 val="0"/>
+  <c:lang val="en-US"/>
+  <c:roundedCorners val="0"/>
+  <mc:AlternateContent xmlns:mc="http://schemas.openxmlformats.org/markup-compatibility/2006">
+    <mc:Choice xmlns:c14="http://schemas.microsoft.com/office/drawing/2007/8/2/chart" Requires="c14">
+      <c14:style val="102"/>
+    </mc:Choice>
+    <mc:Fallback>
+      <c:style val="2"/>
+    </mc:Fallback>
+  </mc:AlternateContent>
+  <c:chart>
+    <c:title>
+      <c:tx>
+        <c:rich>
+          <a:bodyPr rot="0" spcFirstLastPara="1" vertOverflow="ellipsis" vert="horz" wrap="square" anchor="ctr" anchorCtr="1"/>
+          <a:lstStyle/>
+          <a:p>
+            <a:pPr>
+              <a:defRPr sz="1400" b="0" i="0" u="none" strike="noStrike" kern="1200" spc="0" baseline="0">
+                <a:solidFill>
+                  <a:schemeClr val="tx1">
+                    <a:lumMod val="65000"/>
+                    <a:lumOff val="35000"/>
+                  </a:schemeClr>
+                </a:solidFill>
+                <a:latin typeface="+mn-lt"/>
+                <a:ea typeface="+mn-ea"/>
+                <a:cs typeface="+mn-cs"/>
+              </a:defRPr>
+            </a:pPr>
+            <a:r>
+              <a:rPr lang="en-US"/>
+              <a:t>Node: 4 Dynamic Matrix</a:t>
+            </a:r>
+          </a:p>
+          <a:p>
+            <a:pPr>
+              <a:defRPr/>
+            </a:pPr>
+            <a:r>
+              <a:rPr lang="en-US"/>
+              <a:t>Size: 2-512 </a:t>
+            </a:r>
+          </a:p>
+          <a:p>
+            <a:pPr>
+              <a:defRPr/>
+            </a:pPr>
+            <a:r>
+              <a:rPr lang="en-US"/>
+              <a:t>Non-Blocking</a:t>
+            </a:r>
+          </a:p>
+        </c:rich>
+      </c:tx>
+      <c:overlay val="0"/>
+      <c:spPr>
+        <a:noFill/>
+        <a:ln>
+          <a:noFill/>
+        </a:ln>
+        <a:effectLst/>
+      </c:spPr>
+      <c:txPr>
+        <a:bodyPr rot="0" spcFirstLastPara="1" vertOverflow="ellipsis" vert="horz" wrap="square" anchor="ctr" anchorCtr="1"/>
+        <a:lstStyle/>
+        <a:p>
+          <a:pPr>
+            <a:defRPr sz="1400" b="0" i="0" u="none" strike="noStrike" kern="1200" spc="0" baseline="0">
+              <a:solidFill>
+                <a:schemeClr val="tx1">
+                  <a:lumMod val="65000"/>
+                  <a:lumOff val="35000"/>
+                </a:schemeClr>
+              </a:solidFill>
+              <a:latin typeface="+mn-lt"/>
+              <a:ea typeface="+mn-ea"/>
+              <a:cs typeface="+mn-cs"/>
+            </a:defRPr>
+          </a:pPr>
+          <a:endParaRPr lang="en-US"/>
+        </a:p>
+      </c:txPr>
+    </c:title>
+    <c:autoTitleDeleted val="0"/>
+    <c:plotArea>
+      <c:layout/>
+      <c:scatterChart>
+        <c:scatterStyle val="lineMarker"/>
+        <c:varyColors val="0"/>
+        <c:ser>
+          <c:idx val="0"/>
+          <c:order val="0"/>
+          <c:tx>
+            <c:v>Node: 4 Dynamic Matrix </c:v>
+          </c:tx>
+          <c:spPr>
+            <a:ln w="25400" cap="rnd">
+              <a:noFill/>
+              <a:round/>
+            </a:ln>
+            <a:effectLst/>
+          </c:spPr>
+          <c:marker>
+            <c:symbol val="circle"/>
+            <c:size val="5"/>
+            <c:spPr>
+              <a:solidFill>
+                <a:schemeClr val="accent1"/>
+              </a:solidFill>
+              <a:ln w="9525">
+                <a:solidFill>
+                  <a:schemeClr val="accent1"/>
+                </a:solidFill>
+              </a:ln>
+              <a:effectLst/>
+            </c:spPr>
+          </c:marker>
+          <c:trendline>
+            <c:spPr>
+              <a:ln w="19050" cap="rnd">
+                <a:solidFill>
+                  <a:schemeClr val="accent1"/>
+                </a:solidFill>
+                <a:prstDash val="sysDot"/>
+              </a:ln>
+              <a:effectLst/>
+            </c:spPr>
+            <c:trendlineType val="linear"/>
+            <c:dispRSqr val="0"/>
+            <c:dispEq val="0"/>
+          </c:trendline>
+          <c:trendline>
+            <c:spPr>
+              <a:ln w="19050" cap="rnd">
+                <a:solidFill>
+                  <a:schemeClr val="accent1"/>
+                </a:solidFill>
+                <a:prstDash val="sysDot"/>
+              </a:ln>
+              <a:effectLst/>
+            </c:spPr>
+            <c:trendlineType val="linear"/>
+            <c:dispRSqr val="0"/>
+            <c:dispEq val="0"/>
+          </c:trendline>
+          <c:trendline>
+            <c:spPr>
+              <a:ln w="19050" cap="rnd">
+                <a:solidFill>
+                  <a:schemeClr val="accent1"/>
+                </a:solidFill>
+                <a:prstDash val="sysDot"/>
+              </a:ln>
+              <a:effectLst/>
+            </c:spPr>
+            <c:trendlineType val="linear"/>
+            <c:dispRSqr val="0"/>
+            <c:dispEq val="0"/>
+          </c:trendline>
+          <c:trendline>
+            <c:spPr>
+              <a:ln w="19050" cap="rnd">
+                <a:solidFill>
+                  <a:schemeClr val="accent1"/>
+                </a:solidFill>
+                <a:prstDash val="sysDot"/>
+              </a:ln>
+              <a:effectLst/>
+            </c:spPr>
+            <c:trendlineType val="linear"/>
+            <c:dispRSqr val="0"/>
+            <c:dispEq val="0"/>
+          </c:trendline>
+          <c:trendline>
+            <c:spPr>
+              <a:ln w="19050" cap="rnd">
+                <a:solidFill>
+                  <a:schemeClr val="accent1"/>
+                </a:solidFill>
+                <a:prstDash val="sysDot"/>
+              </a:ln>
+              <a:effectLst/>
+            </c:spPr>
+            <c:trendlineType val="linear"/>
+            <c:dispRSqr val="0"/>
+            <c:dispEq val="0"/>
+          </c:trendline>
+          <c:trendline>
+            <c:spPr>
+              <a:ln w="19050" cap="rnd">
+                <a:solidFill>
+                  <a:schemeClr val="accent1"/>
+                </a:solidFill>
+                <a:prstDash val="sysDot"/>
+              </a:ln>
+              <a:effectLst/>
+            </c:spPr>
+            <c:trendlineType val="linear"/>
+            <c:dispRSqr val="0"/>
+            <c:dispEq val="0"/>
+          </c:trendline>
+          <c:trendline>
+            <c:spPr>
+              <a:ln w="19050" cap="rnd">
+                <a:solidFill>
+                  <a:schemeClr val="accent1"/>
+                </a:solidFill>
+                <a:prstDash val="sysDot"/>
+              </a:ln>
+              <a:effectLst/>
+            </c:spPr>
+            <c:trendlineType val="linear"/>
+            <c:dispRSqr val="0"/>
+            <c:dispEq val="1"/>
+            <c:trendlineLbl>
+              <c:layout>
+                <c:manualLayout>
+                  <c:x val="0.10270527994025819"/>
+                  <c:y val="0.26261499880548589"/>
+                </c:manualLayout>
+              </c:layout>
+              <c:numFmt formatCode="General" sourceLinked="0"/>
+              <c:spPr>
+                <a:noFill/>
+                <a:ln>
+                  <a:noFill/>
+                </a:ln>
+                <a:effectLst/>
+              </c:spPr>
+              <c:txPr>
+                <a:bodyPr rot="0" spcFirstLastPara="1" vertOverflow="ellipsis" vert="horz" wrap="square" anchor="ctr" anchorCtr="1"/>
+                <a:lstStyle/>
+                <a:p>
+                  <a:pPr>
+                    <a:defRPr sz="900" b="0" i="0" u="none" strike="noStrike" kern="1200" baseline="0">
+                      <a:solidFill>
+                        <a:schemeClr val="tx1">
+                          <a:lumMod val="65000"/>
+                          <a:lumOff val="35000"/>
+                        </a:schemeClr>
+                      </a:solidFill>
+                      <a:latin typeface="+mn-lt"/>
+                      <a:ea typeface="+mn-ea"/>
+                      <a:cs typeface="+mn-cs"/>
+                    </a:defRPr>
+                  </a:pPr>
+                  <a:endParaRPr lang="en-US"/>
+                </a:p>
+              </c:txPr>
+            </c:trendlineLbl>
+          </c:trendline>
+          <c:xVal>
+            <c:numRef>
+              <c:f>Sheet1!$R$22:$R$43</c:f>
+              <c:numCache>
+                <c:formatCode>General</c:formatCode>
+                <c:ptCount val="22"/>
+                <c:pt idx="0">
+                  <c:v>2</c:v>
+                </c:pt>
+                <c:pt idx="3">
+                  <c:v>4</c:v>
+                </c:pt>
+                <c:pt idx="6">
+                  <c:v>16</c:v>
+                </c:pt>
+                <c:pt idx="9">
+                  <c:v>32</c:v>
+                </c:pt>
+                <c:pt idx="12">
+                  <c:v>64</c:v>
+                </c:pt>
+                <c:pt idx="15">
+                  <c:v>128</c:v>
+                </c:pt>
+                <c:pt idx="18">
+                  <c:v>256</c:v>
+                </c:pt>
+                <c:pt idx="21">
+                  <c:v>512</c:v>
+                </c:pt>
+              </c:numCache>
+            </c:numRef>
+          </c:xVal>
+          <c:yVal>
+            <c:numRef>
+              <c:f>Sheet1!$U$24:$U$45</c:f>
+              <c:numCache>
+                <c:formatCode>General</c:formatCode>
+                <c:ptCount val="22"/>
+                <c:pt idx="0">
+                  <c:v>1.4643333333333333E-3</c:v>
+                </c:pt>
+                <c:pt idx="3">
+                  <c:v>1.745E-3</c:v>
+                </c:pt>
+                <c:pt idx="6">
+                  <c:v>3.6586666666666664E-3</c:v>
+                </c:pt>
+                <c:pt idx="9">
+                  <c:v>6.0569999999999999E-3</c:v>
+                </c:pt>
+                <c:pt idx="12">
+                  <c:v>1.1115666666666668E-2</c:v>
+                </c:pt>
+                <c:pt idx="15">
+                  <c:v>2.1459000000000002E-2</c:v>
+                </c:pt>
+                <c:pt idx="18">
+                  <c:v>6.5528666666666666E-2</c:v>
+                </c:pt>
+                <c:pt idx="21">
+                  <c:v>0.48277199999999998</c:v>
+                </c:pt>
+              </c:numCache>
+            </c:numRef>
+          </c:yVal>
+          <c:smooth val="0"/>
+          <c:extLst>
+            <c:ext xmlns:c16="http://schemas.microsoft.com/office/drawing/2014/chart" uri="{C3380CC4-5D6E-409C-BE32-E72D297353CC}">
+              <c16:uniqueId val="{00000007-3454-4B1A-B399-3F847C4A3B3F}"/>
+            </c:ext>
+          </c:extLst>
+        </c:ser>
+        <c:dLbls>
+          <c:showLegendKey val="0"/>
+          <c:showVal val="0"/>
+          <c:showCatName val="0"/>
+          <c:showSerName val="0"/>
+          <c:showPercent val="0"/>
+          <c:showBubbleSize val="0"/>
+        </c:dLbls>
+        <c:axId val="442687584"/>
+        <c:axId val="442689552"/>
+      </c:scatterChart>
+      <c:valAx>
+        <c:axId val="442687584"/>
+        <c:scaling>
+          <c:orientation val="minMax"/>
+        </c:scaling>
+        <c:delete val="0"/>
+        <c:axPos val="b"/>
+        <c:majorGridlines>
+          <c:spPr>
+            <a:ln w="9525" cap="flat" cmpd="sng" algn="ctr">
+              <a:solidFill>
+                <a:schemeClr val="tx1">
+                  <a:lumMod val="15000"/>
+                  <a:lumOff val="85000"/>
+                </a:schemeClr>
+              </a:solidFill>
+              <a:round/>
+            </a:ln>
+            <a:effectLst/>
+          </c:spPr>
+        </c:majorGridlines>
+        <c:title>
+          <c:tx>
+            <c:rich>
+              <a:bodyPr rot="0" spcFirstLastPara="1" vertOverflow="ellipsis" vert="horz" wrap="square" anchor="ctr" anchorCtr="1"/>
+              <a:lstStyle/>
+              <a:p>
+                <a:pPr>
+                  <a:defRPr sz="1000" b="0" i="0" u="none" strike="noStrike" kern="1200" baseline="0">
+                    <a:solidFill>
+                      <a:schemeClr val="tx1">
+                        <a:lumMod val="65000"/>
+                        <a:lumOff val="35000"/>
+                      </a:schemeClr>
+                    </a:solidFill>
+                    <a:latin typeface="+mn-lt"/>
+                    <a:ea typeface="+mn-ea"/>
+                    <a:cs typeface="+mn-cs"/>
+                  </a:defRPr>
+                </a:pPr>
+                <a:r>
+                  <a:rPr lang="en-US"/>
+                  <a:t>Matrix</a:t>
+                </a:r>
+                <a:r>
+                  <a:rPr lang="en-US" baseline="0"/>
+                  <a:t> Size </a:t>
+                </a:r>
+                <a:endParaRPr lang="en-US"/>
+              </a:p>
+            </c:rich>
+          </c:tx>
+          <c:overlay val="0"/>
+          <c:spPr>
+            <a:noFill/>
+            <a:ln>
+              <a:noFill/>
+            </a:ln>
+            <a:effectLst/>
+          </c:spPr>
+          <c:txPr>
+            <a:bodyPr rot="0" spcFirstLastPara="1" vertOverflow="ellipsis" vert="horz" wrap="square" anchor="ctr" anchorCtr="1"/>
+            <a:lstStyle/>
+            <a:p>
+              <a:pPr>
+                <a:defRPr sz="1000" b="0" i="0" u="none" strike="noStrike" kern="1200" baseline="0">
+                  <a:solidFill>
+                    <a:schemeClr val="tx1">
+                      <a:lumMod val="65000"/>
+                      <a:lumOff val="35000"/>
+                    </a:schemeClr>
+                  </a:solidFill>
+                  <a:latin typeface="+mn-lt"/>
+                  <a:ea typeface="+mn-ea"/>
+                  <a:cs typeface="+mn-cs"/>
+                </a:defRPr>
+              </a:pPr>
+              <a:endParaRPr lang="en-US"/>
+            </a:p>
+          </c:txPr>
+        </c:title>
+        <c:numFmt formatCode="General" sourceLinked="1"/>
+        <c:majorTickMark val="none"/>
+        <c:minorTickMark val="none"/>
+        <c:tickLblPos val="nextTo"/>
+        <c:spPr>
+          <a:noFill/>
+          <a:ln w="9525" cap="flat" cmpd="sng" algn="ctr">
+            <a:solidFill>
+              <a:schemeClr val="tx1">
+                <a:lumMod val="25000"/>
+                <a:lumOff val="75000"/>
+              </a:schemeClr>
+            </a:solidFill>
+            <a:round/>
+          </a:ln>
+          <a:effectLst/>
+        </c:spPr>
+        <c:txPr>
+          <a:bodyPr rot="-60000000" spcFirstLastPara="1" vertOverflow="ellipsis" vert="horz" wrap="square" anchor="ctr" anchorCtr="1"/>
+          <a:lstStyle/>
+          <a:p>
+            <a:pPr>
+              <a:defRPr sz="900" b="0" i="0" u="none" strike="noStrike" kern="1200" baseline="0">
+                <a:solidFill>
+                  <a:schemeClr val="tx1">
+                    <a:lumMod val="65000"/>
+                    <a:lumOff val="35000"/>
+                  </a:schemeClr>
+                </a:solidFill>
+                <a:latin typeface="+mn-lt"/>
+                <a:ea typeface="+mn-ea"/>
+                <a:cs typeface="+mn-cs"/>
+              </a:defRPr>
+            </a:pPr>
+            <a:endParaRPr lang="en-US"/>
+          </a:p>
+        </c:txPr>
+        <c:crossAx val="442689552"/>
+        <c:crosses val="autoZero"/>
+        <c:crossBetween val="midCat"/>
+      </c:valAx>
+      <c:valAx>
+        <c:axId val="442689552"/>
+        <c:scaling>
+          <c:orientation val="minMax"/>
+          <c:max val="0.60000000000000009"/>
+        </c:scaling>
+        <c:delete val="0"/>
+        <c:axPos val="l"/>
+        <c:majorGridlines>
+          <c:spPr>
+            <a:ln w="9525" cap="flat" cmpd="sng" algn="ctr">
+              <a:solidFill>
+                <a:schemeClr val="tx1">
+                  <a:lumMod val="15000"/>
+                  <a:lumOff val="85000"/>
+                </a:schemeClr>
+              </a:solidFill>
+              <a:round/>
+            </a:ln>
+            <a:effectLst/>
+          </c:spPr>
+        </c:majorGridlines>
+        <c:title>
+          <c:tx>
+            <c:rich>
+              <a:bodyPr rot="-5400000" spcFirstLastPara="1" vertOverflow="ellipsis" vert="horz" wrap="square" anchor="ctr" anchorCtr="1"/>
+              <a:lstStyle/>
+              <a:p>
+                <a:pPr>
+                  <a:defRPr sz="1000" b="0" i="0" u="none" strike="noStrike" kern="1200" baseline="0">
+                    <a:solidFill>
+                      <a:schemeClr val="tx1">
+                        <a:lumMod val="65000"/>
+                        <a:lumOff val="35000"/>
+                      </a:schemeClr>
+                    </a:solidFill>
+                    <a:latin typeface="+mn-lt"/>
+                    <a:ea typeface="+mn-ea"/>
+                    <a:cs typeface="+mn-cs"/>
+                  </a:defRPr>
+                </a:pPr>
+                <a:r>
+                  <a:rPr lang="en-US"/>
+                  <a:t>Seconds</a:t>
+                </a:r>
+                <a:r>
+                  <a:rPr lang="en-US" baseline="0"/>
+                  <a:t> </a:t>
+                </a:r>
+                <a:r>
+                  <a:rPr lang="en-US"/>
+                  <a:t> </a:t>
+                </a:r>
+              </a:p>
+            </c:rich>
+          </c:tx>
+          <c:overlay val="0"/>
+          <c:spPr>
+            <a:noFill/>
+            <a:ln>
+              <a:noFill/>
+            </a:ln>
+            <a:effectLst/>
+          </c:spPr>
+          <c:txPr>
+            <a:bodyPr rot="-5400000" spcFirstLastPara="1" vertOverflow="ellipsis" vert="horz" wrap="square" anchor="ctr" anchorCtr="1"/>
+            <a:lstStyle/>
+            <a:p>
+              <a:pPr>
+                <a:defRPr sz="1000" b="0" i="0" u="none" strike="noStrike" kern="1200" baseline="0">
+                  <a:solidFill>
+                    <a:schemeClr val="tx1">
+                      <a:lumMod val="65000"/>
+                      <a:lumOff val="35000"/>
+                    </a:schemeClr>
+                  </a:solidFill>
+                  <a:latin typeface="+mn-lt"/>
+                  <a:ea typeface="+mn-ea"/>
+                  <a:cs typeface="+mn-cs"/>
+                </a:defRPr>
+              </a:pPr>
+              <a:endParaRPr lang="en-US"/>
+            </a:p>
+          </c:txPr>
+        </c:title>
+        <c:numFmt formatCode="General" sourceLinked="1"/>
+        <c:majorTickMark val="none"/>
+        <c:minorTickMark val="none"/>
+        <c:tickLblPos val="nextTo"/>
+        <c:spPr>
+          <a:noFill/>
+          <a:ln w="9525" cap="flat" cmpd="sng" algn="ctr">
+            <a:solidFill>
+              <a:schemeClr val="tx1">
+                <a:lumMod val="25000"/>
+                <a:lumOff val="75000"/>
+              </a:schemeClr>
+            </a:solidFill>
+            <a:round/>
+          </a:ln>
+          <a:effectLst/>
+        </c:spPr>
+        <c:txPr>
+          <a:bodyPr rot="-60000000" spcFirstLastPara="1" vertOverflow="ellipsis" vert="horz" wrap="square" anchor="ctr" anchorCtr="1"/>
+          <a:lstStyle/>
+          <a:p>
+            <a:pPr>
+              <a:defRPr sz="900" b="0" i="0" u="none" strike="noStrike" kern="1200" baseline="0">
+                <a:solidFill>
+                  <a:schemeClr val="tx1">
+                    <a:lumMod val="65000"/>
+                    <a:lumOff val="35000"/>
+                  </a:schemeClr>
+                </a:solidFill>
+                <a:latin typeface="+mn-lt"/>
+                <a:ea typeface="+mn-ea"/>
+                <a:cs typeface="+mn-cs"/>
+              </a:defRPr>
+            </a:pPr>
+            <a:endParaRPr lang="en-US"/>
+          </a:p>
+        </c:txPr>
+        <c:crossAx val="442687584"/>
+        <c:crosses val="autoZero"/>
+        <c:crossBetween val="midCat"/>
+      </c:valAx>
+      <c:spPr>
+        <a:noFill/>
+        <a:ln>
+          <a:noFill/>
+        </a:ln>
+        <a:effectLst/>
+      </c:spPr>
+    </c:plotArea>
+    <c:plotVisOnly val="1"/>
+    <c:dispBlanksAs val="gap"/>
+    <c:extLst>
+      <c:ext xmlns:c16r3="http://schemas.microsoft.com/office/drawing/2017/03/chart" uri="{56B9EC1D-385E-4148-901F-78D8002777C0}">
+        <c16r3:dataDisplayOptions16>
+          <c16r3:dispNaAsBlank val="1"/>
+        </c16r3:dataDisplayOptions16>
+      </c:ext>
+    </c:extLst>
+    <c:showDLblsOverMax val="0"/>
+  </c:chart>
+  <c:spPr>
+    <a:noFill/>
+    <a:ln>
+      <a:noFill/>
+    </a:ln>
+    <a:effectLst/>
+  </c:spPr>
+  <c:txPr>
+    <a:bodyPr/>
+    <a:lstStyle/>
+    <a:p>
+      <a:pPr>
+        <a:defRPr/>
+      </a:pPr>
+      <a:endParaRPr lang="en-US"/>
+    </a:p>
+  </c:txPr>
+  <c:externalData r:id="rId3">
+    <c:autoUpdate val="0"/>
+  </c:externalData>
+</c:chartSpace>
+</file>
+
+<file path=ppt/charts/chart4.xml><?xml version="1.0" encoding="utf-8"?>
+<c:chartSpace xmlns:c="http://schemas.openxmlformats.org/drawingml/2006/chart" xmlns:a="http://schemas.openxmlformats.org/drawingml/2006/main" xmlns:r="http://schemas.openxmlformats.org/officeDocument/2006/relationships" xmlns:c16r2="http://schemas.microsoft.com/office/drawing/2015/06/chart">
+  <c:date1904 val="0"/>
+  <c:lang val="en-US"/>
+  <c:roundedCorners val="0"/>
+  <mc:AlternateContent xmlns:mc="http://schemas.openxmlformats.org/markup-compatibility/2006">
+    <mc:Choice xmlns:c14="http://schemas.microsoft.com/office/drawing/2007/8/2/chart" Requires="c14">
+      <c14:style val="102"/>
+    </mc:Choice>
+    <mc:Fallback>
+      <c:style val="2"/>
+    </mc:Fallback>
+  </mc:AlternateContent>
+  <c:chart>
+    <c:title>
+      <c:tx>
+        <c:rich>
+          <a:bodyPr rot="0" spcFirstLastPara="1" vertOverflow="ellipsis" vert="horz" wrap="square" anchor="ctr" anchorCtr="1"/>
+          <a:lstStyle/>
+          <a:p>
+            <a:pPr>
+              <a:defRPr sz="1400" b="0" i="0" u="none" strike="noStrike" kern="1200" spc="0" baseline="0">
+                <a:solidFill>
+                  <a:schemeClr val="tx1">
+                    <a:lumMod val="65000"/>
+                    <a:lumOff val="35000"/>
+                  </a:schemeClr>
+                </a:solidFill>
+                <a:latin typeface="+mn-lt"/>
+                <a:ea typeface="+mn-ea"/>
+                <a:cs typeface="+mn-cs"/>
+              </a:defRPr>
+            </a:pPr>
+            <a:r>
+              <a:rPr lang="en-US"/>
+              <a:t>Node: 4 Dynamic Matrix</a:t>
+            </a:r>
+          </a:p>
+          <a:p>
+            <a:pPr>
+              <a:defRPr/>
+            </a:pPr>
+            <a:r>
+              <a:rPr lang="en-US"/>
+              <a:t>Size 2-512</a:t>
+            </a:r>
+          </a:p>
+          <a:p>
+            <a:pPr>
+              <a:defRPr/>
+            </a:pPr>
+            <a:r>
+              <a:rPr lang="en-US"/>
+              <a:t>Blockinig </a:t>
+            </a:r>
+          </a:p>
+        </c:rich>
+      </c:tx>
+      <c:overlay val="0"/>
+      <c:spPr>
+        <a:noFill/>
+        <a:ln>
+          <a:noFill/>
+        </a:ln>
+        <a:effectLst/>
+      </c:spPr>
+      <c:txPr>
+        <a:bodyPr rot="0" spcFirstLastPara="1" vertOverflow="ellipsis" vert="horz" wrap="square" anchor="ctr" anchorCtr="1"/>
+        <a:lstStyle/>
+        <a:p>
+          <a:pPr>
+            <a:defRPr sz="1400" b="0" i="0" u="none" strike="noStrike" kern="1200" spc="0" baseline="0">
+              <a:solidFill>
+                <a:schemeClr val="tx1">
+                  <a:lumMod val="65000"/>
+                  <a:lumOff val="35000"/>
+                </a:schemeClr>
+              </a:solidFill>
+              <a:latin typeface="+mn-lt"/>
+              <a:ea typeface="+mn-ea"/>
+              <a:cs typeface="+mn-cs"/>
+            </a:defRPr>
+          </a:pPr>
+          <a:endParaRPr lang="en-US"/>
+        </a:p>
+      </c:txPr>
+    </c:title>
+    <c:autoTitleDeleted val="0"/>
+    <c:plotArea>
+      <c:layout/>
+      <c:scatterChart>
+        <c:scatterStyle val="lineMarker"/>
+        <c:varyColors val="0"/>
+        <c:ser>
+          <c:idx val="0"/>
+          <c:order val="0"/>
+          <c:tx>
+            <c:v>Node: 4 Dynamic Matrix </c:v>
+          </c:tx>
+          <c:spPr>
+            <a:ln w="25400" cap="rnd">
+              <a:noFill/>
+              <a:round/>
+            </a:ln>
+            <a:effectLst/>
+          </c:spPr>
+          <c:marker>
+            <c:symbol val="circle"/>
+            <c:size val="5"/>
+            <c:spPr>
+              <a:solidFill>
+                <a:schemeClr val="accent1"/>
+              </a:solidFill>
+              <a:ln w="9525">
+                <a:solidFill>
+                  <a:schemeClr val="accent1"/>
+                </a:solidFill>
+              </a:ln>
+              <a:effectLst/>
+            </c:spPr>
+          </c:marker>
+          <c:trendline>
+            <c:spPr>
+              <a:ln w="19050" cap="rnd">
+                <a:solidFill>
+                  <a:schemeClr val="accent1"/>
+                </a:solidFill>
+                <a:prstDash val="sysDot"/>
+              </a:ln>
+              <a:effectLst/>
+            </c:spPr>
+            <c:trendlineType val="linear"/>
+            <c:dispRSqr val="0"/>
+            <c:dispEq val="0"/>
+          </c:trendline>
+          <c:xVal>
+            <c:numRef>
+              <c:f>Sheet1!$G$56:$G$77</c:f>
+              <c:numCache>
+                <c:formatCode>General</c:formatCode>
+                <c:ptCount val="22"/>
+                <c:pt idx="0">
+                  <c:v>2</c:v>
+                </c:pt>
+                <c:pt idx="3">
+                  <c:v>4</c:v>
+                </c:pt>
+                <c:pt idx="6">
+                  <c:v>16</c:v>
+                </c:pt>
+                <c:pt idx="9">
+                  <c:v>32</c:v>
+                </c:pt>
+                <c:pt idx="12">
+                  <c:v>64</c:v>
+                </c:pt>
+                <c:pt idx="15">
+                  <c:v>128</c:v>
+                </c:pt>
+                <c:pt idx="18">
+                  <c:v>256</c:v>
+                </c:pt>
+                <c:pt idx="21">
+                  <c:v>512</c:v>
+                </c:pt>
+              </c:numCache>
+            </c:numRef>
+          </c:xVal>
+          <c:yVal>
+            <c:numRef>
+              <c:f>Sheet1!$I$56:$I$77</c:f>
+              <c:numCache>
+                <c:formatCode>General</c:formatCode>
+                <c:ptCount val="22"/>
+                <c:pt idx="0">
+                  <c:v>2.1800000000000001E-4</c:v>
+                </c:pt>
+                <c:pt idx="3">
+                  <c:v>2.8699999999999998E-4</c:v>
+                </c:pt>
+                <c:pt idx="6">
+                  <c:v>4.2700000000000002E-4</c:v>
+                </c:pt>
+                <c:pt idx="9">
+                  <c:v>1.243E-3</c:v>
+                </c:pt>
+                <c:pt idx="12">
+                  <c:v>2.6319999999999998E-3</c:v>
+                </c:pt>
+                <c:pt idx="15">
+                  <c:v>8.6490000000000004E-3</c:v>
+                </c:pt>
+                <c:pt idx="18">
+                  <c:v>4.6753999999999997E-2</c:v>
+                </c:pt>
+                <c:pt idx="21">
+                  <c:v>0.35894799999999999</c:v>
+                </c:pt>
+              </c:numCache>
+            </c:numRef>
+          </c:yVal>
+          <c:smooth val="0"/>
+          <c:extLst>
+            <c:ext xmlns:c16="http://schemas.microsoft.com/office/drawing/2014/chart" uri="{C3380CC4-5D6E-409C-BE32-E72D297353CC}">
+              <c16:uniqueId val="{00000001-4A70-424E-9C2C-D3C4183A1D65}"/>
+            </c:ext>
+          </c:extLst>
+        </c:ser>
+        <c:dLbls>
+          <c:showLegendKey val="0"/>
+          <c:showVal val="0"/>
+          <c:showCatName val="0"/>
+          <c:showSerName val="0"/>
+          <c:showPercent val="0"/>
+          <c:showBubbleSize val="0"/>
+        </c:dLbls>
+        <c:axId val="447270968"/>
+        <c:axId val="447265720"/>
+      </c:scatterChart>
+      <c:valAx>
+        <c:axId val="447270968"/>
+        <c:scaling>
+          <c:orientation val="minMax"/>
+        </c:scaling>
+        <c:delete val="0"/>
+        <c:axPos val="b"/>
+        <c:majorGridlines>
+          <c:spPr>
+            <a:ln w="9525" cap="flat" cmpd="sng" algn="ctr">
+              <a:solidFill>
+                <a:schemeClr val="tx1">
+                  <a:lumMod val="15000"/>
+                  <a:lumOff val="85000"/>
+                </a:schemeClr>
+              </a:solidFill>
+              <a:round/>
+            </a:ln>
+            <a:effectLst/>
+          </c:spPr>
+        </c:majorGridlines>
+        <c:title>
+          <c:tx>
+            <c:rich>
+              <a:bodyPr rot="0" spcFirstLastPara="1" vertOverflow="ellipsis" vert="horz" wrap="square" anchor="ctr" anchorCtr="1"/>
+              <a:lstStyle/>
+              <a:p>
+                <a:pPr>
+                  <a:defRPr sz="1000" b="0" i="0" u="none" strike="noStrike" kern="1200" baseline="0">
+                    <a:solidFill>
+                      <a:schemeClr val="tx1">
+                        <a:lumMod val="65000"/>
+                        <a:lumOff val="35000"/>
+                      </a:schemeClr>
+                    </a:solidFill>
+                    <a:latin typeface="+mn-lt"/>
+                    <a:ea typeface="+mn-ea"/>
+                    <a:cs typeface="+mn-cs"/>
+                  </a:defRPr>
+                </a:pPr>
+                <a:r>
+                  <a:rPr lang="en-US"/>
+                  <a:t>Matrix</a:t>
+                </a:r>
+                <a:r>
+                  <a:rPr lang="en-US" baseline="0"/>
+                  <a:t> Size</a:t>
+                </a:r>
+                <a:endParaRPr lang="en-US"/>
+              </a:p>
+            </c:rich>
+          </c:tx>
+          <c:overlay val="0"/>
+          <c:spPr>
+            <a:noFill/>
+            <a:ln>
+              <a:noFill/>
+            </a:ln>
+            <a:effectLst/>
+          </c:spPr>
+          <c:txPr>
+            <a:bodyPr rot="0" spcFirstLastPara="1" vertOverflow="ellipsis" vert="horz" wrap="square" anchor="ctr" anchorCtr="1"/>
+            <a:lstStyle/>
+            <a:p>
+              <a:pPr>
+                <a:defRPr sz="1000" b="0" i="0" u="none" strike="noStrike" kern="1200" baseline="0">
+                  <a:solidFill>
+                    <a:schemeClr val="tx1">
+                      <a:lumMod val="65000"/>
+                      <a:lumOff val="35000"/>
+                    </a:schemeClr>
+                  </a:solidFill>
+                  <a:latin typeface="+mn-lt"/>
+                  <a:ea typeface="+mn-ea"/>
+                  <a:cs typeface="+mn-cs"/>
+                </a:defRPr>
+              </a:pPr>
+              <a:endParaRPr lang="en-US"/>
+            </a:p>
+          </c:txPr>
+        </c:title>
+        <c:numFmt formatCode="General" sourceLinked="1"/>
+        <c:majorTickMark val="none"/>
+        <c:minorTickMark val="none"/>
+        <c:tickLblPos val="nextTo"/>
+        <c:spPr>
+          <a:noFill/>
+          <a:ln w="9525" cap="flat" cmpd="sng" algn="ctr">
+            <a:solidFill>
+              <a:schemeClr val="tx1">
+                <a:lumMod val="25000"/>
+                <a:lumOff val="75000"/>
+              </a:schemeClr>
+            </a:solidFill>
+            <a:round/>
+          </a:ln>
+          <a:effectLst/>
+        </c:spPr>
+        <c:txPr>
+          <a:bodyPr rot="-60000000" spcFirstLastPara="1" vertOverflow="ellipsis" vert="horz" wrap="square" anchor="ctr" anchorCtr="1"/>
+          <a:lstStyle/>
+          <a:p>
+            <a:pPr>
+              <a:defRPr sz="900" b="0" i="0" u="none" strike="noStrike" kern="1200" baseline="0">
+                <a:solidFill>
+                  <a:schemeClr val="tx1">
+                    <a:lumMod val="65000"/>
+                    <a:lumOff val="35000"/>
+                  </a:schemeClr>
+                </a:solidFill>
+                <a:latin typeface="+mn-lt"/>
+                <a:ea typeface="+mn-ea"/>
+                <a:cs typeface="+mn-cs"/>
+              </a:defRPr>
+            </a:pPr>
+            <a:endParaRPr lang="en-US"/>
+          </a:p>
+        </c:txPr>
+        <c:crossAx val="447265720"/>
+        <c:crosses val="autoZero"/>
+        <c:crossBetween val="midCat"/>
+      </c:valAx>
+      <c:valAx>
+        <c:axId val="447265720"/>
+        <c:scaling>
+          <c:orientation val="minMax"/>
+        </c:scaling>
+        <c:delete val="0"/>
+        <c:axPos val="l"/>
+        <c:majorGridlines>
+          <c:spPr>
+            <a:ln w="9525" cap="flat" cmpd="sng" algn="ctr">
+              <a:solidFill>
+                <a:schemeClr val="tx1">
+                  <a:lumMod val="15000"/>
+                  <a:lumOff val="85000"/>
+                </a:schemeClr>
+              </a:solidFill>
+              <a:round/>
+            </a:ln>
+            <a:effectLst/>
+          </c:spPr>
+        </c:majorGridlines>
+        <c:title>
+          <c:tx>
+            <c:rich>
+              <a:bodyPr rot="-5400000" spcFirstLastPara="1" vertOverflow="ellipsis" vert="horz" wrap="square" anchor="ctr" anchorCtr="1"/>
+              <a:lstStyle/>
+              <a:p>
+                <a:pPr>
+                  <a:defRPr sz="1000" b="0" i="0" u="none" strike="noStrike" kern="1200" baseline="0">
+                    <a:solidFill>
+                      <a:schemeClr val="tx1">
+                        <a:lumMod val="65000"/>
+                        <a:lumOff val="35000"/>
+                      </a:schemeClr>
+                    </a:solidFill>
+                    <a:latin typeface="+mn-lt"/>
+                    <a:ea typeface="+mn-ea"/>
+                    <a:cs typeface="+mn-cs"/>
+                  </a:defRPr>
+                </a:pPr>
+                <a:r>
+                  <a:rPr lang="en-US"/>
+                  <a:t>Seconds</a:t>
+                </a:r>
+              </a:p>
+            </c:rich>
+          </c:tx>
+          <c:overlay val="0"/>
+          <c:spPr>
+            <a:noFill/>
+            <a:ln>
+              <a:noFill/>
+            </a:ln>
+            <a:effectLst/>
+          </c:spPr>
+          <c:txPr>
+            <a:bodyPr rot="-5400000" spcFirstLastPara="1" vertOverflow="ellipsis" vert="horz" wrap="square" anchor="ctr" anchorCtr="1"/>
+            <a:lstStyle/>
+            <a:p>
+              <a:pPr>
+                <a:defRPr sz="1000" b="0" i="0" u="none" strike="noStrike" kern="1200" baseline="0">
+                  <a:solidFill>
+                    <a:schemeClr val="tx1">
+                      <a:lumMod val="65000"/>
+                      <a:lumOff val="35000"/>
+                    </a:schemeClr>
+                  </a:solidFill>
+                  <a:latin typeface="+mn-lt"/>
+                  <a:ea typeface="+mn-ea"/>
+                  <a:cs typeface="+mn-cs"/>
+                </a:defRPr>
+              </a:pPr>
+              <a:endParaRPr lang="en-US"/>
+            </a:p>
+          </c:txPr>
+        </c:title>
+        <c:numFmt formatCode="General" sourceLinked="1"/>
+        <c:majorTickMark val="none"/>
+        <c:minorTickMark val="none"/>
+        <c:tickLblPos val="nextTo"/>
+        <c:spPr>
+          <a:noFill/>
+          <a:ln w="9525" cap="flat" cmpd="sng" algn="ctr">
+            <a:solidFill>
+              <a:schemeClr val="tx1">
+                <a:lumMod val="25000"/>
+                <a:lumOff val="75000"/>
+              </a:schemeClr>
+            </a:solidFill>
+            <a:round/>
+          </a:ln>
+          <a:effectLst/>
+        </c:spPr>
+        <c:txPr>
+          <a:bodyPr rot="-60000000" spcFirstLastPara="1" vertOverflow="ellipsis" vert="horz" wrap="square" anchor="ctr" anchorCtr="1"/>
+          <a:lstStyle/>
+          <a:p>
+            <a:pPr>
+              <a:defRPr sz="900" b="0" i="0" u="none" strike="noStrike" kern="1200" baseline="0">
+                <a:solidFill>
+                  <a:schemeClr val="tx1">
+                    <a:lumMod val="65000"/>
+                    <a:lumOff val="35000"/>
+                  </a:schemeClr>
+                </a:solidFill>
+                <a:latin typeface="+mn-lt"/>
+                <a:ea typeface="+mn-ea"/>
+                <a:cs typeface="+mn-cs"/>
+              </a:defRPr>
+            </a:pPr>
+            <a:endParaRPr lang="en-US"/>
+          </a:p>
+        </c:txPr>
+        <c:crossAx val="447270968"/>
+        <c:crosses val="autoZero"/>
+        <c:crossBetween val="midCat"/>
+      </c:valAx>
+      <c:spPr>
+        <a:noFill/>
+        <a:ln>
+          <a:noFill/>
+        </a:ln>
+        <a:effectLst/>
+      </c:spPr>
+    </c:plotArea>
+    <c:plotVisOnly val="1"/>
+    <c:dispBlanksAs val="gap"/>
+    <c:extLst>
+      <c:ext xmlns:c16r3="http://schemas.microsoft.com/office/drawing/2017/03/chart" uri="{56B9EC1D-385E-4148-901F-78D8002777C0}">
+        <c16r3:dataDisplayOptions16>
+          <c16r3:dispNaAsBlank val="1"/>
+        </c16r3:dataDisplayOptions16>
+      </c:ext>
+    </c:extLst>
+    <c:showDLblsOverMax val="0"/>
+  </c:chart>
+  <c:spPr>
+    <a:noFill/>
+    <a:ln>
+      <a:noFill/>
+    </a:ln>
+    <a:effectLst/>
+  </c:spPr>
+  <c:txPr>
+    <a:bodyPr/>
+    <a:lstStyle/>
+    <a:p>
+      <a:pPr>
+        <a:defRPr/>
+      </a:pPr>
+      <a:endParaRPr lang="en-US"/>
+    </a:p>
+  </c:txPr>
+  <c:externalData r:id="rId3">
+    <c:autoUpdate val="0"/>
+  </c:externalData>
+</c:chartSpace>
+</file>
+
+<file path=ppt/charts/colors1.xml><?xml version="1.0" encoding="utf-8"?>
+<cs:colorStyle xmlns:cs="http://schemas.microsoft.com/office/drawing/2012/chartStyle" xmlns:a="http://schemas.openxmlformats.org/drawingml/2006/main" meth="cycle" id="10">
+  <a:schemeClr val="accent1"/>
+  <a:schemeClr val="accent2"/>
+  <a:schemeClr val="accent3"/>
+  <a:schemeClr val="accent4"/>
+  <a:schemeClr val="accent5"/>
+  <a:schemeClr val="accent6"/>
+  <cs:variation/>
+  <cs:variation>
+    <a:lumMod val="60000"/>
+  </cs:variation>
+  <cs:variation>
+    <a:lumMod val="80000"/>
+    <a:lumOff val="20000"/>
+  </cs:variation>
+  <cs:variation>
+    <a:lumMod val="80000"/>
+  </cs:variation>
+  <cs:variation>
+    <a:lumMod val="60000"/>
+    <a:lumOff val="40000"/>
+  </cs:variation>
+  <cs:variation>
+    <a:lumMod val="50000"/>
+  </cs:variation>
+  <cs:variation>
+    <a:lumMod val="70000"/>
+    <a:lumOff val="30000"/>
+  </cs:variation>
+  <cs:variation>
+    <a:lumMod val="70000"/>
+  </cs:variation>
+  <cs:variation>
+    <a:lumMod val="50000"/>
+    <a:lumOff val="50000"/>
+  </cs:variation>
+</cs:colorStyle>
+</file>
+
+<file path=ppt/charts/colors2.xml><?xml version="1.0" encoding="utf-8"?>
+<cs:colorStyle xmlns:cs="http://schemas.microsoft.com/office/drawing/2012/chartStyle" xmlns:a="http://schemas.openxmlformats.org/drawingml/2006/main" meth="cycle" id="10">
+  <a:schemeClr val="accent1"/>
+  <a:schemeClr val="accent2"/>
+  <a:schemeClr val="accent3"/>
+  <a:schemeClr val="accent4"/>
+  <a:schemeClr val="accent5"/>
+  <a:schemeClr val="accent6"/>
+  <cs:variation/>
+  <cs:variation>
+    <a:lumMod val="60000"/>
+  </cs:variation>
+  <cs:variation>
+    <a:lumMod val="80000"/>
+    <a:lumOff val="20000"/>
+  </cs:variation>
+  <cs:variation>
+    <a:lumMod val="80000"/>
+  </cs:variation>
+  <cs:variation>
+    <a:lumMod val="60000"/>
+    <a:lumOff val="40000"/>
+  </cs:variation>
+  <cs:variation>
+    <a:lumMod val="50000"/>
+  </cs:variation>
+  <cs:variation>
+    <a:lumMod val="70000"/>
+    <a:lumOff val="30000"/>
+  </cs:variation>
+  <cs:variation>
+    <a:lumMod val="70000"/>
+  </cs:variation>
+  <cs:variation>
+    <a:lumMod val="50000"/>
+    <a:lumOff val="50000"/>
+  </cs:variation>
+</cs:colorStyle>
+</file>
+
+<file path=ppt/charts/colors3.xml><?xml version="1.0" encoding="utf-8"?>
+<cs:colorStyle xmlns:cs="http://schemas.microsoft.com/office/drawing/2012/chartStyle" xmlns:a="http://schemas.openxmlformats.org/drawingml/2006/main" meth="cycle" id="10">
+  <a:schemeClr val="accent1"/>
+  <a:schemeClr val="accent2"/>
+  <a:schemeClr val="accent3"/>
+  <a:schemeClr val="accent4"/>
+  <a:schemeClr val="accent5"/>
+  <a:schemeClr val="accent6"/>
+  <cs:variation/>
+  <cs:variation>
+    <a:lumMod val="60000"/>
+  </cs:variation>
+  <cs:variation>
+    <a:lumMod val="80000"/>
+    <a:lumOff val="20000"/>
+  </cs:variation>
+  <cs:variation>
+    <a:lumMod val="80000"/>
+  </cs:variation>
+  <cs:variation>
+    <a:lumMod val="60000"/>
+    <a:lumOff val="40000"/>
+  </cs:variation>
+  <cs:variation>
+    <a:lumMod val="50000"/>
+  </cs:variation>
+  <cs:variation>
+    <a:lumMod val="70000"/>
+    <a:lumOff val="30000"/>
+  </cs:variation>
+  <cs:variation>
+    <a:lumMod val="70000"/>
+  </cs:variation>
+  <cs:variation>
+    <a:lumMod val="50000"/>
+    <a:lumOff val="50000"/>
+  </cs:variation>
+</cs:colorStyle>
+</file>
+
+<file path=ppt/charts/colors4.xml><?xml version="1.0" encoding="utf-8"?>
+<cs:colorStyle xmlns:cs="http://schemas.microsoft.com/office/drawing/2012/chartStyle" xmlns:a="http://schemas.openxmlformats.org/drawingml/2006/main" meth="cycle" id="10">
+  <a:schemeClr val="accent1"/>
+  <a:schemeClr val="accent2"/>
+  <a:schemeClr val="accent3"/>
+  <a:schemeClr val="accent4"/>
+  <a:schemeClr val="accent5"/>
+  <a:schemeClr val="accent6"/>
+  <cs:variation/>
+  <cs:variation>
+    <a:lumMod val="60000"/>
+  </cs:variation>
+  <cs:variation>
+    <a:lumMod val="80000"/>
+    <a:lumOff val="20000"/>
+  </cs:variation>
+  <cs:variation>
+    <a:lumMod val="80000"/>
+  </cs:variation>
+  <cs:variation>
+    <a:lumMod val="60000"/>
+    <a:lumOff val="40000"/>
+  </cs:variation>
+  <cs:variation>
+    <a:lumMod val="50000"/>
+  </cs:variation>
+  <cs:variation>
+    <a:lumMod val="70000"/>
+    <a:lumOff val="30000"/>
+  </cs:variation>
+  <cs:variation>
+    <a:lumMod val="70000"/>
+  </cs:variation>
+  <cs:variation>
+    <a:lumMod val="50000"/>
+    <a:lumOff val="50000"/>
+  </cs:variation>
+</cs:colorStyle>
+</file>
+
+<file path=ppt/charts/style1.xml><?xml version="1.0" encoding="utf-8"?>
+<cs:chartStyle xmlns:cs="http://schemas.microsoft.com/office/drawing/2012/chartStyle" xmlns:a="http://schemas.openxmlformats.org/drawingml/2006/main" id="240">
+  <cs:axisTitle>
+    <cs:lnRef idx="0"/>
+    <cs:fillRef idx="0"/>
+    <cs:effectRef idx="0"/>
+    <cs:fontRef idx="minor">
+      <a:schemeClr val="tx1">
+        <a:lumMod val="65000"/>
+        <a:lumOff val="35000"/>
+      </a:schemeClr>
+    </cs:fontRef>
+    <cs:defRPr sz="1000" kern="1200"/>
+  </cs:axisTitle>
+  <cs:categoryAxis>
+    <cs:lnRef idx="0"/>
+    <cs:fillRef idx="0"/>
+    <cs:effectRef idx="0"/>
+    <cs:fontRef idx="minor">
+      <a:schemeClr val="tx1">
+        <a:lumMod val="65000"/>
+        <a:lumOff val="35000"/>
+      </a:schemeClr>
+    </cs:fontRef>
+    <cs:spPr>
+      <a:ln w="9525" cap="flat" cmpd="sng" algn="ctr">
+        <a:solidFill>
+          <a:schemeClr val="tx1">
+            <a:lumMod val="25000"/>
+            <a:lumOff val="75000"/>
+          </a:schemeClr>
+        </a:solidFill>
+        <a:round/>
+      </a:ln>
+    </cs:spPr>
+    <cs:defRPr sz="900" kern="1200"/>
+  </cs:categoryAxis>
+  <cs:chartArea mods="allowNoFillOverride allowNoLineOverride">
+    <cs:lnRef idx="0"/>
+    <cs:fillRef idx="0"/>
+    <cs:effectRef idx="0"/>
+    <cs:fontRef idx="minor">
+      <a:schemeClr val="tx1"/>
+    </cs:fontRef>
+    <cs:spPr>
+      <a:solidFill>
+        <a:schemeClr val="bg1"/>
+      </a:solidFill>
+      <a:ln w="9525" cap="flat" cmpd="sng" algn="ctr">
+        <a:solidFill>
+          <a:schemeClr val="tx1">
+            <a:lumMod val="15000"/>
+            <a:lumOff val="85000"/>
+          </a:schemeClr>
+        </a:solidFill>
+        <a:round/>
+      </a:ln>
+    </cs:spPr>
+    <cs:defRPr sz="1000" kern="1200"/>
+  </cs:chartArea>
+  <cs:dataLabel>
+    <cs:lnRef idx="0"/>
+    <cs:fillRef idx="0"/>
+    <cs:effectRef idx="0"/>
+    <cs:fontRef idx="minor">
+      <a:schemeClr val="tx1">
+        <a:lumMod val="75000"/>
+        <a:lumOff val="25000"/>
+      </a:schemeClr>
+    </cs:fontRef>
+    <cs:defRPr sz="900" kern="1200"/>
+  </cs:dataLabel>
+  <cs:dataLabelCallout>
+    <cs:lnRef idx="0"/>
+    <cs:fillRef idx="0"/>
+    <cs:effectRef idx="0"/>
+    <cs:fontRef idx="minor">
+      <a:schemeClr val="dk1">
+        <a:lumMod val="65000"/>
+        <a:lumOff val="35000"/>
+      </a:schemeClr>
+    </cs:fontRef>
+    <cs:spPr>
+      <a:solidFill>
+        <a:schemeClr val="lt1"/>
+      </a:solidFill>
+      <a:ln>
+        <a:solidFill>
+          <a:schemeClr val="dk1">
+            <a:lumMod val="25000"/>
+            <a:lumOff val="75000"/>
+          </a:schemeClr>
+        </a:solidFill>
+      </a:ln>
+    </cs:spPr>
+    <cs:defRPr sz="900" kern="1200"/>
+    <cs:bodyPr rot="0" spcFirstLastPara="1" vertOverflow="clip" horzOverflow="clip" vert="horz" wrap="square" lIns="36576" tIns="18288" rIns="36576" bIns="18288" anchor="ctr" anchorCtr="1">
+      <a:spAutoFit/>
+    </cs:bodyPr>
+  </cs:dataLabelCallout>
+  <cs:dataPoint>
+    <cs:lnRef idx="0"/>
+    <cs:fillRef idx="1">
+      <cs:styleClr val="auto"/>
+    </cs:fillRef>
+    <cs:effectRef idx="0"/>
+    <cs:fontRef idx="minor">
+      <a:schemeClr val="tx1"/>
+    </cs:fontRef>
+  </cs:dataPoint>
+  <cs:dataPoint3D>
+    <cs:lnRef idx="0"/>
+    <cs:fillRef idx="1">
+      <cs:styleClr val="auto"/>
+    </cs:fillRef>
+    <cs:effectRef idx="0"/>
+    <cs:fontRef idx="minor">
+      <a:schemeClr val="tx1"/>
+    </cs:fontRef>
+  </cs:dataPoint3D>
+  <cs:dataPointLine>
+    <cs:lnRef idx="0">
+      <cs:styleClr val="auto"/>
+    </cs:lnRef>
+    <cs:fillRef idx="1"/>
+    <cs:effectRef idx="0"/>
+    <cs:fontRef idx="minor">
+      <a:schemeClr val="tx1"/>
+    </cs:fontRef>
+    <cs:spPr>
+      <a:ln w="19050" cap="rnd">
+        <a:solidFill>
+          <a:schemeClr val="phClr"/>
+        </a:solidFill>
+        <a:round/>
+      </a:ln>
+    </cs:spPr>
+  </cs:dataPointLine>
+  <cs:dataPointMarker>
+    <cs:lnRef idx="0">
+      <cs:styleClr val="auto"/>
+    </cs:lnRef>
+    <cs:fillRef idx="1">
+      <cs:styleClr val="auto"/>
+    </cs:fillRef>
+    <cs:effectRef idx="0"/>
+    <cs:fontRef idx="minor">
+      <a:schemeClr val="tx1"/>
+    </cs:fontRef>
+    <cs:spPr>
+      <a:ln w="9525">
+        <a:solidFill>
+          <a:schemeClr val="phClr"/>
+        </a:solidFill>
+      </a:ln>
+    </cs:spPr>
+  </cs:dataPointMarker>
+  <cs:dataPointMarkerLayout symbol="circle" size="5"/>
+  <cs:dataPointWireframe>
+    <cs:lnRef idx="0">
+      <cs:styleClr val="auto"/>
+    </cs:lnRef>
+    <cs:fillRef idx="0"/>
+    <cs:effectRef idx="0"/>
+    <cs:fontRef idx="minor">
+      <a:schemeClr val="dk1"/>
+    </cs:fontRef>
+    <cs:spPr>
+      <a:ln w="9525" cap="rnd">
+        <a:solidFill>
+          <a:schemeClr val="phClr"/>
+        </a:solidFill>
+        <a:round/>
+      </a:ln>
+    </cs:spPr>
+  </cs:dataPointWireframe>
+  <cs:dataTable>
+    <cs:lnRef idx="0"/>
+    <cs:fillRef idx="0"/>
+    <cs:effectRef idx="0"/>
+    <cs:fontRef idx="minor">
+      <a:schemeClr val="tx1">
+        <a:lumMod val="65000"/>
+        <a:lumOff val="35000"/>
+      </a:schemeClr>
+    </cs:fontRef>
+    <cs:spPr>
+      <a:noFill/>
+      <a:ln w="9525" cap="flat" cmpd="sng" algn="ctr">
+        <a:solidFill>
+          <a:schemeClr val="tx1">
+            <a:lumMod val="15000"/>
+            <a:lumOff val="85000"/>
+          </a:schemeClr>
+        </a:solidFill>
+        <a:round/>
+      </a:ln>
+    </cs:spPr>
+    <cs:defRPr sz="900" kern="1200"/>
+  </cs:dataTable>
+  <cs:downBar>
+    <cs:lnRef idx="0"/>
+    <cs:fillRef idx="0"/>
+    <cs:effectRef idx="0"/>
+    <cs:fontRef idx="minor">
+      <a:schemeClr val="tx1"/>
+    </cs:fontRef>
+    <cs:spPr>
+      <a:solidFill>
+        <a:schemeClr val="dk1">
+          <a:lumMod val="75000"/>
+          <a:lumOff val="25000"/>
+        </a:schemeClr>
+      </a:solidFill>
+      <a:ln w="9525" cap="flat" cmpd="sng" algn="ctr">
+        <a:solidFill>
+          <a:schemeClr val="tx1">
+            <a:lumMod val="65000"/>
+            <a:lumOff val="35000"/>
+          </a:schemeClr>
+        </a:solidFill>
+        <a:round/>
+      </a:ln>
+    </cs:spPr>
+  </cs:downBar>
+  <cs:dropLine>
+    <cs:lnRef idx="0"/>
+    <cs:fillRef idx="0"/>
+    <cs:effectRef idx="0"/>
+    <cs:fontRef idx="minor">
+      <a:schemeClr val="tx1"/>
+    </cs:fontRef>
+    <cs:spPr>
+      <a:ln w="9525" cap="flat" cmpd="sng" algn="ctr">
+        <a:solidFill>
+          <a:schemeClr val="tx1">
+            <a:lumMod val="35000"/>
+            <a:lumOff val="65000"/>
+          </a:schemeClr>
+        </a:solidFill>
+        <a:round/>
+      </a:ln>
+    </cs:spPr>
+  </cs:dropLine>
+  <cs:errorBar>
+    <cs:lnRef idx="0"/>
+    <cs:fillRef idx="0"/>
+    <cs:effectRef idx="0"/>
+    <cs:fontRef idx="minor">
+      <a:schemeClr val="tx1"/>
+    </cs:fontRef>
+    <cs:spPr>
+      <a:ln w="9525" cap="flat" cmpd="sng" algn="ctr">
+        <a:solidFill>
+          <a:schemeClr val="tx1">
+            <a:lumMod val="65000"/>
+            <a:lumOff val="35000"/>
+          </a:schemeClr>
+        </a:solidFill>
+        <a:round/>
+      </a:ln>
+    </cs:spPr>
+  </cs:errorBar>
+  <cs:floor>
+    <cs:lnRef idx="0"/>
+    <cs:fillRef idx="0"/>
+    <cs:effectRef idx="0"/>
+    <cs:fontRef idx="minor">
+      <a:schemeClr val="tx1"/>
+    </cs:fontRef>
+    <cs:spPr>
+      <a:noFill/>
+      <a:ln>
+        <a:noFill/>
+      </a:ln>
+    </cs:spPr>
+  </cs:floor>
+  <cs:gridlineMajor>
+    <cs:lnRef idx="0"/>
+    <cs:fillRef idx="0"/>
+    <cs:effectRef idx="0"/>
+    <cs:fontRef idx="minor">
+      <a:schemeClr val="tx1"/>
+    </cs:fontRef>
+    <cs:spPr>
+      <a:ln w="9525" cap="flat" cmpd="sng" algn="ctr">
+        <a:solidFill>
+          <a:schemeClr val="tx1">
+            <a:lumMod val="15000"/>
+            <a:lumOff val="85000"/>
+          </a:schemeClr>
+        </a:solidFill>
+        <a:round/>
+      </a:ln>
+    </cs:spPr>
+  </cs:gridlineMajor>
+  <cs:gridlineMinor>
+    <cs:lnRef idx="0"/>
+    <cs:fillRef idx="0"/>
+    <cs:effectRef idx="0"/>
+    <cs:fontRef idx="minor">
+      <a:schemeClr val="tx1"/>
+    </cs:fontRef>
+    <cs:spPr>
+      <a:ln w="9525" cap="flat" cmpd="sng" algn="ctr">
+        <a:solidFill>
+          <a:schemeClr val="tx1">
+            <a:lumMod val="5000"/>
+            <a:lumOff val="95000"/>
+          </a:schemeClr>
+        </a:solidFill>
+        <a:round/>
+      </a:ln>
+    </cs:spPr>
+  </cs:gridlineMinor>
+  <cs:hiLoLine>
+    <cs:lnRef idx="0"/>
+    <cs:fillRef idx="0"/>
+    <cs:effectRef idx="0"/>
+    <cs:fontRef idx="minor">
+      <a:schemeClr val="tx1"/>
+    </cs:fontRef>
+    <cs:spPr>
+      <a:ln w="9525" cap="flat" cmpd="sng" algn="ctr">
+        <a:solidFill>
+          <a:schemeClr val="tx1">
+            <a:lumMod val="50000"/>
+            <a:lumOff val="50000"/>
+          </a:schemeClr>
+        </a:solidFill>
+        <a:round/>
+      </a:ln>
+    </cs:spPr>
+  </cs:hiLoLine>
+  <cs:leaderLine>
+    <cs:lnRef idx="0"/>
+    <cs:fillRef idx="0"/>
+    <cs:effectRef idx="0"/>
+    <cs:fontRef idx="minor">
+      <a:schemeClr val="tx1"/>
+    </cs:fontRef>
+    <cs:spPr>
+      <a:ln w="9525" cap="flat" cmpd="sng" algn="ctr">
+        <a:solidFill>
+          <a:schemeClr val="tx1">
+            <a:lumMod val="35000"/>
+            <a:lumOff val="65000"/>
+          </a:schemeClr>
+        </a:solidFill>
+        <a:round/>
+      </a:ln>
+    </cs:spPr>
+  </cs:leaderLine>
+  <cs:legend>
+    <cs:lnRef idx="0"/>
+    <cs:fillRef idx="0"/>
+    <cs:effectRef idx="0"/>
+    <cs:fontRef idx="minor">
+      <a:schemeClr val="tx1">
+        <a:lumMod val="65000"/>
+        <a:lumOff val="35000"/>
+      </a:schemeClr>
+    </cs:fontRef>
+    <cs:defRPr sz="900" kern="1200"/>
+  </cs:legend>
+  <cs:plotArea mods="allowNoFillOverride allowNoLineOverride">
+    <cs:lnRef idx="0"/>
+    <cs:fillRef idx="0"/>
+    <cs:effectRef idx="0"/>
+    <cs:fontRef idx="minor">
+      <a:schemeClr val="tx1"/>
+    </cs:fontRef>
+  </cs:plotArea>
+  <cs:plotArea3D mods="allowNoFillOverride allowNoLineOverride">
+    <cs:lnRef idx="0"/>
+    <cs:fillRef idx="0"/>
+    <cs:effectRef idx="0"/>
+    <cs:fontRef idx="minor">
+      <a:schemeClr val="tx1"/>
+    </cs:fontRef>
+  </cs:plotArea3D>
+  <cs:seriesAxis>
+    <cs:lnRef idx="0"/>
+    <cs:fillRef idx="0"/>
+    <cs:effectRef idx="0"/>
+    <cs:fontRef idx="minor">
+      <a:schemeClr val="tx1">
+        <a:lumMod val="65000"/>
+        <a:lumOff val="35000"/>
+      </a:schemeClr>
+    </cs:fontRef>
+    <cs:defRPr sz="900" kern="1200"/>
+  </cs:seriesAxis>
+  <cs:seriesLine>
+    <cs:lnRef idx="0"/>
+    <cs:fillRef idx="0"/>
+    <cs:effectRef idx="0"/>
+    <cs:fontRef idx="minor">
+      <a:schemeClr val="tx1"/>
+    </cs:fontRef>
+    <cs:spPr>
+      <a:ln w="9525" cap="flat" cmpd="sng" algn="ctr">
+        <a:solidFill>
+          <a:schemeClr val="tx1">
+            <a:lumMod val="35000"/>
+            <a:lumOff val="65000"/>
+          </a:schemeClr>
+        </a:solidFill>
+        <a:round/>
+      </a:ln>
+    </cs:spPr>
+  </cs:seriesLine>
+  <cs:title>
+    <cs:lnRef idx="0"/>
+    <cs:fillRef idx="0"/>
+    <cs:effectRef idx="0"/>
+    <cs:fontRef idx="minor">
+      <a:schemeClr val="tx1">
+        <a:lumMod val="65000"/>
+        <a:lumOff val="35000"/>
+      </a:schemeClr>
+    </cs:fontRef>
+    <cs:defRPr sz="1400" b="0" kern="1200" spc="0" baseline="0"/>
+  </cs:title>
+  <cs:trendline>
+    <cs:lnRef idx="0">
+      <cs:styleClr val="auto"/>
+    </cs:lnRef>
+    <cs:fillRef idx="0"/>
+    <cs:effectRef idx="0"/>
+    <cs:fontRef idx="minor">
+      <a:schemeClr val="tx1"/>
+    </cs:fontRef>
+    <cs:spPr>
+      <a:ln w="19050" cap="rnd">
+        <a:solidFill>
+          <a:schemeClr val="phClr"/>
+        </a:solidFill>
+        <a:prstDash val="sysDot"/>
+      </a:ln>
+    </cs:spPr>
+  </cs:trendline>
+  <cs:trendlineLabel>
+    <cs:lnRef idx="0"/>
+    <cs:fillRef idx="0"/>
+    <cs:effectRef idx="0"/>
+    <cs:fontRef idx="minor">
+      <a:schemeClr val="tx1">
+        <a:lumMod val="65000"/>
+        <a:lumOff val="35000"/>
+      </a:schemeClr>
+    </cs:fontRef>
+    <cs:defRPr sz="900" kern="1200"/>
+  </cs:trendlineLabel>
+  <cs:upBar>
+    <cs:lnRef idx="0"/>
+    <cs:fillRef idx="0"/>
+    <cs:effectRef idx="0"/>
+    <cs:fontRef idx="minor">
+      <a:schemeClr val="tx1"/>
+    </cs:fontRef>
+    <cs:spPr>
+      <a:solidFill>
+        <a:schemeClr val="lt1"/>
+      </a:solidFill>
+      <a:ln w="9525" cap="flat" cmpd="sng" algn="ctr">
+        <a:solidFill>
+          <a:schemeClr val="tx1">
+            <a:lumMod val="65000"/>
+            <a:lumOff val="35000"/>
+          </a:schemeClr>
+        </a:solidFill>
+        <a:round/>
+      </a:ln>
+    </cs:spPr>
+  </cs:upBar>
+  <cs:valueAxis>
+    <cs:lnRef idx="0"/>
+    <cs:fillRef idx="0"/>
+    <cs:effectRef idx="0"/>
+    <cs:fontRef idx="minor">
+      <a:schemeClr val="tx1">
+        <a:lumMod val="65000"/>
+        <a:lumOff val="35000"/>
+      </a:schemeClr>
+    </cs:fontRef>
+    <cs:spPr>
+      <a:ln w="9525" cap="flat" cmpd="sng" algn="ctr">
+        <a:solidFill>
+          <a:schemeClr val="tx1">
+            <a:lumMod val="25000"/>
+            <a:lumOff val="75000"/>
+          </a:schemeClr>
+        </a:solidFill>
+        <a:round/>
+      </a:ln>
+    </cs:spPr>
+    <cs:defRPr sz="900" kern="1200"/>
+  </cs:valueAxis>
+  <cs:wall>
+    <cs:lnRef idx="0"/>
+    <cs:fillRef idx="0"/>
+    <cs:effectRef idx="0"/>
+    <cs:fontRef idx="minor">
+      <a:schemeClr val="tx1"/>
+    </cs:fontRef>
+    <cs:spPr>
+      <a:noFill/>
+      <a:ln>
+        <a:noFill/>
+      </a:ln>
+    </cs:spPr>
+  </cs:wall>
+</cs:chartStyle>
+</file>
+
+<file path=ppt/charts/style2.xml><?xml version="1.0" encoding="utf-8"?>
+<cs:chartStyle xmlns:cs="http://schemas.microsoft.com/office/drawing/2012/chartStyle" xmlns:a="http://schemas.openxmlformats.org/drawingml/2006/main" id="240">
+  <cs:axisTitle>
+    <cs:lnRef idx="0"/>
+    <cs:fillRef idx="0"/>
+    <cs:effectRef idx="0"/>
+    <cs:fontRef idx="minor">
+      <a:schemeClr val="tx1">
+        <a:lumMod val="65000"/>
+        <a:lumOff val="35000"/>
+      </a:schemeClr>
+    </cs:fontRef>
+    <cs:defRPr sz="1000" kern="1200"/>
+  </cs:axisTitle>
+  <cs:categoryAxis>
+    <cs:lnRef idx="0"/>
+    <cs:fillRef idx="0"/>
+    <cs:effectRef idx="0"/>
+    <cs:fontRef idx="minor">
+      <a:schemeClr val="tx1">
+        <a:lumMod val="65000"/>
+        <a:lumOff val="35000"/>
+      </a:schemeClr>
+    </cs:fontRef>
+    <cs:spPr>
+      <a:ln w="9525" cap="flat" cmpd="sng" algn="ctr">
+        <a:solidFill>
+          <a:schemeClr val="tx1">
+            <a:lumMod val="25000"/>
+            <a:lumOff val="75000"/>
+          </a:schemeClr>
+        </a:solidFill>
+        <a:round/>
+      </a:ln>
+    </cs:spPr>
+    <cs:defRPr sz="900" kern="1200"/>
+  </cs:categoryAxis>
+  <cs:chartArea mods="allowNoFillOverride allowNoLineOverride">
+    <cs:lnRef idx="0"/>
+    <cs:fillRef idx="0"/>
+    <cs:effectRef idx="0"/>
+    <cs:fontRef idx="minor">
+      <a:schemeClr val="tx1"/>
+    </cs:fontRef>
+    <cs:spPr>
+      <a:solidFill>
+        <a:schemeClr val="bg1"/>
+      </a:solidFill>
+      <a:ln w="9525" cap="flat" cmpd="sng" algn="ctr">
+        <a:solidFill>
+          <a:schemeClr val="tx1">
+            <a:lumMod val="15000"/>
+            <a:lumOff val="85000"/>
+          </a:schemeClr>
+        </a:solidFill>
+        <a:round/>
+      </a:ln>
+    </cs:spPr>
+    <cs:defRPr sz="1000" kern="1200"/>
+  </cs:chartArea>
+  <cs:dataLabel>
+    <cs:lnRef idx="0"/>
+    <cs:fillRef idx="0"/>
+    <cs:effectRef idx="0"/>
+    <cs:fontRef idx="minor">
+      <a:schemeClr val="tx1">
+        <a:lumMod val="75000"/>
+        <a:lumOff val="25000"/>
+      </a:schemeClr>
+    </cs:fontRef>
+    <cs:defRPr sz="900" kern="1200"/>
+  </cs:dataLabel>
+  <cs:dataLabelCallout>
+    <cs:lnRef idx="0"/>
+    <cs:fillRef idx="0"/>
+    <cs:effectRef idx="0"/>
+    <cs:fontRef idx="minor">
+      <a:schemeClr val="dk1">
+        <a:lumMod val="65000"/>
+        <a:lumOff val="35000"/>
+      </a:schemeClr>
+    </cs:fontRef>
+    <cs:spPr>
+      <a:solidFill>
+        <a:schemeClr val="lt1"/>
+      </a:solidFill>
+      <a:ln>
+        <a:solidFill>
+          <a:schemeClr val="dk1">
+            <a:lumMod val="25000"/>
+            <a:lumOff val="75000"/>
+          </a:schemeClr>
+        </a:solidFill>
+      </a:ln>
+    </cs:spPr>
+    <cs:defRPr sz="900" kern="1200"/>
+    <cs:bodyPr rot="0" spcFirstLastPara="1" vertOverflow="clip" horzOverflow="clip" vert="horz" wrap="square" lIns="36576" tIns="18288" rIns="36576" bIns="18288" anchor="ctr" anchorCtr="1">
+      <a:spAutoFit/>
+    </cs:bodyPr>
+  </cs:dataLabelCallout>
+  <cs:dataPoint>
+    <cs:lnRef idx="0"/>
+    <cs:fillRef idx="1">
+      <cs:styleClr val="auto"/>
+    </cs:fillRef>
+    <cs:effectRef idx="0"/>
+    <cs:fontRef idx="minor">
+      <a:schemeClr val="tx1"/>
+    </cs:fontRef>
+  </cs:dataPoint>
+  <cs:dataPoint3D>
+    <cs:lnRef idx="0"/>
+    <cs:fillRef idx="1">
+      <cs:styleClr val="auto"/>
+    </cs:fillRef>
+    <cs:effectRef idx="0"/>
+    <cs:fontRef idx="minor">
+      <a:schemeClr val="tx1"/>
+    </cs:fontRef>
+  </cs:dataPoint3D>
+  <cs:dataPointLine>
+    <cs:lnRef idx="0">
+      <cs:styleClr val="auto"/>
+    </cs:lnRef>
+    <cs:fillRef idx="1"/>
+    <cs:effectRef idx="0"/>
+    <cs:fontRef idx="minor">
+      <a:schemeClr val="tx1"/>
+    </cs:fontRef>
+    <cs:spPr>
+      <a:ln w="19050" cap="rnd">
+        <a:solidFill>
+          <a:schemeClr val="phClr"/>
+        </a:solidFill>
+        <a:round/>
+      </a:ln>
+    </cs:spPr>
+  </cs:dataPointLine>
+  <cs:dataPointMarker>
+    <cs:lnRef idx="0">
+      <cs:styleClr val="auto"/>
+    </cs:lnRef>
+    <cs:fillRef idx="1">
+      <cs:styleClr val="auto"/>
+    </cs:fillRef>
+    <cs:effectRef idx="0"/>
+    <cs:fontRef idx="minor">
+      <a:schemeClr val="tx1"/>
+    </cs:fontRef>
+    <cs:spPr>
+      <a:ln w="9525">
+        <a:solidFill>
+          <a:schemeClr val="phClr"/>
+        </a:solidFill>
+      </a:ln>
+    </cs:spPr>
+  </cs:dataPointMarker>
+  <cs:dataPointMarkerLayout symbol="circle" size="5"/>
+  <cs:dataPointWireframe>
+    <cs:lnRef idx="0">
+      <cs:styleClr val="auto"/>
+    </cs:lnRef>
+    <cs:fillRef idx="0"/>
+    <cs:effectRef idx="0"/>
+    <cs:fontRef idx="minor">
+      <a:schemeClr val="dk1"/>
+    </cs:fontRef>
+    <cs:spPr>
+      <a:ln w="9525" cap="rnd">
+        <a:solidFill>
+          <a:schemeClr val="phClr"/>
+        </a:solidFill>
+        <a:round/>
+      </a:ln>
+    </cs:spPr>
+  </cs:dataPointWireframe>
+  <cs:dataTable>
+    <cs:lnRef idx="0"/>
+    <cs:fillRef idx="0"/>
+    <cs:effectRef idx="0"/>
+    <cs:fontRef idx="minor">
+      <a:schemeClr val="tx1">
+        <a:lumMod val="65000"/>
+        <a:lumOff val="35000"/>
+      </a:schemeClr>
+    </cs:fontRef>
+    <cs:spPr>
+      <a:noFill/>
+      <a:ln w="9525" cap="flat" cmpd="sng" algn="ctr">
+        <a:solidFill>
+          <a:schemeClr val="tx1">
+            <a:lumMod val="15000"/>
+            <a:lumOff val="85000"/>
+          </a:schemeClr>
+        </a:solidFill>
+        <a:round/>
+      </a:ln>
+    </cs:spPr>
+    <cs:defRPr sz="900" kern="1200"/>
+  </cs:dataTable>
+  <cs:downBar>
+    <cs:lnRef idx="0"/>
+    <cs:fillRef idx="0"/>
+    <cs:effectRef idx="0"/>
+    <cs:fontRef idx="minor">
+      <a:schemeClr val="tx1"/>
+    </cs:fontRef>
+    <cs:spPr>
+      <a:solidFill>
+        <a:schemeClr val="dk1">
+          <a:lumMod val="75000"/>
+          <a:lumOff val="25000"/>
+        </a:schemeClr>
+      </a:solidFill>
+      <a:ln w="9525" cap="flat" cmpd="sng" algn="ctr">
+        <a:solidFill>
+          <a:schemeClr val="tx1">
+            <a:lumMod val="65000"/>
+            <a:lumOff val="35000"/>
+          </a:schemeClr>
+        </a:solidFill>
+        <a:round/>
+      </a:ln>
+    </cs:spPr>
+  </cs:downBar>
+  <cs:dropLine>
+    <cs:lnRef idx="0"/>
+    <cs:fillRef idx="0"/>
+    <cs:effectRef idx="0"/>
+    <cs:fontRef idx="minor">
+      <a:schemeClr val="tx1"/>
+    </cs:fontRef>
+    <cs:spPr>
+      <a:ln w="9525" cap="flat" cmpd="sng" algn="ctr">
+        <a:solidFill>
+          <a:schemeClr val="tx1">
+            <a:lumMod val="35000"/>
+            <a:lumOff val="65000"/>
+          </a:schemeClr>
+        </a:solidFill>
+        <a:round/>
+      </a:ln>
+    </cs:spPr>
+  </cs:dropLine>
+  <cs:errorBar>
+    <cs:lnRef idx="0"/>
+    <cs:fillRef idx="0"/>
+    <cs:effectRef idx="0"/>
+    <cs:fontRef idx="minor">
+      <a:schemeClr val="tx1"/>
+    </cs:fontRef>
+    <cs:spPr>
+      <a:ln w="9525" cap="flat" cmpd="sng" algn="ctr">
+        <a:solidFill>
+          <a:schemeClr val="tx1">
+            <a:lumMod val="65000"/>
+            <a:lumOff val="35000"/>
+          </a:schemeClr>
+        </a:solidFill>
+        <a:round/>
+      </a:ln>
+    </cs:spPr>
+  </cs:errorBar>
+  <cs:floor>
+    <cs:lnRef idx="0"/>
+    <cs:fillRef idx="0"/>
+    <cs:effectRef idx="0"/>
+    <cs:fontRef idx="minor">
+      <a:schemeClr val="tx1"/>
+    </cs:fontRef>
+    <cs:spPr>
+      <a:noFill/>
+      <a:ln>
+        <a:noFill/>
+      </a:ln>
+    </cs:spPr>
+  </cs:floor>
+  <cs:gridlineMajor>
+    <cs:lnRef idx="0"/>
+    <cs:fillRef idx="0"/>
+    <cs:effectRef idx="0"/>
+    <cs:fontRef idx="minor">
+      <a:schemeClr val="tx1"/>
+    </cs:fontRef>
+    <cs:spPr>
+      <a:ln w="9525" cap="flat" cmpd="sng" algn="ctr">
+        <a:solidFill>
+          <a:schemeClr val="tx1">
+            <a:lumMod val="15000"/>
+            <a:lumOff val="85000"/>
+          </a:schemeClr>
+        </a:solidFill>
+        <a:round/>
+      </a:ln>
+    </cs:spPr>
+  </cs:gridlineMajor>
+  <cs:gridlineMinor>
+    <cs:lnRef idx="0"/>
+    <cs:fillRef idx="0"/>
+    <cs:effectRef idx="0"/>
+    <cs:fontRef idx="minor">
+      <a:schemeClr val="tx1"/>
+    </cs:fontRef>
+    <cs:spPr>
+      <a:ln w="9525" cap="flat" cmpd="sng" algn="ctr">
+        <a:solidFill>
+          <a:schemeClr val="tx1">
+            <a:lumMod val="5000"/>
+            <a:lumOff val="95000"/>
+          </a:schemeClr>
+        </a:solidFill>
+        <a:round/>
+      </a:ln>
+    </cs:spPr>
+  </cs:gridlineMinor>
+  <cs:hiLoLine>
+    <cs:lnRef idx="0"/>
+    <cs:fillRef idx="0"/>
+    <cs:effectRef idx="0"/>
+    <cs:fontRef idx="minor">
+      <a:schemeClr val="tx1"/>
+    </cs:fontRef>
+    <cs:spPr>
+      <a:ln w="9525" cap="flat" cmpd="sng" algn="ctr">
+        <a:solidFill>
+          <a:schemeClr val="tx1">
+            <a:lumMod val="50000"/>
+            <a:lumOff val="50000"/>
+          </a:schemeClr>
+        </a:solidFill>
+        <a:round/>
+      </a:ln>
+    </cs:spPr>
+  </cs:hiLoLine>
+  <cs:leaderLine>
+    <cs:lnRef idx="0"/>
+    <cs:fillRef idx="0"/>
+    <cs:effectRef idx="0"/>
+    <cs:fontRef idx="minor">
+      <a:schemeClr val="tx1"/>
+    </cs:fontRef>
+    <cs:spPr>
+      <a:ln w="9525" cap="flat" cmpd="sng" algn="ctr">
+        <a:solidFill>
+          <a:schemeClr val="tx1">
+            <a:lumMod val="35000"/>
+            <a:lumOff val="65000"/>
+          </a:schemeClr>
+        </a:solidFill>
+        <a:round/>
+      </a:ln>
+    </cs:spPr>
+  </cs:leaderLine>
+  <cs:legend>
+    <cs:lnRef idx="0"/>
+    <cs:fillRef idx="0"/>
+    <cs:effectRef idx="0"/>
+    <cs:fontRef idx="minor">
+      <a:schemeClr val="tx1">
+        <a:lumMod val="65000"/>
+        <a:lumOff val="35000"/>
+      </a:schemeClr>
+    </cs:fontRef>
+    <cs:defRPr sz="900" kern="1200"/>
+  </cs:legend>
+  <cs:plotArea mods="allowNoFillOverride allowNoLineOverride">
+    <cs:lnRef idx="0"/>
+    <cs:fillRef idx="0"/>
+    <cs:effectRef idx="0"/>
+    <cs:fontRef idx="minor">
+      <a:schemeClr val="tx1"/>
+    </cs:fontRef>
+  </cs:plotArea>
+  <cs:plotArea3D mods="allowNoFillOverride allowNoLineOverride">
+    <cs:lnRef idx="0"/>
+    <cs:fillRef idx="0"/>
+    <cs:effectRef idx="0"/>
+    <cs:fontRef idx="minor">
+      <a:schemeClr val="tx1"/>
+    </cs:fontRef>
+  </cs:plotArea3D>
+  <cs:seriesAxis>
+    <cs:lnRef idx="0"/>
+    <cs:fillRef idx="0"/>
+    <cs:effectRef idx="0"/>
+    <cs:fontRef idx="minor">
+      <a:schemeClr val="tx1">
+        <a:lumMod val="65000"/>
+        <a:lumOff val="35000"/>
+      </a:schemeClr>
+    </cs:fontRef>
+    <cs:defRPr sz="900" kern="1200"/>
+  </cs:seriesAxis>
+  <cs:seriesLine>
+    <cs:lnRef idx="0"/>
+    <cs:fillRef idx="0"/>
+    <cs:effectRef idx="0"/>
+    <cs:fontRef idx="minor">
+      <a:schemeClr val="tx1"/>
+    </cs:fontRef>
+    <cs:spPr>
+      <a:ln w="9525" cap="flat" cmpd="sng" algn="ctr">
+        <a:solidFill>
+          <a:schemeClr val="tx1">
+            <a:lumMod val="35000"/>
+            <a:lumOff val="65000"/>
+          </a:schemeClr>
+        </a:solidFill>
+        <a:round/>
+      </a:ln>
+    </cs:spPr>
+  </cs:seriesLine>
+  <cs:title>
+    <cs:lnRef idx="0"/>
+    <cs:fillRef idx="0"/>
+    <cs:effectRef idx="0"/>
+    <cs:fontRef idx="minor">
+      <a:schemeClr val="tx1">
+        <a:lumMod val="65000"/>
+        <a:lumOff val="35000"/>
+      </a:schemeClr>
+    </cs:fontRef>
+    <cs:defRPr sz="1400" b="0" kern="1200" spc="0" baseline="0"/>
+  </cs:title>
+  <cs:trendline>
+    <cs:lnRef idx="0">
+      <cs:styleClr val="auto"/>
+    </cs:lnRef>
+    <cs:fillRef idx="0"/>
+    <cs:effectRef idx="0"/>
+    <cs:fontRef idx="minor">
+      <a:schemeClr val="tx1"/>
+    </cs:fontRef>
+    <cs:spPr>
+      <a:ln w="19050" cap="rnd">
+        <a:solidFill>
+          <a:schemeClr val="phClr"/>
+        </a:solidFill>
+        <a:prstDash val="sysDot"/>
+      </a:ln>
+    </cs:spPr>
+  </cs:trendline>
+  <cs:trendlineLabel>
+    <cs:lnRef idx="0"/>
+    <cs:fillRef idx="0"/>
+    <cs:effectRef idx="0"/>
+    <cs:fontRef idx="minor">
+      <a:schemeClr val="tx1">
+        <a:lumMod val="65000"/>
+        <a:lumOff val="35000"/>
+      </a:schemeClr>
+    </cs:fontRef>
+    <cs:defRPr sz="900" kern="1200"/>
+  </cs:trendlineLabel>
+  <cs:upBar>
+    <cs:lnRef idx="0"/>
+    <cs:fillRef idx="0"/>
+    <cs:effectRef idx="0"/>
+    <cs:fontRef idx="minor">
+      <a:schemeClr val="tx1"/>
+    </cs:fontRef>
+    <cs:spPr>
+      <a:solidFill>
+        <a:schemeClr val="lt1"/>
+      </a:solidFill>
+      <a:ln w="9525" cap="flat" cmpd="sng" algn="ctr">
+        <a:solidFill>
+          <a:schemeClr val="tx1">
+            <a:lumMod val="65000"/>
+            <a:lumOff val="35000"/>
+          </a:schemeClr>
+        </a:solidFill>
+        <a:round/>
+      </a:ln>
+    </cs:spPr>
+  </cs:upBar>
+  <cs:valueAxis>
+    <cs:lnRef idx="0"/>
+    <cs:fillRef idx="0"/>
+    <cs:effectRef idx="0"/>
+    <cs:fontRef idx="minor">
+      <a:schemeClr val="tx1">
+        <a:lumMod val="65000"/>
+        <a:lumOff val="35000"/>
+      </a:schemeClr>
+    </cs:fontRef>
+    <cs:spPr>
+      <a:ln w="9525" cap="flat" cmpd="sng" algn="ctr">
+        <a:solidFill>
+          <a:schemeClr val="tx1">
+            <a:lumMod val="25000"/>
+            <a:lumOff val="75000"/>
+          </a:schemeClr>
+        </a:solidFill>
+        <a:round/>
+      </a:ln>
+    </cs:spPr>
+    <cs:defRPr sz="900" kern="1200"/>
+  </cs:valueAxis>
+  <cs:wall>
+    <cs:lnRef idx="0"/>
+    <cs:fillRef idx="0"/>
+    <cs:effectRef idx="0"/>
+    <cs:fontRef idx="minor">
+      <a:schemeClr val="tx1"/>
+    </cs:fontRef>
+    <cs:spPr>
+      <a:noFill/>
+      <a:ln>
+        <a:noFill/>
+      </a:ln>
+    </cs:spPr>
+  </cs:wall>
+</cs:chartStyle>
+</file>
+
+<file path=ppt/charts/style3.xml><?xml version="1.0" encoding="utf-8"?>
+<cs:chartStyle xmlns:cs="http://schemas.microsoft.com/office/drawing/2012/chartStyle" xmlns:a="http://schemas.openxmlformats.org/drawingml/2006/main" id="240">
+  <cs:axisTitle>
+    <cs:lnRef idx="0"/>
+    <cs:fillRef idx="0"/>
+    <cs:effectRef idx="0"/>
+    <cs:fontRef idx="minor">
+      <a:schemeClr val="tx1">
+        <a:lumMod val="65000"/>
+        <a:lumOff val="35000"/>
+      </a:schemeClr>
+    </cs:fontRef>
+    <cs:defRPr sz="1000" kern="1200"/>
+  </cs:axisTitle>
+  <cs:categoryAxis>
+    <cs:lnRef idx="0"/>
+    <cs:fillRef idx="0"/>
+    <cs:effectRef idx="0"/>
+    <cs:fontRef idx="minor">
+      <a:schemeClr val="tx1">
+        <a:lumMod val="65000"/>
+        <a:lumOff val="35000"/>
+      </a:schemeClr>
+    </cs:fontRef>
+    <cs:spPr>
+      <a:ln w="9525" cap="flat" cmpd="sng" algn="ctr">
+        <a:solidFill>
+          <a:schemeClr val="tx1">
+            <a:lumMod val="25000"/>
+            <a:lumOff val="75000"/>
+          </a:schemeClr>
+        </a:solidFill>
+        <a:round/>
+      </a:ln>
+    </cs:spPr>
+    <cs:defRPr sz="900" kern="1200"/>
+  </cs:categoryAxis>
+  <cs:chartArea mods="allowNoFillOverride allowNoLineOverride">
+    <cs:lnRef idx="0"/>
+    <cs:fillRef idx="0"/>
+    <cs:effectRef idx="0"/>
+    <cs:fontRef idx="minor">
+      <a:schemeClr val="tx1"/>
+    </cs:fontRef>
+    <cs:spPr>
+      <a:solidFill>
+        <a:schemeClr val="bg1"/>
+      </a:solidFill>
+      <a:ln w="9525" cap="flat" cmpd="sng" algn="ctr">
+        <a:solidFill>
+          <a:schemeClr val="tx1">
+            <a:lumMod val="15000"/>
+            <a:lumOff val="85000"/>
+          </a:schemeClr>
+        </a:solidFill>
+        <a:round/>
+      </a:ln>
+    </cs:spPr>
+    <cs:defRPr sz="1000" kern="1200"/>
+  </cs:chartArea>
+  <cs:dataLabel>
+    <cs:lnRef idx="0"/>
+    <cs:fillRef idx="0"/>
+    <cs:effectRef idx="0"/>
+    <cs:fontRef idx="minor">
+      <a:schemeClr val="tx1">
+        <a:lumMod val="75000"/>
+        <a:lumOff val="25000"/>
+      </a:schemeClr>
+    </cs:fontRef>
+    <cs:defRPr sz="900" kern="1200"/>
+  </cs:dataLabel>
+  <cs:dataLabelCallout>
+    <cs:lnRef idx="0"/>
+    <cs:fillRef idx="0"/>
+    <cs:effectRef idx="0"/>
+    <cs:fontRef idx="minor">
+      <a:schemeClr val="dk1">
+        <a:lumMod val="65000"/>
+        <a:lumOff val="35000"/>
+      </a:schemeClr>
+    </cs:fontRef>
+    <cs:spPr>
+      <a:solidFill>
+        <a:schemeClr val="lt1"/>
+      </a:solidFill>
+      <a:ln>
+        <a:solidFill>
+          <a:schemeClr val="dk1">
+            <a:lumMod val="25000"/>
+            <a:lumOff val="75000"/>
+          </a:schemeClr>
+        </a:solidFill>
+      </a:ln>
+    </cs:spPr>
+    <cs:defRPr sz="900" kern="1200"/>
+    <cs:bodyPr rot="0" spcFirstLastPara="1" vertOverflow="clip" horzOverflow="clip" vert="horz" wrap="square" lIns="36576" tIns="18288" rIns="36576" bIns="18288" anchor="ctr" anchorCtr="1">
+      <a:spAutoFit/>
+    </cs:bodyPr>
+  </cs:dataLabelCallout>
+  <cs:dataPoint>
+    <cs:lnRef idx="0"/>
+    <cs:fillRef idx="1">
+      <cs:styleClr val="auto"/>
+    </cs:fillRef>
+    <cs:effectRef idx="0"/>
+    <cs:fontRef idx="minor">
+      <a:schemeClr val="tx1"/>
+    </cs:fontRef>
+  </cs:dataPoint>
+  <cs:dataPoint3D>
+    <cs:lnRef idx="0"/>
+    <cs:fillRef idx="1">
+      <cs:styleClr val="auto"/>
+    </cs:fillRef>
+    <cs:effectRef idx="0"/>
+    <cs:fontRef idx="minor">
+      <a:schemeClr val="tx1"/>
+    </cs:fontRef>
+  </cs:dataPoint3D>
+  <cs:dataPointLine>
+    <cs:lnRef idx="0">
+      <cs:styleClr val="auto"/>
+    </cs:lnRef>
+    <cs:fillRef idx="1"/>
+    <cs:effectRef idx="0"/>
+    <cs:fontRef idx="minor">
+      <a:schemeClr val="tx1"/>
+    </cs:fontRef>
+    <cs:spPr>
+      <a:ln w="19050" cap="rnd">
+        <a:solidFill>
+          <a:schemeClr val="phClr"/>
+        </a:solidFill>
+        <a:round/>
+      </a:ln>
+    </cs:spPr>
+  </cs:dataPointLine>
+  <cs:dataPointMarker>
+    <cs:lnRef idx="0">
+      <cs:styleClr val="auto"/>
+    </cs:lnRef>
+    <cs:fillRef idx="1">
+      <cs:styleClr val="auto"/>
+    </cs:fillRef>
+    <cs:effectRef idx="0"/>
+    <cs:fontRef idx="minor">
+      <a:schemeClr val="tx1"/>
+    </cs:fontRef>
+    <cs:spPr>
+      <a:ln w="9525">
+        <a:solidFill>
+          <a:schemeClr val="phClr"/>
+        </a:solidFill>
+      </a:ln>
+    </cs:spPr>
+  </cs:dataPointMarker>
+  <cs:dataPointMarkerLayout symbol="circle" size="5"/>
+  <cs:dataPointWireframe>
+    <cs:lnRef idx="0">
+      <cs:styleClr val="auto"/>
+    </cs:lnRef>
+    <cs:fillRef idx="0"/>
+    <cs:effectRef idx="0"/>
+    <cs:fontRef idx="minor">
+      <a:schemeClr val="dk1"/>
+    </cs:fontRef>
+    <cs:spPr>
+      <a:ln w="9525" cap="rnd">
+        <a:solidFill>
+          <a:schemeClr val="phClr"/>
+        </a:solidFill>
+        <a:round/>
+      </a:ln>
+    </cs:spPr>
+  </cs:dataPointWireframe>
+  <cs:dataTable>
+    <cs:lnRef idx="0"/>
+    <cs:fillRef idx="0"/>
+    <cs:effectRef idx="0"/>
+    <cs:fontRef idx="minor">
+      <a:schemeClr val="tx1">
+        <a:lumMod val="65000"/>
+        <a:lumOff val="35000"/>
+      </a:schemeClr>
+    </cs:fontRef>
+    <cs:spPr>
+      <a:noFill/>
+      <a:ln w="9525" cap="flat" cmpd="sng" algn="ctr">
+        <a:solidFill>
+          <a:schemeClr val="tx1">
+            <a:lumMod val="15000"/>
+            <a:lumOff val="85000"/>
+          </a:schemeClr>
+        </a:solidFill>
+        <a:round/>
+      </a:ln>
+    </cs:spPr>
+    <cs:defRPr sz="900" kern="1200"/>
+  </cs:dataTable>
+  <cs:downBar>
+    <cs:lnRef idx="0"/>
+    <cs:fillRef idx="0"/>
+    <cs:effectRef idx="0"/>
+    <cs:fontRef idx="minor">
+      <a:schemeClr val="tx1"/>
+    </cs:fontRef>
+    <cs:spPr>
+      <a:solidFill>
+        <a:schemeClr val="dk1">
+          <a:lumMod val="75000"/>
+          <a:lumOff val="25000"/>
+        </a:schemeClr>
+      </a:solidFill>
+      <a:ln w="9525" cap="flat" cmpd="sng" algn="ctr">
+        <a:solidFill>
+          <a:schemeClr val="tx1">
+            <a:lumMod val="65000"/>
+            <a:lumOff val="35000"/>
+          </a:schemeClr>
+        </a:solidFill>
+        <a:round/>
+      </a:ln>
+    </cs:spPr>
+  </cs:downBar>
+  <cs:dropLine>
+    <cs:lnRef idx="0"/>
+    <cs:fillRef idx="0"/>
+    <cs:effectRef idx="0"/>
+    <cs:fontRef idx="minor">
+      <a:schemeClr val="tx1"/>
+    </cs:fontRef>
+    <cs:spPr>
+      <a:ln w="9525" cap="flat" cmpd="sng" algn="ctr">
+        <a:solidFill>
+          <a:schemeClr val="tx1">
+            <a:lumMod val="35000"/>
+            <a:lumOff val="65000"/>
+          </a:schemeClr>
+        </a:solidFill>
+        <a:round/>
+      </a:ln>
+    </cs:spPr>
+  </cs:dropLine>
+  <cs:errorBar>
+    <cs:lnRef idx="0"/>
+    <cs:fillRef idx="0"/>
+    <cs:effectRef idx="0"/>
+    <cs:fontRef idx="minor">
+      <a:schemeClr val="tx1"/>
+    </cs:fontRef>
+    <cs:spPr>
+      <a:ln w="9525" cap="flat" cmpd="sng" algn="ctr">
+        <a:solidFill>
+          <a:schemeClr val="tx1">
+            <a:lumMod val="65000"/>
+            <a:lumOff val="35000"/>
+          </a:schemeClr>
+        </a:solidFill>
+        <a:round/>
+      </a:ln>
+    </cs:spPr>
+  </cs:errorBar>
+  <cs:floor>
+    <cs:lnRef idx="0"/>
+    <cs:fillRef idx="0"/>
+    <cs:effectRef idx="0"/>
+    <cs:fontRef idx="minor">
+      <a:schemeClr val="tx1"/>
+    </cs:fontRef>
+    <cs:spPr>
+      <a:noFill/>
+      <a:ln>
+        <a:noFill/>
+      </a:ln>
+    </cs:spPr>
+  </cs:floor>
+  <cs:gridlineMajor>
+    <cs:lnRef idx="0"/>
+    <cs:fillRef idx="0"/>
+    <cs:effectRef idx="0"/>
+    <cs:fontRef idx="minor">
+      <a:schemeClr val="tx1"/>
+    </cs:fontRef>
+    <cs:spPr>
+      <a:ln w="9525" cap="flat" cmpd="sng" algn="ctr">
+        <a:solidFill>
+          <a:schemeClr val="tx1">
+            <a:lumMod val="15000"/>
+            <a:lumOff val="85000"/>
+          </a:schemeClr>
+        </a:solidFill>
+        <a:round/>
+      </a:ln>
+    </cs:spPr>
+  </cs:gridlineMajor>
+  <cs:gridlineMinor>
+    <cs:lnRef idx="0"/>
+    <cs:fillRef idx="0"/>
+    <cs:effectRef idx="0"/>
+    <cs:fontRef idx="minor">
+      <a:schemeClr val="tx1"/>
+    </cs:fontRef>
+    <cs:spPr>
+      <a:ln w="9525" cap="flat" cmpd="sng" algn="ctr">
+        <a:solidFill>
+          <a:schemeClr val="tx1">
+            <a:lumMod val="5000"/>
+            <a:lumOff val="95000"/>
+          </a:schemeClr>
+        </a:solidFill>
+        <a:round/>
+      </a:ln>
+    </cs:spPr>
+  </cs:gridlineMinor>
+  <cs:hiLoLine>
+    <cs:lnRef idx="0"/>
+    <cs:fillRef idx="0"/>
+    <cs:effectRef idx="0"/>
+    <cs:fontRef idx="minor">
+      <a:schemeClr val="tx1"/>
+    </cs:fontRef>
+    <cs:spPr>
+      <a:ln w="9525" cap="flat" cmpd="sng" algn="ctr">
+        <a:solidFill>
+          <a:schemeClr val="tx1">
+            <a:lumMod val="50000"/>
+            <a:lumOff val="50000"/>
+          </a:schemeClr>
+        </a:solidFill>
+        <a:round/>
+      </a:ln>
+    </cs:spPr>
+  </cs:hiLoLine>
+  <cs:leaderLine>
+    <cs:lnRef idx="0"/>
+    <cs:fillRef idx="0"/>
+    <cs:effectRef idx="0"/>
+    <cs:fontRef idx="minor">
+      <a:schemeClr val="tx1"/>
+    </cs:fontRef>
+    <cs:spPr>
+      <a:ln w="9525" cap="flat" cmpd="sng" algn="ctr">
+        <a:solidFill>
+          <a:schemeClr val="tx1">
+            <a:lumMod val="35000"/>
+            <a:lumOff val="65000"/>
+          </a:schemeClr>
+        </a:solidFill>
+        <a:round/>
+      </a:ln>
+    </cs:spPr>
+  </cs:leaderLine>
+  <cs:legend>
+    <cs:lnRef idx="0"/>
+    <cs:fillRef idx="0"/>
+    <cs:effectRef idx="0"/>
+    <cs:fontRef idx="minor">
+      <a:schemeClr val="tx1">
+        <a:lumMod val="65000"/>
+        <a:lumOff val="35000"/>
+      </a:schemeClr>
+    </cs:fontRef>
+    <cs:defRPr sz="900" kern="1200"/>
+  </cs:legend>
+  <cs:plotArea mods="allowNoFillOverride allowNoLineOverride">
+    <cs:lnRef idx="0"/>
+    <cs:fillRef idx="0"/>
+    <cs:effectRef idx="0"/>
+    <cs:fontRef idx="minor">
+      <a:schemeClr val="tx1"/>
+    </cs:fontRef>
+  </cs:plotArea>
+  <cs:plotArea3D mods="allowNoFillOverride allowNoLineOverride">
+    <cs:lnRef idx="0"/>
+    <cs:fillRef idx="0"/>
+    <cs:effectRef idx="0"/>
+    <cs:fontRef idx="minor">
+      <a:schemeClr val="tx1"/>
+    </cs:fontRef>
+  </cs:plotArea3D>
+  <cs:seriesAxis>
+    <cs:lnRef idx="0"/>
+    <cs:fillRef idx="0"/>
+    <cs:effectRef idx="0"/>
+    <cs:fontRef idx="minor">
+      <a:schemeClr val="tx1">
+        <a:lumMod val="65000"/>
+        <a:lumOff val="35000"/>
+      </a:schemeClr>
+    </cs:fontRef>
+    <cs:defRPr sz="900" kern="1200"/>
+  </cs:seriesAxis>
+  <cs:seriesLine>
+    <cs:lnRef idx="0"/>
+    <cs:fillRef idx="0"/>
+    <cs:effectRef idx="0"/>
+    <cs:fontRef idx="minor">
+      <a:schemeClr val="tx1"/>
+    </cs:fontRef>
+    <cs:spPr>
+      <a:ln w="9525" cap="flat" cmpd="sng" algn="ctr">
+        <a:solidFill>
+          <a:schemeClr val="tx1">
+            <a:lumMod val="35000"/>
+            <a:lumOff val="65000"/>
+          </a:schemeClr>
+        </a:solidFill>
+        <a:round/>
+      </a:ln>
+    </cs:spPr>
+  </cs:seriesLine>
+  <cs:title>
+    <cs:lnRef idx="0"/>
+    <cs:fillRef idx="0"/>
+    <cs:effectRef idx="0"/>
+    <cs:fontRef idx="minor">
+      <a:schemeClr val="tx1">
+        <a:lumMod val="65000"/>
+        <a:lumOff val="35000"/>
+      </a:schemeClr>
+    </cs:fontRef>
+    <cs:defRPr sz="1400" b="0" kern="1200" spc="0" baseline="0"/>
+  </cs:title>
+  <cs:trendline>
+    <cs:lnRef idx="0">
+      <cs:styleClr val="auto"/>
+    </cs:lnRef>
+    <cs:fillRef idx="0"/>
+    <cs:effectRef idx="0"/>
+    <cs:fontRef idx="minor">
+      <a:schemeClr val="tx1"/>
+    </cs:fontRef>
+    <cs:spPr>
+      <a:ln w="19050" cap="rnd">
+        <a:solidFill>
+          <a:schemeClr val="phClr"/>
+        </a:solidFill>
+        <a:prstDash val="sysDot"/>
+      </a:ln>
+    </cs:spPr>
+  </cs:trendline>
+  <cs:trendlineLabel>
+    <cs:lnRef idx="0"/>
+    <cs:fillRef idx="0"/>
+    <cs:effectRef idx="0"/>
+    <cs:fontRef idx="minor">
+      <a:schemeClr val="tx1">
+        <a:lumMod val="65000"/>
+        <a:lumOff val="35000"/>
+      </a:schemeClr>
+    </cs:fontRef>
+    <cs:defRPr sz="900" kern="1200"/>
+  </cs:trendlineLabel>
+  <cs:upBar>
+    <cs:lnRef idx="0"/>
+    <cs:fillRef idx="0"/>
+    <cs:effectRef idx="0"/>
+    <cs:fontRef idx="minor">
+      <a:schemeClr val="tx1"/>
+    </cs:fontRef>
+    <cs:spPr>
+      <a:solidFill>
+        <a:schemeClr val="lt1"/>
+      </a:solidFill>
+      <a:ln w="9525" cap="flat" cmpd="sng" algn="ctr">
+        <a:solidFill>
+          <a:schemeClr val="tx1">
+            <a:lumMod val="65000"/>
+            <a:lumOff val="35000"/>
+          </a:schemeClr>
+        </a:solidFill>
+        <a:round/>
+      </a:ln>
+    </cs:spPr>
+  </cs:upBar>
+  <cs:valueAxis>
+    <cs:lnRef idx="0"/>
+    <cs:fillRef idx="0"/>
+    <cs:effectRef idx="0"/>
+    <cs:fontRef idx="minor">
+      <a:schemeClr val="tx1">
+        <a:lumMod val="65000"/>
+        <a:lumOff val="35000"/>
+      </a:schemeClr>
+    </cs:fontRef>
+    <cs:spPr>
+      <a:ln w="9525" cap="flat" cmpd="sng" algn="ctr">
+        <a:solidFill>
+          <a:schemeClr val="tx1">
+            <a:lumMod val="25000"/>
+            <a:lumOff val="75000"/>
+          </a:schemeClr>
+        </a:solidFill>
+        <a:round/>
+      </a:ln>
+    </cs:spPr>
+    <cs:defRPr sz="900" kern="1200"/>
+  </cs:valueAxis>
+  <cs:wall>
+    <cs:lnRef idx="0"/>
+    <cs:fillRef idx="0"/>
+    <cs:effectRef idx="0"/>
+    <cs:fontRef idx="minor">
+      <a:schemeClr val="tx1"/>
+    </cs:fontRef>
+    <cs:spPr>
+      <a:noFill/>
+      <a:ln>
+        <a:noFill/>
+      </a:ln>
+    </cs:spPr>
+  </cs:wall>
+</cs:chartStyle>
+</file>
+
+<file path=ppt/charts/style4.xml><?xml version="1.0" encoding="utf-8"?>
+<cs:chartStyle xmlns:cs="http://schemas.microsoft.com/office/drawing/2012/chartStyle" xmlns:a="http://schemas.openxmlformats.org/drawingml/2006/main" id="240">
+  <cs:axisTitle>
+    <cs:lnRef idx="0"/>
+    <cs:fillRef idx="0"/>
+    <cs:effectRef idx="0"/>
+    <cs:fontRef idx="minor">
+      <a:schemeClr val="tx1">
+        <a:lumMod val="65000"/>
+        <a:lumOff val="35000"/>
+      </a:schemeClr>
+    </cs:fontRef>
+    <cs:defRPr sz="1000" kern="1200"/>
+  </cs:axisTitle>
+  <cs:categoryAxis>
+    <cs:lnRef idx="0"/>
+    <cs:fillRef idx="0"/>
+    <cs:effectRef idx="0"/>
+    <cs:fontRef idx="minor">
+      <a:schemeClr val="tx1">
+        <a:lumMod val="65000"/>
+        <a:lumOff val="35000"/>
+      </a:schemeClr>
+    </cs:fontRef>
+    <cs:spPr>
+      <a:ln w="9525" cap="flat" cmpd="sng" algn="ctr">
+        <a:solidFill>
+          <a:schemeClr val="tx1">
+            <a:lumMod val="25000"/>
+            <a:lumOff val="75000"/>
+          </a:schemeClr>
+        </a:solidFill>
+        <a:round/>
+      </a:ln>
+    </cs:spPr>
+    <cs:defRPr sz="900" kern="1200"/>
+  </cs:categoryAxis>
+  <cs:chartArea mods="allowNoFillOverride allowNoLineOverride">
+    <cs:lnRef idx="0"/>
+    <cs:fillRef idx="0"/>
+    <cs:effectRef idx="0"/>
+    <cs:fontRef idx="minor">
+      <a:schemeClr val="tx1"/>
+    </cs:fontRef>
+    <cs:spPr>
+      <a:solidFill>
+        <a:schemeClr val="bg1"/>
+      </a:solidFill>
+      <a:ln w="9525" cap="flat" cmpd="sng" algn="ctr">
+        <a:solidFill>
+          <a:schemeClr val="tx1">
+            <a:lumMod val="15000"/>
+            <a:lumOff val="85000"/>
+          </a:schemeClr>
+        </a:solidFill>
+        <a:round/>
+      </a:ln>
+    </cs:spPr>
+    <cs:defRPr sz="1000" kern="1200"/>
+  </cs:chartArea>
+  <cs:dataLabel>
+    <cs:lnRef idx="0"/>
+    <cs:fillRef idx="0"/>
+    <cs:effectRef idx="0"/>
+    <cs:fontRef idx="minor">
+      <a:schemeClr val="tx1">
+        <a:lumMod val="75000"/>
+        <a:lumOff val="25000"/>
+      </a:schemeClr>
+    </cs:fontRef>
+    <cs:defRPr sz="900" kern="1200"/>
+  </cs:dataLabel>
+  <cs:dataLabelCallout>
+    <cs:lnRef idx="0"/>
+    <cs:fillRef idx="0"/>
+    <cs:effectRef idx="0"/>
+    <cs:fontRef idx="minor">
+      <a:schemeClr val="dk1">
+        <a:lumMod val="65000"/>
+        <a:lumOff val="35000"/>
+      </a:schemeClr>
+    </cs:fontRef>
+    <cs:spPr>
+      <a:solidFill>
+        <a:schemeClr val="lt1"/>
+      </a:solidFill>
+      <a:ln>
+        <a:solidFill>
+          <a:schemeClr val="dk1">
+            <a:lumMod val="25000"/>
+            <a:lumOff val="75000"/>
+          </a:schemeClr>
+        </a:solidFill>
+      </a:ln>
+    </cs:spPr>
+    <cs:defRPr sz="900" kern="1200"/>
+    <cs:bodyPr rot="0" spcFirstLastPara="1" vertOverflow="clip" horzOverflow="clip" vert="horz" wrap="square" lIns="36576" tIns="18288" rIns="36576" bIns="18288" anchor="ctr" anchorCtr="1">
+      <a:spAutoFit/>
+    </cs:bodyPr>
+  </cs:dataLabelCallout>
+  <cs:dataPoint>
+    <cs:lnRef idx="0"/>
+    <cs:fillRef idx="1">
+      <cs:styleClr val="auto"/>
+    </cs:fillRef>
+    <cs:effectRef idx="0"/>
+    <cs:fontRef idx="minor">
+      <a:schemeClr val="tx1"/>
+    </cs:fontRef>
+  </cs:dataPoint>
+  <cs:dataPoint3D>
+    <cs:lnRef idx="0"/>
+    <cs:fillRef idx="1">
+      <cs:styleClr val="auto"/>
+    </cs:fillRef>
+    <cs:effectRef idx="0"/>
+    <cs:fontRef idx="minor">
+      <a:schemeClr val="tx1"/>
+    </cs:fontRef>
+  </cs:dataPoint3D>
+  <cs:dataPointLine>
+    <cs:lnRef idx="0">
+      <cs:styleClr val="auto"/>
+    </cs:lnRef>
+    <cs:fillRef idx="1"/>
+    <cs:effectRef idx="0"/>
+    <cs:fontRef idx="minor">
+      <a:schemeClr val="tx1"/>
+    </cs:fontRef>
+    <cs:spPr>
+      <a:ln w="19050" cap="rnd">
+        <a:solidFill>
+          <a:schemeClr val="phClr"/>
+        </a:solidFill>
+        <a:round/>
+      </a:ln>
+    </cs:spPr>
+  </cs:dataPointLine>
+  <cs:dataPointMarker>
+    <cs:lnRef idx="0">
+      <cs:styleClr val="auto"/>
+    </cs:lnRef>
+    <cs:fillRef idx="1">
+      <cs:styleClr val="auto"/>
+    </cs:fillRef>
+    <cs:effectRef idx="0"/>
+    <cs:fontRef idx="minor">
+      <a:schemeClr val="tx1"/>
+    </cs:fontRef>
+    <cs:spPr>
+      <a:ln w="9525">
+        <a:solidFill>
+          <a:schemeClr val="phClr"/>
+        </a:solidFill>
+      </a:ln>
+    </cs:spPr>
+  </cs:dataPointMarker>
+  <cs:dataPointMarkerLayout symbol="circle" size="5"/>
+  <cs:dataPointWireframe>
+    <cs:lnRef idx="0">
+      <cs:styleClr val="auto"/>
+    </cs:lnRef>
+    <cs:fillRef idx="0"/>
+    <cs:effectRef idx="0"/>
+    <cs:fontRef idx="minor">
+      <a:schemeClr val="dk1"/>
+    </cs:fontRef>
+    <cs:spPr>
+      <a:ln w="9525" cap="rnd">
+        <a:solidFill>
+          <a:schemeClr val="phClr"/>
+        </a:solidFill>
+        <a:round/>
+      </a:ln>
+    </cs:spPr>
+  </cs:dataPointWireframe>
+  <cs:dataTable>
+    <cs:lnRef idx="0"/>
+    <cs:fillRef idx="0"/>
+    <cs:effectRef idx="0"/>
+    <cs:fontRef idx="minor">
+      <a:schemeClr val="tx1">
+        <a:lumMod val="65000"/>
+        <a:lumOff val="35000"/>
+      </a:schemeClr>
+    </cs:fontRef>
+    <cs:spPr>
+      <a:noFill/>
+      <a:ln w="9525" cap="flat" cmpd="sng" algn="ctr">
+        <a:solidFill>
+          <a:schemeClr val="tx1">
+            <a:lumMod val="15000"/>
+            <a:lumOff val="85000"/>
+          </a:schemeClr>
+        </a:solidFill>
+        <a:round/>
+      </a:ln>
+    </cs:spPr>
+    <cs:defRPr sz="900" kern="1200"/>
+  </cs:dataTable>
+  <cs:downBar>
+    <cs:lnRef idx="0"/>
+    <cs:fillRef idx="0"/>
+    <cs:effectRef idx="0"/>
+    <cs:fontRef idx="minor">
+      <a:schemeClr val="tx1"/>
+    </cs:fontRef>
+    <cs:spPr>
+      <a:solidFill>
+        <a:schemeClr val="dk1">
+          <a:lumMod val="75000"/>
+          <a:lumOff val="25000"/>
+        </a:schemeClr>
+      </a:solidFill>
+      <a:ln w="9525" cap="flat" cmpd="sng" algn="ctr">
+        <a:solidFill>
+          <a:schemeClr val="tx1">
+            <a:lumMod val="65000"/>
+            <a:lumOff val="35000"/>
+          </a:schemeClr>
+        </a:solidFill>
+        <a:round/>
+      </a:ln>
+    </cs:spPr>
+  </cs:downBar>
+  <cs:dropLine>
+    <cs:lnRef idx="0"/>
+    <cs:fillRef idx="0"/>
+    <cs:effectRef idx="0"/>
+    <cs:fontRef idx="minor">
+      <a:schemeClr val="tx1"/>
+    </cs:fontRef>
+    <cs:spPr>
+      <a:ln w="9525" cap="flat" cmpd="sng" algn="ctr">
+        <a:solidFill>
+          <a:schemeClr val="tx1">
+            <a:lumMod val="35000"/>
+            <a:lumOff val="65000"/>
+          </a:schemeClr>
+        </a:solidFill>
+        <a:round/>
+      </a:ln>
+    </cs:spPr>
+  </cs:dropLine>
+  <cs:errorBar>
+    <cs:lnRef idx="0"/>
+    <cs:fillRef idx="0"/>
+    <cs:effectRef idx="0"/>
+    <cs:fontRef idx="minor">
+      <a:schemeClr val="tx1"/>
+    </cs:fontRef>
+    <cs:spPr>
+      <a:ln w="9525" cap="flat" cmpd="sng" algn="ctr">
+        <a:solidFill>
+          <a:schemeClr val="tx1">
+            <a:lumMod val="65000"/>
+            <a:lumOff val="35000"/>
+          </a:schemeClr>
+        </a:solidFill>
+        <a:round/>
+      </a:ln>
+    </cs:spPr>
+  </cs:errorBar>
+  <cs:floor>
+    <cs:lnRef idx="0"/>
+    <cs:fillRef idx="0"/>
+    <cs:effectRef idx="0"/>
+    <cs:fontRef idx="minor">
+      <a:schemeClr val="tx1"/>
+    </cs:fontRef>
+    <cs:spPr>
+      <a:noFill/>
+      <a:ln>
+        <a:noFill/>
+      </a:ln>
+    </cs:spPr>
+  </cs:floor>
+  <cs:gridlineMajor>
+    <cs:lnRef idx="0"/>
+    <cs:fillRef idx="0"/>
+    <cs:effectRef idx="0"/>
+    <cs:fontRef idx="minor">
+      <a:schemeClr val="tx1"/>
+    </cs:fontRef>
+    <cs:spPr>
+      <a:ln w="9525" cap="flat" cmpd="sng" algn="ctr">
+        <a:solidFill>
+          <a:schemeClr val="tx1">
+            <a:lumMod val="15000"/>
+            <a:lumOff val="85000"/>
+          </a:schemeClr>
+        </a:solidFill>
+        <a:round/>
+      </a:ln>
+    </cs:spPr>
+  </cs:gridlineMajor>
+  <cs:gridlineMinor>
+    <cs:lnRef idx="0"/>
+    <cs:fillRef idx="0"/>
+    <cs:effectRef idx="0"/>
+    <cs:fontRef idx="minor">
+      <a:schemeClr val="tx1"/>
+    </cs:fontRef>
+    <cs:spPr>
+      <a:ln w="9525" cap="flat" cmpd="sng" algn="ctr">
+        <a:solidFill>
+          <a:schemeClr val="tx1">
+            <a:lumMod val="5000"/>
+            <a:lumOff val="95000"/>
+          </a:schemeClr>
+        </a:solidFill>
+        <a:round/>
+      </a:ln>
+    </cs:spPr>
+  </cs:gridlineMinor>
+  <cs:hiLoLine>
+    <cs:lnRef idx="0"/>
+    <cs:fillRef idx="0"/>
+    <cs:effectRef idx="0"/>
+    <cs:fontRef idx="minor">
+      <a:schemeClr val="tx1"/>
+    </cs:fontRef>
+    <cs:spPr>
+      <a:ln w="9525" cap="flat" cmpd="sng" algn="ctr">
+        <a:solidFill>
+          <a:schemeClr val="tx1">
+            <a:lumMod val="50000"/>
+            <a:lumOff val="50000"/>
+          </a:schemeClr>
+        </a:solidFill>
+        <a:round/>
+      </a:ln>
+    </cs:spPr>
+  </cs:hiLoLine>
+  <cs:leaderLine>
+    <cs:lnRef idx="0"/>
+    <cs:fillRef idx="0"/>
+    <cs:effectRef idx="0"/>
+    <cs:fontRef idx="minor">
+      <a:schemeClr val="tx1"/>
+    </cs:fontRef>
+    <cs:spPr>
+      <a:ln w="9525" cap="flat" cmpd="sng" algn="ctr">
+        <a:solidFill>
+          <a:schemeClr val="tx1">
+            <a:lumMod val="35000"/>
+            <a:lumOff val="65000"/>
+          </a:schemeClr>
+        </a:solidFill>
+        <a:round/>
+      </a:ln>
+    </cs:spPr>
+  </cs:leaderLine>
+  <cs:legend>
+    <cs:lnRef idx="0"/>
+    <cs:fillRef idx="0"/>
+    <cs:effectRef idx="0"/>
+    <cs:fontRef idx="minor">
+      <a:schemeClr val="tx1">
+        <a:lumMod val="65000"/>
+        <a:lumOff val="35000"/>
+      </a:schemeClr>
+    </cs:fontRef>
+    <cs:defRPr sz="900" kern="1200"/>
+  </cs:legend>
+  <cs:plotArea mods="allowNoFillOverride allowNoLineOverride">
+    <cs:lnRef idx="0"/>
+    <cs:fillRef idx="0"/>
+    <cs:effectRef idx="0"/>
+    <cs:fontRef idx="minor">
+      <a:schemeClr val="tx1"/>
+    </cs:fontRef>
+  </cs:plotArea>
+  <cs:plotArea3D mods="allowNoFillOverride allowNoLineOverride">
+    <cs:lnRef idx="0"/>
+    <cs:fillRef idx="0"/>
+    <cs:effectRef idx="0"/>
+    <cs:fontRef idx="minor">
+      <a:schemeClr val="tx1"/>
+    </cs:fontRef>
+  </cs:plotArea3D>
+  <cs:seriesAxis>
+    <cs:lnRef idx="0"/>
+    <cs:fillRef idx="0"/>
+    <cs:effectRef idx="0"/>
+    <cs:fontRef idx="minor">
+      <a:schemeClr val="tx1">
+        <a:lumMod val="65000"/>
+        <a:lumOff val="35000"/>
+      </a:schemeClr>
+    </cs:fontRef>
+    <cs:defRPr sz="900" kern="1200"/>
+  </cs:seriesAxis>
+  <cs:seriesLine>
+    <cs:lnRef idx="0"/>
+    <cs:fillRef idx="0"/>
+    <cs:effectRef idx="0"/>
+    <cs:fontRef idx="minor">
+      <a:schemeClr val="tx1"/>
+    </cs:fontRef>
+    <cs:spPr>
+      <a:ln w="9525" cap="flat" cmpd="sng" algn="ctr">
+        <a:solidFill>
+          <a:schemeClr val="tx1">
+            <a:lumMod val="35000"/>
+            <a:lumOff val="65000"/>
+          </a:schemeClr>
+        </a:solidFill>
+        <a:round/>
+      </a:ln>
+    </cs:spPr>
+  </cs:seriesLine>
+  <cs:title>
+    <cs:lnRef idx="0"/>
+    <cs:fillRef idx="0"/>
+    <cs:effectRef idx="0"/>
+    <cs:fontRef idx="minor">
+      <a:schemeClr val="tx1">
+        <a:lumMod val="65000"/>
+        <a:lumOff val="35000"/>
+      </a:schemeClr>
+    </cs:fontRef>
+    <cs:defRPr sz="1400" b="0" kern="1200" spc="0" baseline="0"/>
+  </cs:title>
+  <cs:trendline>
+    <cs:lnRef idx="0">
+      <cs:styleClr val="auto"/>
+    </cs:lnRef>
+    <cs:fillRef idx="0"/>
+    <cs:effectRef idx="0"/>
+    <cs:fontRef idx="minor">
+      <a:schemeClr val="tx1"/>
+    </cs:fontRef>
+    <cs:spPr>
+      <a:ln w="19050" cap="rnd">
+        <a:solidFill>
+          <a:schemeClr val="phClr"/>
+        </a:solidFill>
+        <a:prstDash val="sysDot"/>
+      </a:ln>
+    </cs:spPr>
+  </cs:trendline>
+  <cs:trendlineLabel>
+    <cs:lnRef idx="0"/>
+    <cs:fillRef idx="0"/>
+    <cs:effectRef idx="0"/>
+    <cs:fontRef idx="minor">
+      <a:schemeClr val="tx1">
+        <a:lumMod val="65000"/>
+        <a:lumOff val="35000"/>
+      </a:schemeClr>
+    </cs:fontRef>
+    <cs:defRPr sz="900" kern="1200"/>
+  </cs:trendlineLabel>
+  <cs:upBar>
+    <cs:lnRef idx="0"/>
+    <cs:fillRef idx="0"/>
+    <cs:effectRef idx="0"/>
+    <cs:fontRef idx="minor">
+      <a:schemeClr val="tx1"/>
+    </cs:fontRef>
+    <cs:spPr>
+      <a:solidFill>
+        <a:schemeClr val="lt1"/>
+      </a:solidFill>
+      <a:ln w="9525" cap="flat" cmpd="sng" algn="ctr">
+        <a:solidFill>
+          <a:schemeClr val="tx1">
+            <a:lumMod val="65000"/>
+            <a:lumOff val="35000"/>
+          </a:schemeClr>
+        </a:solidFill>
+        <a:round/>
+      </a:ln>
+    </cs:spPr>
+  </cs:upBar>
+  <cs:valueAxis>
+    <cs:lnRef idx="0"/>
+    <cs:fillRef idx="0"/>
+    <cs:effectRef idx="0"/>
+    <cs:fontRef idx="minor">
+      <a:schemeClr val="tx1">
+        <a:lumMod val="65000"/>
+        <a:lumOff val="35000"/>
+      </a:schemeClr>
+    </cs:fontRef>
+    <cs:spPr>
+      <a:ln w="9525" cap="flat" cmpd="sng" algn="ctr">
+        <a:solidFill>
+          <a:schemeClr val="tx1">
+            <a:lumMod val="25000"/>
+            <a:lumOff val="75000"/>
+          </a:schemeClr>
+        </a:solidFill>
+        <a:round/>
+      </a:ln>
+    </cs:spPr>
+    <cs:defRPr sz="900" kern="1200"/>
+  </cs:valueAxis>
+  <cs:wall>
+    <cs:lnRef idx="0"/>
+    <cs:fillRef idx="0"/>
+    <cs:effectRef idx="0"/>
+    <cs:fontRef idx="minor">
+      <a:schemeClr val="tx1"/>
+    </cs:fontRef>
+    <cs:spPr>
+      <a:noFill/>
+      <a:ln>
+        <a:noFill/>
+      </a:ln>
+    </cs:spPr>
+  </cs:wall>
+</cs:chartStyle>
 </file>
 
 <file path=ppt/slideLayouts/slideLayout1.xml><?xml version="1.0" encoding="utf-8"?>
@@ -169,7 +4635,7 @@
           <a:noFill/>
           <a:extLst>
             <a:ext uri="{909E8E84-426E-40dd-AFC4-6F175D3DCCD1}">
-              <a14:hiddenFill xmlns:a14="http://schemas.microsoft.com/office/drawing/2010/main" xmlns="">
+              <a14:hiddenFill xmlns="" xmlns:a14="http://schemas.microsoft.com/office/drawing/2010/main">
                 <a:solidFill>
                   <a:srgbClr val="FFFFFF"/>
                 </a:solidFill>
@@ -228,7 +4694,7 @@
             </a:ln>
             <a:extLst>
               <a:ext uri="{91240B29-F687-4f45-9708-019B960494DF}">
-                <a14:hiddenLine xmlns:a14="http://schemas.microsoft.com/office/drawing/2010/main" xmlns="" w="9525">
+                <a14:hiddenLine xmlns="" xmlns:a14="http://schemas.microsoft.com/office/drawing/2010/main" w="9525">
                   <a:solidFill>
                     <a:srgbClr val="000000"/>
                   </a:solidFill>
@@ -318,7 +4784,7 @@
             </a:ln>
             <a:extLst>
               <a:ext uri="{91240B29-F687-4f45-9708-019B960494DF}">
-                <a14:hiddenLine xmlns:a14="http://schemas.microsoft.com/office/drawing/2010/main" xmlns="" w="9525">
+                <a14:hiddenLine xmlns="" xmlns:a14="http://schemas.microsoft.com/office/drawing/2010/main" w="9525">
                   <a:solidFill>
                     <a:srgbClr val="000000"/>
                   </a:solidFill>
@@ -408,7 +4874,7 @@
             </a:ln>
             <a:extLst>
               <a:ext uri="{91240B29-F687-4f45-9708-019B960494DF}">
-                <a14:hiddenLine xmlns:a14="http://schemas.microsoft.com/office/drawing/2010/main" xmlns="" w="9525">
+                <a14:hiddenLine xmlns="" xmlns:a14="http://schemas.microsoft.com/office/drawing/2010/main" w="9525">
                   <a:solidFill>
                     <a:srgbClr val="000000"/>
                   </a:solidFill>
@@ -442,7 +4908,7 @@
             </a:ln>
             <a:extLst>
               <a:ext uri="{91240B29-F687-4f45-9708-019B960494DF}">
-                <a14:hiddenLine xmlns:a14="http://schemas.microsoft.com/office/drawing/2010/main" xmlns="" w="9525">
+                <a14:hiddenLine xmlns="" xmlns:a14="http://schemas.microsoft.com/office/drawing/2010/main" w="9525">
                   <a:solidFill>
                     <a:srgbClr val="000000"/>
                   </a:solidFill>
@@ -532,7 +4998,7 @@
             </a:ln>
             <a:extLst>
               <a:ext uri="{91240B29-F687-4f45-9708-019B960494DF}">
-                <a14:hiddenLine xmlns:a14="http://schemas.microsoft.com/office/drawing/2010/main" xmlns="" w="9525">
+                <a14:hiddenLine xmlns="" xmlns:a14="http://schemas.microsoft.com/office/drawing/2010/main" w="9525">
                   <a:solidFill>
                     <a:srgbClr val="000000"/>
                   </a:solidFill>
@@ -594,7 +5060,7 @@
             </a:ln>
             <a:extLst>
               <a:ext uri="{91240B29-F687-4f45-9708-019B960494DF}">
-                <a14:hiddenLine xmlns:a14="http://schemas.microsoft.com/office/drawing/2010/main" xmlns="" w="9525">
+                <a14:hiddenLine xmlns="" xmlns:a14="http://schemas.microsoft.com/office/drawing/2010/main" w="9525">
                   <a:solidFill>
                     <a:srgbClr val="000000"/>
                   </a:solidFill>
@@ -656,7 +5122,7 @@
             </a:ln>
             <a:extLst>
               <a:ext uri="{91240B29-F687-4f45-9708-019B960494DF}">
-                <a14:hiddenLine xmlns:a14="http://schemas.microsoft.com/office/drawing/2010/main" xmlns="" w="9525">
+                <a14:hiddenLine xmlns="" xmlns:a14="http://schemas.microsoft.com/office/drawing/2010/main" w="9525">
                   <a:solidFill>
                     <a:srgbClr val="000000"/>
                   </a:solidFill>
@@ -746,7 +5212,7 @@
             </a:ln>
             <a:extLst>
               <a:ext uri="{91240B29-F687-4f45-9708-019B960494DF}">
-                <a14:hiddenLine xmlns:a14="http://schemas.microsoft.com/office/drawing/2010/main" xmlns="" w="9525">
+                <a14:hiddenLine xmlns="" xmlns:a14="http://schemas.microsoft.com/office/drawing/2010/main" w="9525">
                   <a:solidFill>
                     <a:srgbClr val="000000"/>
                   </a:solidFill>
@@ -808,7 +5274,7 @@
             </a:ln>
             <a:extLst>
               <a:ext uri="{91240B29-F687-4f45-9708-019B960494DF}">
-                <a14:hiddenLine xmlns:a14="http://schemas.microsoft.com/office/drawing/2010/main" xmlns="" w="9525">
+                <a14:hiddenLine xmlns="" xmlns:a14="http://schemas.microsoft.com/office/drawing/2010/main" w="9525">
                   <a:solidFill>
                     <a:srgbClr val="000000"/>
                   </a:solidFill>
@@ -870,7 +5336,7 @@
             </a:ln>
             <a:extLst>
               <a:ext uri="{91240B29-F687-4f45-9708-019B960494DF}">
-                <a14:hiddenLine xmlns:a14="http://schemas.microsoft.com/office/drawing/2010/main" xmlns="" w="9525">
+                <a14:hiddenLine xmlns="" xmlns:a14="http://schemas.microsoft.com/office/drawing/2010/main" w="9525">
                   <a:solidFill>
                     <a:srgbClr val="000000"/>
                   </a:solidFill>
@@ -960,7 +5426,7 @@
             </a:ln>
             <a:extLst>
               <a:ext uri="{91240B29-F687-4f45-9708-019B960494DF}">
-                <a14:hiddenLine xmlns:a14="http://schemas.microsoft.com/office/drawing/2010/main" xmlns="" w="9525">
+                <a14:hiddenLine xmlns="" xmlns:a14="http://schemas.microsoft.com/office/drawing/2010/main" w="9525">
                   <a:solidFill>
                     <a:srgbClr val="000000"/>
                   </a:solidFill>
@@ -1050,7 +5516,7 @@
             </a:ln>
             <a:extLst>
               <a:ext uri="{91240B29-F687-4f45-9708-019B960494DF}">
-                <a14:hiddenLine xmlns:a14="http://schemas.microsoft.com/office/drawing/2010/main" xmlns="" w="9525">
+                <a14:hiddenLine xmlns="" xmlns:a14="http://schemas.microsoft.com/office/drawing/2010/main" w="9525">
                   <a:solidFill>
                     <a:srgbClr val="000000"/>
                   </a:solidFill>
@@ -1112,7 +5578,7 @@
             </a:ln>
             <a:extLst>
               <a:ext uri="{91240B29-F687-4f45-9708-019B960494DF}">
-                <a14:hiddenLine xmlns:a14="http://schemas.microsoft.com/office/drawing/2010/main" xmlns="" w="9525">
+                <a14:hiddenLine xmlns="" xmlns:a14="http://schemas.microsoft.com/office/drawing/2010/main" w="9525">
                   <a:solidFill>
                     <a:srgbClr val="000000"/>
                   </a:solidFill>
@@ -1222,7 +5688,7 @@
             </a:ln>
             <a:extLst>
               <a:ext uri="{91240B29-F687-4f45-9708-019B960494DF}">
-                <a14:hiddenLine xmlns:a14="http://schemas.microsoft.com/office/drawing/2010/main" xmlns="" w="9525">
+                <a14:hiddenLine xmlns="" xmlns:a14="http://schemas.microsoft.com/office/drawing/2010/main" w="9525">
                   <a:solidFill>
                     <a:srgbClr val="000000"/>
                   </a:solidFill>
@@ -1284,7 +5750,7 @@
             </a:ln>
             <a:extLst>
               <a:ext uri="{91240B29-F687-4f45-9708-019B960494DF}">
-                <a14:hiddenLine xmlns:a14="http://schemas.microsoft.com/office/drawing/2010/main" xmlns="" w="9525">
+                <a14:hiddenLine xmlns="" xmlns:a14="http://schemas.microsoft.com/office/drawing/2010/main" w="9525">
                   <a:solidFill>
                     <a:srgbClr val="000000"/>
                   </a:solidFill>
@@ -1374,7 +5840,7 @@
             </a:ln>
             <a:extLst>
               <a:ext uri="{91240B29-F687-4f45-9708-019B960494DF}">
-                <a14:hiddenLine xmlns:a14="http://schemas.microsoft.com/office/drawing/2010/main" xmlns="" w="9525">
+                <a14:hiddenLine xmlns="" xmlns:a14="http://schemas.microsoft.com/office/drawing/2010/main" w="9525">
                   <a:solidFill>
                     <a:srgbClr val="000000"/>
                   </a:solidFill>
@@ -1464,7 +5930,7 @@
             </a:ln>
             <a:extLst>
               <a:ext uri="{91240B29-F687-4f45-9708-019B960494DF}">
-                <a14:hiddenLine xmlns:a14="http://schemas.microsoft.com/office/drawing/2010/main" xmlns="" w="9525">
+                <a14:hiddenLine xmlns="" xmlns:a14="http://schemas.microsoft.com/office/drawing/2010/main" w="9525">
                   <a:solidFill>
                     <a:srgbClr val="000000"/>
                   </a:solidFill>
@@ -1526,7 +5992,7 @@
             </a:ln>
             <a:extLst>
               <a:ext uri="{91240B29-F687-4f45-9708-019B960494DF}">
-                <a14:hiddenLine xmlns:a14="http://schemas.microsoft.com/office/drawing/2010/main" xmlns="" w="9525">
+                <a14:hiddenLine xmlns="" xmlns:a14="http://schemas.microsoft.com/office/drawing/2010/main" w="9525">
                   <a:solidFill>
                     <a:srgbClr val="000000"/>
                   </a:solidFill>
@@ -1616,7 +6082,7 @@
             </a:ln>
             <a:extLst>
               <a:ext uri="{91240B29-F687-4f45-9708-019B960494DF}">
-                <a14:hiddenLine xmlns:a14="http://schemas.microsoft.com/office/drawing/2010/main" xmlns="" w="9525">
+                <a14:hiddenLine xmlns="" xmlns:a14="http://schemas.microsoft.com/office/drawing/2010/main" w="9525">
                   <a:solidFill>
                     <a:srgbClr val="000000"/>
                   </a:solidFill>
@@ -1706,7 +6172,7 @@
             </a:ln>
             <a:extLst>
               <a:ext uri="{91240B29-F687-4f45-9708-019B960494DF}">
-                <a14:hiddenLine xmlns:a14="http://schemas.microsoft.com/office/drawing/2010/main" xmlns="" w="9525">
+                <a14:hiddenLine xmlns="" xmlns:a14="http://schemas.microsoft.com/office/drawing/2010/main" w="9525">
                   <a:solidFill>
                     <a:srgbClr val="000000"/>
                   </a:solidFill>
@@ -1762,7 +6228,7 @@
             </a:ln>
             <a:extLst>
               <a:ext uri="{91240B29-F687-4f45-9708-019B960494DF}">
-                <a14:hiddenLine xmlns:a14="http://schemas.microsoft.com/office/drawing/2010/main" xmlns="" w="9525">
+                <a14:hiddenLine xmlns="" xmlns:a14="http://schemas.microsoft.com/office/drawing/2010/main" w="9525">
                   <a:solidFill>
                     <a:srgbClr val="000000"/>
                   </a:solidFill>
@@ -1852,7 +6318,7 @@
             </a:ln>
             <a:extLst>
               <a:ext uri="{91240B29-F687-4f45-9708-019B960494DF}">
-                <a14:hiddenLine xmlns:a14="http://schemas.microsoft.com/office/drawing/2010/main" xmlns="" w="9525">
+                <a14:hiddenLine xmlns="" xmlns:a14="http://schemas.microsoft.com/office/drawing/2010/main" w="9525">
                   <a:solidFill>
                     <a:srgbClr val="000000"/>
                   </a:solidFill>
@@ -1908,7 +6374,7 @@
             </a:ln>
             <a:extLst>
               <a:ext uri="{91240B29-F687-4f45-9708-019B960494DF}">
-                <a14:hiddenLine xmlns:a14="http://schemas.microsoft.com/office/drawing/2010/main" xmlns="" w="9525">
+                <a14:hiddenLine xmlns="" xmlns:a14="http://schemas.microsoft.com/office/drawing/2010/main" w="9525">
                   <a:solidFill>
                     <a:srgbClr val="000000"/>
                   </a:solidFill>
@@ -1998,7 +6464,7 @@
             </a:ln>
             <a:extLst>
               <a:ext uri="{91240B29-F687-4f45-9708-019B960494DF}">
-                <a14:hiddenLine xmlns:a14="http://schemas.microsoft.com/office/drawing/2010/main" xmlns="" w="9525">
+                <a14:hiddenLine xmlns="" xmlns:a14="http://schemas.microsoft.com/office/drawing/2010/main" w="9525">
                   <a:solidFill>
                     <a:srgbClr val="000000"/>
                   </a:solidFill>
@@ -2066,7 +6532,7 @@
             </a:ln>
             <a:extLst>
               <a:ext uri="{91240B29-F687-4f45-9708-019B960494DF}">
-                <a14:hiddenLine xmlns:a14="http://schemas.microsoft.com/office/drawing/2010/main" xmlns="" w="9525">
+                <a14:hiddenLine xmlns="" xmlns:a14="http://schemas.microsoft.com/office/drawing/2010/main" w="9525">
                   <a:solidFill>
                     <a:srgbClr val="000000"/>
                   </a:solidFill>
@@ -2156,7 +6622,7 @@
             </a:ln>
             <a:extLst>
               <a:ext uri="{91240B29-F687-4f45-9708-019B960494DF}">
-                <a14:hiddenLine xmlns:a14="http://schemas.microsoft.com/office/drawing/2010/main" xmlns="" w="9525">
+                <a14:hiddenLine xmlns="" xmlns:a14="http://schemas.microsoft.com/office/drawing/2010/main" w="9525">
                   <a:solidFill>
                     <a:srgbClr val="000000"/>
                   </a:solidFill>
@@ -2224,7 +6690,7 @@
             </a:ln>
             <a:extLst>
               <a:ext uri="{91240B29-F687-4f45-9708-019B960494DF}">
-                <a14:hiddenLine xmlns:a14="http://schemas.microsoft.com/office/drawing/2010/main" xmlns="" w="9525">
+                <a14:hiddenLine xmlns="" xmlns:a14="http://schemas.microsoft.com/office/drawing/2010/main" w="9525">
                   <a:solidFill>
                     <a:srgbClr val="000000"/>
                   </a:solidFill>
@@ -2314,7 +6780,7 @@
             </a:ln>
             <a:extLst>
               <a:ext uri="{91240B29-F687-4f45-9708-019B960494DF}">
-                <a14:hiddenLine xmlns:a14="http://schemas.microsoft.com/office/drawing/2010/main" xmlns="" w="9525">
+                <a14:hiddenLine xmlns="" xmlns:a14="http://schemas.microsoft.com/office/drawing/2010/main" w="9525">
                   <a:solidFill>
                     <a:srgbClr val="000000"/>
                   </a:solidFill>
@@ -2348,7 +6814,7 @@
             </a:ln>
             <a:extLst>
               <a:ext uri="{91240B29-F687-4f45-9708-019B960494DF}">
-                <a14:hiddenLine xmlns:a14="http://schemas.microsoft.com/office/drawing/2010/main" xmlns="" w="9525">
+                <a14:hiddenLine xmlns="" xmlns:a14="http://schemas.microsoft.com/office/drawing/2010/main" w="9525">
                   <a:solidFill>
                     <a:srgbClr val="000000"/>
                   </a:solidFill>
@@ -2438,7 +6904,7 @@
             </a:ln>
             <a:extLst>
               <a:ext uri="{91240B29-F687-4f45-9708-019B960494DF}">
-                <a14:hiddenLine xmlns:a14="http://schemas.microsoft.com/office/drawing/2010/main" xmlns="" w="9525">
+                <a14:hiddenLine xmlns="" xmlns:a14="http://schemas.microsoft.com/office/drawing/2010/main" w="9525">
                   <a:solidFill>
                     <a:srgbClr val="000000"/>
                   </a:solidFill>
@@ -2500,7 +6966,7 @@
             </a:ln>
             <a:extLst>
               <a:ext uri="{91240B29-F687-4f45-9708-019B960494DF}">
-                <a14:hiddenLine xmlns:a14="http://schemas.microsoft.com/office/drawing/2010/main" xmlns="" w="9525">
+                <a14:hiddenLine xmlns="" xmlns:a14="http://schemas.microsoft.com/office/drawing/2010/main" w="9525">
                   <a:solidFill>
                     <a:srgbClr val="000000"/>
                   </a:solidFill>
@@ -2562,7 +7028,7 @@
             </a:ln>
             <a:extLst>
               <a:ext uri="{91240B29-F687-4f45-9708-019B960494DF}">
-                <a14:hiddenLine xmlns:a14="http://schemas.microsoft.com/office/drawing/2010/main" xmlns="" w="9525">
+                <a14:hiddenLine xmlns="" xmlns:a14="http://schemas.microsoft.com/office/drawing/2010/main" w="9525">
                   <a:solidFill>
                     <a:srgbClr val="000000"/>
                   </a:solidFill>
@@ -2652,7 +7118,7 @@
             </a:ln>
             <a:extLst>
               <a:ext uri="{91240B29-F687-4f45-9708-019B960494DF}">
-                <a14:hiddenLine xmlns:a14="http://schemas.microsoft.com/office/drawing/2010/main" xmlns="" w="9525">
+                <a14:hiddenLine xmlns="" xmlns:a14="http://schemas.microsoft.com/office/drawing/2010/main" w="9525">
                   <a:solidFill>
                     <a:srgbClr val="000000"/>
                   </a:solidFill>
@@ -2720,7 +7186,7 @@
             </a:ln>
             <a:extLst>
               <a:ext uri="{91240B29-F687-4f45-9708-019B960494DF}">
-                <a14:hiddenLine xmlns:a14="http://schemas.microsoft.com/office/drawing/2010/main" xmlns="" w="9525">
+                <a14:hiddenLine xmlns="" xmlns:a14="http://schemas.microsoft.com/office/drawing/2010/main" w="9525">
                   <a:solidFill>
                     <a:srgbClr val="000000"/>
                   </a:solidFill>
@@ -2782,7 +7248,7 @@
             </a:ln>
             <a:extLst>
               <a:ext uri="{91240B29-F687-4f45-9708-019B960494DF}">
-                <a14:hiddenLine xmlns:a14="http://schemas.microsoft.com/office/drawing/2010/main" xmlns="" w="9525">
+                <a14:hiddenLine xmlns="" xmlns:a14="http://schemas.microsoft.com/office/drawing/2010/main" w="9525">
                   <a:solidFill>
                     <a:srgbClr val="000000"/>
                   </a:solidFill>
@@ -2872,7 +7338,7 @@
             </a:ln>
             <a:extLst>
               <a:ext uri="{91240B29-F687-4f45-9708-019B960494DF}">
-                <a14:hiddenLine xmlns:a14="http://schemas.microsoft.com/office/drawing/2010/main" xmlns="" w="9525">
+                <a14:hiddenLine xmlns="" xmlns:a14="http://schemas.microsoft.com/office/drawing/2010/main" w="9525">
                   <a:solidFill>
                     <a:srgbClr val="000000"/>
                   </a:solidFill>
@@ -2934,7 +7400,7 @@
             </a:ln>
             <a:extLst>
               <a:ext uri="{91240B29-F687-4f45-9708-019B960494DF}">
-                <a14:hiddenLine xmlns:a14="http://schemas.microsoft.com/office/drawing/2010/main" xmlns="" w="9525">
+                <a14:hiddenLine xmlns="" xmlns:a14="http://schemas.microsoft.com/office/drawing/2010/main" w="9525">
                   <a:solidFill>
                     <a:srgbClr val="000000"/>
                   </a:solidFill>
@@ -3024,7 +7490,7 @@
             </a:ln>
             <a:extLst>
               <a:ext uri="{91240B29-F687-4f45-9708-019B960494DF}">
-                <a14:hiddenLine xmlns:a14="http://schemas.microsoft.com/office/drawing/2010/main" xmlns="" w="9525">
+                <a14:hiddenLine xmlns="" xmlns:a14="http://schemas.microsoft.com/office/drawing/2010/main" w="9525">
                   <a:solidFill>
                     <a:srgbClr val="000000"/>
                   </a:solidFill>
@@ -3086,7 +7552,7 @@
             </a:ln>
             <a:extLst>
               <a:ext uri="{91240B29-F687-4f45-9708-019B960494DF}">
-                <a14:hiddenLine xmlns:a14="http://schemas.microsoft.com/office/drawing/2010/main" xmlns="" w="9525">
+                <a14:hiddenLine xmlns="" xmlns:a14="http://schemas.microsoft.com/office/drawing/2010/main" w="9525">
                   <a:solidFill>
                     <a:srgbClr val="000000"/>
                   </a:solidFill>
@@ -3176,7 +7642,7 @@
             </a:ln>
             <a:extLst>
               <a:ext uri="{91240B29-F687-4f45-9708-019B960494DF}">
-                <a14:hiddenLine xmlns:a14="http://schemas.microsoft.com/office/drawing/2010/main" xmlns="" w="9525">
+                <a14:hiddenLine xmlns="" xmlns:a14="http://schemas.microsoft.com/office/drawing/2010/main" w="9525">
                   <a:solidFill>
                     <a:srgbClr val="000000"/>
                   </a:solidFill>
@@ -3210,7 +7676,7 @@
             </a:ln>
             <a:extLst>
               <a:ext uri="{91240B29-F687-4f45-9708-019B960494DF}">
-                <a14:hiddenLine xmlns:a14="http://schemas.microsoft.com/office/drawing/2010/main" xmlns="" w="9525">
+                <a14:hiddenLine xmlns="" xmlns:a14="http://schemas.microsoft.com/office/drawing/2010/main" w="9525">
                   <a:solidFill>
                     <a:srgbClr val="000000"/>
                   </a:solidFill>
@@ -3275,7 +7741,7 @@
             </a:ln>
             <a:extLst>
               <a:ext uri="{91240B29-F687-4f45-9708-019B960494DF}">
-                <a14:hiddenLine xmlns:a14="http://schemas.microsoft.com/office/drawing/2010/main" xmlns="" w="9525">
+                <a14:hiddenLine xmlns="" xmlns:a14="http://schemas.microsoft.com/office/drawing/2010/main" w="9525">
                   <a:solidFill>
                     <a:srgbClr val="000000"/>
                   </a:solidFill>
@@ -3365,7 +7831,7 @@
             </a:ln>
             <a:extLst>
               <a:ext uri="{91240B29-F687-4f45-9708-019B960494DF}">
-                <a14:hiddenLine xmlns:a14="http://schemas.microsoft.com/office/drawing/2010/main" xmlns="" w="9525">
+                <a14:hiddenLine xmlns="" xmlns:a14="http://schemas.microsoft.com/office/drawing/2010/main" w="9525">
                   <a:solidFill>
                     <a:srgbClr val="000000"/>
                   </a:solidFill>
@@ -3427,7 +7893,7 @@
             </a:ln>
             <a:extLst>
               <a:ext uri="{91240B29-F687-4f45-9708-019B960494DF}">
-                <a14:hiddenLine xmlns:a14="http://schemas.microsoft.com/office/drawing/2010/main" xmlns="" w="9525">
+                <a14:hiddenLine xmlns="" xmlns:a14="http://schemas.microsoft.com/office/drawing/2010/main" w="9525">
                   <a:solidFill>
                     <a:srgbClr val="000000"/>
                   </a:solidFill>
@@ -3517,7 +7983,7 @@
             </a:ln>
             <a:extLst>
               <a:ext uri="{91240B29-F687-4f45-9708-019B960494DF}">
-                <a14:hiddenLine xmlns:a14="http://schemas.microsoft.com/office/drawing/2010/main" xmlns="" w="9525">
+                <a14:hiddenLine xmlns="" xmlns:a14="http://schemas.microsoft.com/office/drawing/2010/main" w="9525">
                   <a:solidFill>
                     <a:srgbClr val="000000"/>
                   </a:solidFill>
@@ -3607,7 +8073,7 @@
             </a:ln>
             <a:extLst>
               <a:ext uri="{91240B29-F687-4f45-9708-019B960494DF}">
-                <a14:hiddenLine xmlns:a14="http://schemas.microsoft.com/office/drawing/2010/main" xmlns="" w="9525">
+                <a14:hiddenLine xmlns="" xmlns:a14="http://schemas.microsoft.com/office/drawing/2010/main" w="9525">
                   <a:solidFill>
                     <a:srgbClr val="000000"/>
                   </a:solidFill>
@@ -3672,7 +8138,7 @@
             </a:ln>
             <a:extLst>
               <a:ext uri="{91240B29-F687-4f45-9708-019B960494DF}">
-                <a14:hiddenLine xmlns:a14="http://schemas.microsoft.com/office/drawing/2010/main" xmlns="" w="9525">
+                <a14:hiddenLine xmlns="" xmlns:a14="http://schemas.microsoft.com/office/drawing/2010/main" w="9525">
                   <a:solidFill>
                     <a:srgbClr val="000000"/>
                   </a:solidFill>
@@ -3734,7 +8200,7 @@
             </a:ln>
             <a:extLst>
               <a:ext uri="{91240B29-F687-4f45-9708-019B960494DF}">
-                <a14:hiddenLine xmlns:a14="http://schemas.microsoft.com/office/drawing/2010/main" xmlns="" w="9525">
+                <a14:hiddenLine xmlns="" xmlns:a14="http://schemas.microsoft.com/office/drawing/2010/main" w="9525">
                   <a:solidFill>
                     <a:srgbClr val="000000"/>
                   </a:solidFill>
@@ -3824,7 +8290,7 @@
             </a:ln>
             <a:extLst>
               <a:ext uri="{91240B29-F687-4f45-9708-019B960494DF}">
-                <a14:hiddenLine xmlns:a14="http://schemas.microsoft.com/office/drawing/2010/main" xmlns="" w="9525">
+                <a14:hiddenLine xmlns="" xmlns:a14="http://schemas.microsoft.com/office/drawing/2010/main" w="9525">
                   <a:solidFill>
                     <a:srgbClr val="000000"/>
                   </a:solidFill>
@@ -3914,7 +8380,7 @@
             </a:ln>
             <a:extLst>
               <a:ext uri="{91240B29-F687-4f45-9708-019B960494DF}">
-                <a14:hiddenLine xmlns:a14="http://schemas.microsoft.com/office/drawing/2010/main" xmlns="" w="9525">
+                <a14:hiddenLine xmlns="" xmlns:a14="http://schemas.microsoft.com/office/drawing/2010/main" w="9525">
                   <a:solidFill>
                     <a:srgbClr val="000000"/>
                   </a:solidFill>
@@ -3976,7 +8442,7 @@
             </a:ln>
             <a:extLst>
               <a:ext uri="{91240B29-F687-4f45-9708-019B960494DF}">
-                <a14:hiddenLine xmlns:a14="http://schemas.microsoft.com/office/drawing/2010/main" xmlns="" w="9525">
+                <a14:hiddenLine xmlns="" xmlns:a14="http://schemas.microsoft.com/office/drawing/2010/main" w="9525">
                   <a:solidFill>
                     <a:srgbClr val="000000"/>
                   </a:solidFill>
@@ -4096,7 +8562,7 @@
             </a:ln>
             <a:extLst>
               <a:ext uri="{91240B29-F687-4f45-9708-019B960494DF}">
-                <a14:hiddenLine xmlns:a14="http://schemas.microsoft.com/office/drawing/2010/main" xmlns="" w="9525">
+                <a14:hiddenLine xmlns="" xmlns:a14="http://schemas.microsoft.com/office/drawing/2010/main" w="9525">
                   <a:solidFill>
                     <a:srgbClr val="000000"/>
                   </a:solidFill>
@@ -4164,7 +8630,7 @@
             </a:ln>
             <a:extLst>
               <a:ext uri="{91240B29-F687-4f45-9708-019B960494DF}">
-                <a14:hiddenLine xmlns:a14="http://schemas.microsoft.com/office/drawing/2010/main" xmlns="" w="9525">
+                <a14:hiddenLine xmlns="" xmlns:a14="http://schemas.microsoft.com/office/drawing/2010/main" w="9525">
                   <a:solidFill>
                     <a:srgbClr val="000000"/>
                   </a:solidFill>
@@ -4254,7 +8720,7 @@
             </a:ln>
             <a:extLst>
               <a:ext uri="{91240B29-F687-4f45-9708-019B960494DF}">
-                <a14:hiddenLine xmlns:a14="http://schemas.microsoft.com/office/drawing/2010/main" xmlns="" w="9525">
+                <a14:hiddenLine xmlns="" xmlns:a14="http://schemas.microsoft.com/office/drawing/2010/main" w="9525">
                   <a:solidFill>
                     <a:srgbClr val="000000"/>
                   </a:solidFill>
@@ -4394,7 +8860,7 @@
           <a:p>
             <a:fld id="{48A87A34-81AB-432B-8DAE-1953F412C126}" type="datetimeFigureOut">
               <a:rPr lang="en-US" dirty="0"/>
-              <a:t>4/22/2019</a:t>
+              <a:t>5/3/2019</a:t>
             </a:fld>
             <a:endParaRPr lang="en-US" dirty="0"/>
           </a:p>
@@ -4656,7 +9122,7 @@
           <a:p>
             <a:fld id="{48A87A34-81AB-432B-8DAE-1953F412C126}" type="datetimeFigureOut">
               <a:rPr lang="en-US" dirty="0"/>
-              <a:t>4/22/2019</a:t>
+              <a:t>5/3/2019</a:t>
             </a:fld>
             <a:endParaRPr lang="en-US" dirty="0"/>
           </a:p>
@@ -4847,7 +9313,7 @@
           <a:p>
             <a:fld id="{48A87A34-81AB-432B-8DAE-1953F412C126}" type="datetimeFigureOut">
               <a:rPr lang="en-US" dirty="0"/>
-              <a:t>4/22/2019</a:t>
+              <a:t>5/3/2019</a:t>
             </a:fld>
             <a:endParaRPr lang="en-US" dirty="0"/>
           </a:p>
@@ -5105,7 +9571,7 @@
           <a:p>
             <a:fld id="{48A87A34-81AB-432B-8DAE-1953F412C126}" type="datetimeFigureOut">
               <a:rPr lang="en-US" dirty="0"/>
-              <a:t>4/22/2019</a:t>
+              <a:t>5/3/2019</a:t>
             </a:fld>
             <a:endParaRPr lang="en-US" dirty="0"/>
           </a:p>
@@ -5534,7 +10000,7 @@
           <a:p>
             <a:fld id="{48A87A34-81AB-432B-8DAE-1953F412C126}" type="datetimeFigureOut">
               <a:rPr lang="en-US" dirty="0"/>
-              <a:t>4/22/2019</a:t>
+              <a:t>5/3/2019</a:t>
             </a:fld>
             <a:endParaRPr lang="en-US" dirty="0"/>
           </a:p>
@@ -6075,7 +10541,7 @@
           <a:p>
             <a:fld id="{48A87A34-81AB-432B-8DAE-1953F412C126}" type="datetimeFigureOut">
               <a:rPr lang="en-US" dirty="0"/>
-              <a:t>4/22/2019</a:t>
+              <a:t>5/3/2019</a:t>
             </a:fld>
             <a:endParaRPr lang="en-US" dirty="0"/>
           </a:p>
@@ -6790,7 +11256,7 @@
           <a:p>
             <a:fld id="{48A87A34-81AB-432B-8DAE-1953F412C126}" type="datetimeFigureOut">
               <a:rPr lang="en-US" dirty="0"/>
-              <a:t>4/22/2019</a:t>
+              <a:t>5/3/2019</a:t>
             </a:fld>
             <a:endParaRPr lang="en-US" dirty="0"/>
           </a:p>
@@ -6955,7 +11421,7 @@
           <a:p>
             <a:fld id="{48A87A34-81AB-432B-8DAE-1953F412C126}" type="datetimeFigureOut">
               <a:rPr lang="en-US" dirty="0"/>
-              <a:t>4/22/2019</a:t>
+              <a:t>5/3/2019</a:t>
             </a:fld>
             <a:endParaRPr lang="en-US" dirty="0"/>
           </a:p>
@@ -7130,7 +11596,7 @@
           <a:p>
             <a:fld id="{48A87A34-81AB-432B-8DAE-1953F412C126}" type="datetimeFigureOut">
               <a:rPr lang="en-US" dirty="0"/>
-              <a:t>4/22/2019</a:t>
+              <a:t>5/3/2019</a:t>
             </a:fld>
             <a:endParaRPr lang="en-US" dirty="0"/>
           </a:p>
@@ -7295,7 +11761,7 @@
           <a:p>
             <a:fld id="{48A87A34-81AB-432B-8DAE-1953F412C126}" type="datetimeFigureOut">
               <a:rPr lang="en-US" dirty="0"/>
-              <a:t>4/22/2019</a:t>
+              <a:t>5/3/2019</a:t>
             </a:fld>
             <a:endParaRPr lang="en-US" dirty="0"/>
           </a:p>
@@ -7540,7 +12006,7 @@
           <a:p>
             <a:fld id="{48A87A34-81AB-432B-8DAE-1953F412C126}" type="datetimeFigureOut">
               <a:rPr lang="en-US" dirty="0"/>
-              <a:t>4/22/2019</a:t>
+              <a:t>5/3/2019</a:t>
             </a:fld>
             <a:endParaRPr lang="en-US" dirty="0"/>
           </a:p>
@@ -7767,7 +12233,7 @@
           <a:p>
             <a:fld id="{48A87A34-81AB-432B-8DAE-1953F412C126}" type="datetimeFigureOut">
               <a:rPr lang="en-US" dirty="0"/>
-              <a:t>4/22/2019</a:t>
+              <a:t>5/3/2019</a:t>
             </a:fld>
             <a:endParaRPr lang="en-US" dirty="0"/>
           </a:p>
@@ -8143,7 +12609,7 @@
           <a:p>
             <a:fld id="{48A87A34-81AB-432B-8DAE-1953F412C126}" type="datetimeFigureOut">
               <a:rPr lang="en-US" dirty="0"/>
-              <a:t>4/22/2019</a:t>
+              <a:t>5/3/2019</a:t>
             </a:fld>
             <a:endParaRPr lang="en-US" dirty="0"/>
           </a:p>
@@ -8256,7 +12722,7 @@
           <a:p>
             <a:fld id="{48A87A34-81AB-432B-8DAE-1953F412C126}" type="datetimeFigureOut">
               <a:rPr lang="en-US" dirty="0"/>
-              <a:t>4/22/2019</a:t>
+              <a:t>5/3/2019</a:t>
             </a:fld>
             <a:endParaRPr lang="en-US" dirty="0"/>
           </a:p>
@@ -8346,7 +12812,7 @@
           <a:p>
             <a:fld id="{48A87A34-81AB-432B-8DAE-1953F412C126}" type="datetimeFigureOut">
               <a:rPr lang="en-US" dirty="0"/>
-              <a:t>4/22/2019</a:t>
+              <a:t>5/3/2019</a:t>
             </a:fld>
             <a:endParaRPr lang="en-US" dirty="0"/>
           </a:p>
@@ -8590,7 +13056,7 @@
           <a:p>
             <a:fld id="{48A87A34-81AB-432B-8DAE-1953F412C126}" type="datetimeFigureOut">
               <a:rPr lang="en-US" dirty="0"/>
-              <a:t>4/22/2019</a:t>
+              <a:t>5/3/2019</a:t>
             </a:fld>
             <a:endParaRPr lang="en-US" dirty="0"/>
           </a:p>
@@ -8865,7 +13331,7 @@
           <a:p>
             <a:fld id="{48A87A34-81AB-432B-8DAE-1953F412C126}" type="datetimeFigureOut">
               <a:rPr lang="en-US" dirty="0"/>
-              <a:t>4/22/2019</a:t>
+              <a:t>5/3/2019</a:t>
             </a:fld>
             <a:endParaRPr lang="en-US" dirty="0"/>
           </a:p>
@@ -8983,7 +13449,7 @@
           <a:noFill/>
           <a:extLst>
             <a:ext uri="{909E8E84-426E-40dd-AFC4-6F175D3DCCD1}">
-              <a14:hiddenFill xmlns:a14="http://schemas.microsoft.com/office/drawing/2010/main" xmlns="">
+              <a14:hiddenFill xmlns="" xmlns:a14="http://schemas.microsoft.com/office/drawing/2010/main">
                 <a:solidFill>
                   <a:srgbClr val="FFFFFF"/>
                 </a:solidFill>
@@ -9057,7 +13523,7 @@
               </a:ln>
               <a:extLst>
                 <a:ext uri="{91240B29-F687-4f45-9708-019B960494DF}">
-                  <a14:hiddenLine xmlns:a14="http://schemas.microsoft.com/office/drawing/2010/main" xmlns="" w="9525">
+                  <a14:hiddenLine xmlns="" xmlns:a14="http://schemas.microsoft.com/office/drawing/2010/main" w="9525">
                     <a:solidFill>
                       <a:srgbClr val="000000"/>
                     </a:solidFill>
@@ -9147,7 +13613,7 @@
               </a:ln>
               <a:extLst>
                 <a:ext uri="{91240B29-F687-4f45-9708-019B960494DF}">
-                  <a14:hiddenLine xmlns:a14="http://schemas.microsoft.com/office/drawing/2010/main" xmlns="" w="9525">
+                  <a14:hiddenLine xmlns="" xmlns:a14="http://schemas.microsoft.com/office/drawing/2010/main" w="9525">
                     <a:solidFill>
                       <a:srgbClr val="000000"/>
                     </a:solidFill>
@@ -9237,7 +13703,7 @@
               </a:ln>
               <a:extLst>
                 <a:ext uri="{91240B29-F687-4f45-9708-019B960494DF}">
-                  <a14:hiddenLine xmlns:a14="http://schemas.microsoft.com/office/drawing/2010/main" xmlns="" w="9525">
+                  <a14:hiddenLine xmlns="" xmlns:a14="http://schemas.microsoft.com/office/drawing/2010/main" w="9525">
                     <a:solidFill>
                       <a:srgbClr val="000000"/>
                     </a:solidFill>
@@ -9299,7 +13765,7 @@
               </a:ln>
               <a:extLst>
                 <a:ext uri="{91240B29-F687-4f45-9708-019B960494DF}">
-                  <a14:hiddenLine xmlns:a14="http://schemas.microsoft.com/office/drawing/2010/main" xmlns="" w="9525">
+                  <a14:hiddenLine xmlns="" xmlns:a14="http://schemas.microsoft.com/office/drawing/2010/main" w="9525">
                     <a:solidFill>
                       <a:srgbClr val="000000"/>
                     </a:solidFill>
@@ -9389,7 +13855,7 @@
               </a:ln>
               <a:extLst>
                 <a:ext uri="{91240B29-F687-4f45-9708-019B960494DF}">
-                  <a14:hiddenLine xmlns:a14="http://schemas.microsoft.com/office/drawing/2010/main" xmlns="" w="9525">
+                  <a14:hiddenLine xmlns="" xmlns:a14="http://schemas.microsoft.com/office/drawing/2010/main" w="9525">
                     <a:solidFill>
                       <a:srgbClr val="000000"/>
                     </a:solidFill>
@@ -9451,7 +13917,7 @@
               </a:ln>
               <a:extLst>
                 <a:ext uri="{91240B29-F687-4f45-9708-019B960494DF}">
-                  <a14:hiddenLine xmlns:a14="http://schemas.microsoft.com/office/drawing/2010/main" xmlns="" w="9525">
+                  <a14:hiddenLine xmlns="" xmlns:a14="http://schemas.microsoft.com/office/drawing/2010/main" w="9525">
                     <a:solidFill>
                       <a:srgbClr val="000000"/>
                     </a:solidFill>
@@ -9513,7 +13979,7 @@
               </a:ln>
               <a:extLst>
                 <a:ext uri="{91240B29-F687-4f45-9708-019B960494DF}">
-                  <a14:hiddenLine xmlns:a14="http://schemas.microsoft.com/office/drawing/2010/main" xmlns="" w="9525">
+                  <a14:hiddenLine xmlns="" xmlns:a14="http://schemas.microsoft.com/office/drawing/2010/main" w="9525">
                     <a:solidFill>
                       <a:srgbClr val="000000"/>
                     </a:solidFill>
@@ -9603,7 +14069,7 @@
               </a:ln>
               <a:extLst>
                 <a:ext uri="{91240B29-F687-4f45-9708-019B960494DF}">
-                  <a14:hiddenLine xmlns:a14="http://schemas.microsoft.com/office/drawing/2010/main" xmlns="" w="9525">
+                  <a14:hiddenLine xmlns="" xmlns:a14="http://schemas.microsoft.com/office/drawing/2010/main" w="9525">
                     <a:solidFill>
                       <a:srgbClr val="000000"/>
                     </a:solidFill>
@@ -9693,7 +14159,7 @@
               </a:ln>
               <a:extLst>
                 <a:ext uri="{91240B29-F687-4f45-9708-019B960494DF}">
-                  <a14:hiddenLine xmlns:a14="http://schemas.microsoft.com/office/drawing/2010/main" xmlns="" w="9525">
+                  <a14:hiddenLine xmlns="" xmlns:a14="http://schemas.microsoft.com/office/drawing/2010/main" w="9525">
                     <a:solidFill>
                       <a:srgbClr val="000000"/>
                     </a:solidFill>
@@ -9755,7 +14221,7 @@
               </a:ln>
               <a:extLst>
                 <a:ext uri="{91240B29-F687-4f45-9708-019B960494DF}">
-                  <a14:hiddenLine xmlns:a14="http://schemas.microsoft.com/office/drawing/2010/main" xmlns="" w="9525">
+                  <a14:hiddenLine xmlns="" xmlns:a14="http://schemas.microsoft.com/office/drawing/2010/main" w="9525">
                     <a:solidFill>
                       <a:srgbClr val="000000"/>
                     </a:solidFill>
@@ -9865,7 +14331,7 @@
               </a:ln>
               <a:extLst>
                 <a:ext uri="{91240B29-F687-4f45-9708-019B960494DF}">
-                  <a14:hiddenLine xmlns:a14="http://schemas.microsoft.com/office/drawing/2010/main" xmlns="" w="9525">
+                  <a14:hiddenLine xmlns="" xmlns:a14="http://schemas.microsoft.com/office/drawing/2010/main" w="9525">
                     <a:solidFill>
                       <a:srgbClr val="000000"/>
                     </a:solidFill>
@@ -9949,7 +14415,7 @@
               </a:ln>
               <a:extLst>
                 <a:ext uri="{91240B29-F687-4f45-9708-019B960494DF}">
-                  <a14:hiddenLine xmlns:a14="http://schemas.microsoft.com/office/drawing/2010/main" xmlns="" w="9525">
+                  <a14:hiddenLine xmlns="" xmlns:a14="http://schemas.microsoft.com/office/drawing/2010/main" w="9525">
                     <a:solidFill>
                       <a:srgbClr val="000000"/>
                     </a:solidFill>
@@ -10011,7 +14477,7 @@
               </a:ln>
               <a:extLst>
                 <a:ext uri="{91240B29-F687-4f45-9708-019B960494DF}">
-                  <a14:hiddenLine xmlns:a14="http://schemas.microsoft.com/office/drawing/2010/main" xmlns="" w="9525">
+                  <a14:hiddenLine xmlns="" xmlns:a14="http://schemas.microsoft.com/office/drawing/2010/main" w="9525">
                     <a:solidFill>
                       <a:srgbClr val="000000"/>
                     </a:solidFill>
@@ -10073,7 +14539,7 @@
               </a:ln>
               <a:extLst>
                 <a:ext uri="{91240B29-F687-4f45-9708-019B960494DF}">
-                  <a14:hiddenLine xmlns:a14="http://schemas.microsoft.com/office/drawing/2010/main" xmlns="" w="9525">
+                  <a14:hiddenLine xmlns="" xmlns:a14="http://schemas.microsoft.com/office/drawing/2010/main" w="9525">
                     <a:solidFill>
                       <a:srgbClr val="000000"/>
                     </a:solidFill>
@@ -10163,7 +14629,7 @@
               </a:ln>
               <a:extLst>
                 <a:ext uri="{91240B29-F687-4f45-9708-019B960494DF}">
-                  <a14:hiddenLine xmlns:a14="http://schemas.microsoft.com/office/drawing/2010/main" xmlns="" w="9525">
+                  <a14:hiddenLine xmlns="" xmlns:a14="http://schemas.microsoft.com/office/drawing/2010/main" w="9525">
                     <a:solidFill>
                       <a:srgbClr val="000000"/>
                     </a:solidFill>
@@ -10197,7 +14663,7 @@
               </a:ln>
               <a:extLst>
                 <a:ext uri="{91240B29-F687-4f45-9708-019B960494DF}">
-                  <a14:hiddenLine xmlns:a14="http://schemas.microsoft.com/office/drawing/2010/main" xmlns="" w="9525">
+                  <a14:hiddenLine xmlns="" xmlns:a14="http://schemas.microsoft.com/office/drawing/2010/main" w="9525">
                     <a:solidFill>
                       <a:srgbClr val="000000"/>
                     </a:solidFill>
@@ -10262,7 +14728,7 @@
               </a:ln>
               <a:extLst>
                 <a:ext uri="{91240B29-F687-4f45-9708-019B960494DF}">
-                  <a14:hiddenLine xmlns:a14="http://schemas.microsoft.com/office/drawing/2010/main" xmlns="" w="9525">
+                  <a14:hiddenLine xmlns="" xmlns:a14="http://schemas.microsoft.com/office/drawing/2010/main" w="9525">
                     <a:solidFill>
                       <a:srgbClr val="000000"/>
                     </a:solidFill>
@@ -10352,7 +14818,7 @@
               </a:ln>
               <a:extLst>
                 <a:ext uri="{91240B29-F687-4f45-9708-019B960494DF}">
-                  <a14:hiddenLine xmlns:a14="http://schemas.microsoft.com/office/drawing/2010/main" xmlns="" w="9525">
+                  <a14:hiddenLine xmlns="" xmlns:a14="http://schemas.microsoft.com/office/drawing/2010/main" w="9525">
                     <a:solidFill>
                       <a:srgbClr val="000000"/>
                     </a:solidFill>
@@ -10414,7 +14880,7 @@
               </a:ln>
               <a:extLst>
                 <a:ext uri="{91240B29-F687-4f45-9708-019B960494DF}">
-                  <a14:hiddenLine xmlns:a14="http://schemas.microsoft.com/office/drawing/2010/main" xmlns="" w="9525">
+                  <a14:hiddenLine xmlns="" xmlns:a14="http://schemas.microsoft.com/office/drawing/2010/main" w="9525">
                     <a:solidFill>
                       <a:srgbClr val="000000"/>
                     </a:solidFill>
@@ -10504,7 +14970,7 @@
               </a:ln>
               <a:extLst>
                 <a:ext uri="{91240B29-F687-4f45-9708-019B960494DF}">
-                  <a14:hiddenLine xmlns:a14="http://schemas.microsoft.com/office/drawing/2010/main" xmlns="" w="9525">
+                  <a14:hiddenLine xmlns="" xmlns:a14="http://schemas.microsoft.com/office/drawing/2010/main" w="9525">
                     <a:solidFill>
                       <a:srgbClr val="000000"/>
                     </a:solidFill>
@@ -10569,7 +15035,7 @@
               </a:ln>
               <a:extLst>
                 <a:ext uri="{91240B29-F687-4f45-9708-019B960494DF}">
-                  <a14:hiddenLine xmlns:a14="http://schemas.microsoft.com/office/drawing/2010/main" xmlns="" w="9525">
+                  <a14:hiddenLine xmlns="" xmlns:a14="http://schemas.microsoft.com/office/drawing/2010/main" w="9525">
                     <a:solidFill>
                       <a:srgbClr val="000000"/>
                     </a:solidFill>
@@ -10631,7 +15097,7 @@
               </a:ln>
               <a:extLst>
                 <a:ext uri="{91240B29-F687-4f45-9708-019B960494DF}">
-                  <a14:hiddenLine xmlns:a14="http://schemas.microsoft.com/office/drawing/2010/main" xmlns="" w="9525">
+                  <a14:hiddenLine xmlns="" xmlns:a14="http://schemas.microsoft.com/office/drawing/2010/main" w="9525">
                     <a:solidFill>
                       <a:srgbClr val="000000"/>
                     </a:solidFill>
@@ -10721,7 +15187,7 @@
               </a:ln>
               <a:extLst>
                 <a:ext uri="{91240B29-F687-4f45-9708-019B960494DF}">
-                  <a14:hiddenLine xmlns:a14="http://schemas.microsoft.com/office/drawing/2010/main" xmlns="" w="9525">
+                  <a14:hiddenLine xmlns="" xmlns:a14="http://schemas.microsoft.com/office/drawing/2010/main" w="9525">
                     <a:solidFill>
                       <a:srgbClr val="000000"/>
                     </a:solidFill>
@@ -10811,7 +15277,7 @@
               </a:ln>
               <a:extLst>
                 <a:ext uri="{91240B29-F687-4f45-9708-019B960494DF}">
-                  <a14:hiddenLine xmlns:a14="http://schemas.microsoft.com/office/drawing/2010/main" xmlns="" w="9525">
+                  <a14:hiddenLine xmlns="" xmlns:a14="http://schemas.microsoft.com/office/drawing/2010/main" w="9525">
                     <a:solidFill>
                       <a:srgbClr val="000000"/>
                     </a:solidFill>
@@ -10876,7 +15342,7 @@
               </a:ln>
               <a:extLst>
                 <a:ext uri="{91240B29-F687-4f45-9708-019B960494DF}">
-                  <a14:hiddenLine xmlns:a14="http://schemas.microsoft.com/office/drawing/2010/main" xmlns="" w="9525">
+                  <a14:hiddenLine xmlns="" xmlns:a14="http://schemas.microsoft.com/office/drawing/2010/main" w="9525">
                     <a:solidFill>
                       <a:srgbClr val="000000"/>
                     </a:solidFill>
@@ -10996,7 +15462,7 @@
               </a:ln>
               <a:extLst>
                 <a:ext uri="{91240B29-F687-4f45-9708-019B960494DF}">
-                  <a14:hiddenLine xmlns:a14="http://schemas.microsoft.com/office/drawing/2010/main" xmlns="" w="9525">
+                  <a14:hiddenLine xmlns="" xmlns:a14="http://schemas.microsoft.com/office/drawing/2010/main" w="9525">
                     <a:solidFill>
                       <a:srgbClr val="000000"/>
                     </a:solidFill>
@@ -11077,7 +15543,7 @@
               </a:ln>
               <a:extLst>
                 <a:ext uri="{91240B29-F687-4f45-9708-019B960494DF}">
-                  <a14:hiddenLine xmlns:a14="http://schemas.microsoft.com/office/drawing/2010/main" xmlns="" w="9525">
+                  <a14:hiddenLine xmlns="" xmlns:a14="http://schemas.microsoft.com/office/drawing/2010/main" w="9525">
                     <a:solidFill>
                       <a:srgbClr val="000000"/>
                     </a:solidFill>
@@ -11192,7 +15658,7 @@
               </a:ln>
               <a:extLst>
                 <a:ext uri="{91240B29-F687-4f45-9708-019B960494DF}">
-                  <a14:hiddenLine xmlns:a14="http://schemas.microsoft.com/office/drawing/2010/main" xmlns="" w="9525">
+                  <a14:hiddenLine xmlns="" xmlns:a14="http://schemas.microsoft.com/office/drawing/2010/main" w="9525">
                     <a:solidFill>
                       <a:srgbClr val="000000"/>
                     </a:solidFill>
@@ -11282,7 +15748,7 @@
               </a:ln>
               <a:extLst>
                 <a:ext uri="{91240B29-F687-4f45-9708-019B960494DF}">
-                  <a14:hiddenLine xmlns:a14="http://schemas.microsoft.com/office/drawing/2010/main" xmlns="" w="9525">
+                  <a14:hiddenLine xmlns="" xmlns:a14="http://schemas.microsoft.com/office/drawing/2010/main" w="9525">
                     <a:solidFill>
                       <a:srgbClr val="000000"/>
                     </a:solidFill>
@@ -11347,7 +15813,7 @@
               </a:ln>
               <a:extLst>
                 <a:ext uri="{91240B29-F687-4f45-9708-019B960494DF}">
-                  <a14:hiddenLine xmlns:a14="http://schemas.microsoft.com/office/drawing/2010/main" xmlns="" w="9525">
+                  <a14:hiddenLine xmlns="" xmlns:a14="http://schemas.microsoft.com/office/drawing/2010/main" w="9525">
                     <a:solidFill>
                       <a:srgbClr val="000000"/>
                     </a:solidFill>
@@ -11437,7 +15903,7 @@
               </a:ln>
               <a:extLst>
                 <a:ext uri="{91240B29-F687-4f45-9708-019B960494DF}">
-                  <a14:hiddenLine xmlns:a14="http://schemas.microsoft.com/office/drawing/2010/main" xmlns="" w="9525">
+                  <a14:hiddenLine xmlns="" xmlns:a14="http://schemas.microsoft.com/office/drawing/2010/main" w="9525">
                     <a:solidFill>
                       <a:srgbClr val="000000"/>
                     </a:solidFill>
@@ -11505,7 +15971,7 @@
               </a:ln>
               <a:extLst>
                 <a:ext uri="{91240B29-F687-4f45-9708-019B960494DF}">
-                  <a14:hiddenLine xmlns:a14="http://schemas.microsoft.com/office/drawing/2010/main" xmlns="" w="9525">
+                  <a14:hiddenLine xmlns="" xmlns:a14="http://schemas.microsoft.com/office/drawing/2010/main" w="9525">
                     <a:solidFill>
                       <a:srgbClr val="000000"/>
                     </a:solidFill>
@@ -11595,7 +16061,7 @@
               </a:ln>
               <a:extLst>
                 <a:ext uri="{91240B29-F687-4f45-9708-019B960494DF}">
-                  <a14:hiddenLine xmlns:a14="http://schemas.microsoft.com/office/drawing/2010/main" xmlns="" w="9525">
+                  <a14:hiddenLine xmlns="" xmlns:a14="http://schemas.microsoft.com/office/drawing/2010/main" w="9525">
                     <a:solidFill>
                       <a:srgbClr val="000000"/>
                     </a:solidFill>
@@ -11663,7 +16129,7 @@
               </a:ln>
               <a:extLst>
                 <a:ext uri="{91240B29-F687-4f45-9708-019B960494DF}">
-                  <a14:hiddenLine xmlns:a14="http://schemas.microsoft.com/office/drawing/2010/main" xmlns="" w="9525">
+                  <a14:hiddenLine xmlns="" xmlns:a14="http://schemas.microsoft.com/office/drawing/2010/main" w="9525">
                     <a:solidFill>
                       <a:srgbClr val="000000"/>
                     </a:solidFill>
@@ -11753,7 +16219,7 @@
               </a:ln>
               <a:extLst>
                 <a:ext uri="{91240B29-F687-4f45-9708-019B960494DF}">
-                  <a14:hiddenLine xmlns:a14="http://schemas.microsoft.com/office/drawing/2010/main" xmlns="" w="9525">
+                  <a14:hiddenLine xmlns="" xmlns:a14="http://schemas.microsoft.com/office/drawing/2010/main" w="9525">
                     <a:solidFill>
                       <a:srgbClr val="000000"/>
                     </a:solidFill>
@@ -11787,7 +16253,7 @@
               </a:ln>
               <a:extLst>
                 <a:ext uri="{91240B29-F687-4f45-9708-019B960494DF}">
-                  <a14:hiddenLine xmlns:a14="http://schemas.microsoft.com/office/drawing/2010/main" xmlns="" w="9525">
+                  <a14:hiddenLine xmlns="" xmlns:a14="http://schemas.microsoft.com/office/drawing/2010/main" w="9525">
                     <a:solidFill>
                       <a:srgbClr val="000000"/>
                     </a:solidFill>
@@ -11928,7 +16394,7 @@
             <a:fld id="{48A87A34-81AB-432B-8DAE-1953F412C126}" type="datetimeFigureOut">
               <a:rPr lang="en-US" dirty="0"/>
               <a:pPr/>
-              <a:t>4/22/2019</a:t>
+              <a:t>5/3/2019</a:t>
             </a:fld>
             <a:endParaRPr lang="en-US" dirty="0"/>
           </a:p>
@@ -12566,7 +17032,7 @@
           <a:p>
             <a:r>
               <a:rPr lang="en-US" dirty="0"/>
-              <a:t>Performance Analysis </a:t>
+              <a:t>Project Architecture  </a:t>
             </a:r>
           </a:p>
         </p:txBody>
@@ -12594,23 +17060,76 @@
           <a:p>
             <a:r>
               <a:rPr lang="en-US" dirty="0"/>
-              <a:t>Scalability of the program</a:t>
+              <a:t>Implementation </a:t>
             </a:r>
           </a:p>
           <a:p>
             <a:r>
               <a:rPr lang="en-US" dirty="0"/>
-              <a:t>Comparison of variable size matrix computation </a:t>
+              <a:t>GitHub </a:t>
             </a:r>
           </a:p>
           <a:p>
             <a:r>
               <a:rPr lang="en-US" dirty="0"/>
-              <a:t>Send &amp; Receive blocking Vs. non-blocking </a:t>
+              <a:t>Function Modularity </a:t>
+            </a:r>
+          </a:p>
+          <a:p>
+            <a:r>
+              <a:rPr lang="en-US" dirty="0"/>
+              <a:t>Script File </a:t>
             </a:r>
           </a:p>
         </p:txBody>
       </p:sp>
+      <p:pic>
+        <p:nvPicPr>
+          <p:cNvPr id="1026" name="Picture 2" descr="Github, Hub, Git Icon">
+            <a:extLst>
+              <a:ext uri="{FF2B5EF4-FFF2-40B4-BE49-F238E27FC236}">
+                <a16:creationId xmlns:a16="http://schemas.microsoft.com/office/drawing/2014/main" id="{D46D0DAF-17C7-4A7A-9EEB-276EFAB5D8BF}"/>
+              </a:ext>
+            </a:extLst>
+          </p:cNvPr>
+          <p:cNvPicPr>
+            <a:picLocks noChangeAspect="1" noChangeArrowheads="1"/>
+          </p:cNvPicPr>
+          <p:nvPr/>
+        </p:nvPicPr>
+        <p:blipFill>
+          <a:blip r:embed="rId2">
+            <a:extLst>
+              <a:ext uri="{28A0092B-C50C-407E-A947-70E740481C1C}">
+                <a14:useLocalDpi xmlns:a14="http://schemas.microsoft.com/office/drawing/2010/main" val="0"/>
+              </a:ext>
+            </a:extLst>
+          </a:blip>
+          <a:srcRect/>
+          <a:stretch>
+            <a:fillRect/>
+          </a:stretch>
+        </p:blipFill>
+        <p:spPr bwMode="auto">
+          <a:xfrm>
+            <a:off x="4608429" y="2728855"/>
+            <a:ext cx="1663700" cy="1532467"/>
+          </a:xfrm>
+          <a:prstGeom prst="rect">
+            <a:avLst/>
+          </a:prstGeom>
+          <a:noFill/>
+          <a:extLst>
+            <a:ext uri="{909E8E84-426E-40DD-AFC4-6F175D3DCCD1}">
+              <a14:hiddenFill xmlns:a14="http://schemas.microsoft.com/office/drawing/2010/main">
+                <a:solidFill>
+                  <a:srgbClr val="FFFFFF"/>
+                </a:solidFill>
+              </a14:hiddenFill>
+            </a:ext>
+          </a:extLst>
+        </p:spPr>
+      </p:pic>
     </p:spTree>
     <p:extLst>
       <p:ext uri="{BB962C8B-B14F-4D97-AF65-F5344CB8AC3E}">
@@ -12664,7 +17183,7 @@
           <a:p>
             <a:r>
               <a:rPr lang="en-US" dirty="0"/>
-              <a:t>Discussion 	</a:t>
+              <a:t>Logic 	</a:t>
             </a:r>
           </a:p>
         </p:txBody>
@@ -12685,26 +17204,140 @@
             <p:ph idx="1"/>
           </p:nvPr>
         </p:nvSpPr>
-        <p:spPr/>
+        <p:spPr>
+          <a:xfrm>
+            <a:off x="1141412" y="2249487"/>
+            <a:ext cx="9905999" cy="3541714"/>
+          </a:xfrm>
+        </p:spPr>
         <p:txBody>
-          <a:bodyPr/>
+          <a:bodyPr>
+            <a:normAutofit/>
+          </a:bodyPr>
           <a:lstStyle/>
           <a:p>
             <a:r>
               <a:rPr lang="en-US" dirty="0"/>
-              <a:t>Difficult aspects of the project</a:t>
+              <a:t>Challenging Aspects 		</a:t>
             </a:r>
           </a:p>
+          <a:p>
+            <a:pPr lvl="1"/>
+            <a:r>
+              <a:rPr lang="en-US" sz="2400" dirty="0"/>
+              <a:t>Master/Slave Communication </a:t>
+            </a:r>
+          </a:p>
+          <a:p>
+            <a:pPr lvl="1"/>
+            <a:r>
+              <a:rPr lang="en-US" sz="2400" dirty="0"/>
+              <a:t>Partitioning Row Distribution</a:t>
+            </a:r>
+          </a:p>
+          <a:p>
+            <a:pPr marL="0" indent="0">
+              <a:buNone/>
+            </a:pPr>
+            <a:r>
+              <a:rPr lang="en-US" sz="2400" dirty="0"/>
+              <a:t>  </a:t>
+            </a:r>
+          </a:p>
+        </p:txBody>
+      </p:sp>
+      <p:sp>
+        <p:nvSpPr>
+          <p:cNvPr id="5" name="Rectangle 4">
+            <a:extLst>
+              <a:ext uri="{FF2B5EF4-FFF2-40B4-BE49-F238E27FC236}">
+                <a16:creationId xmlns:a16="http://schemas.microsoft.com/office/drawing/2014/main" id="{921EDCF5-5DAC-4687-8E43-55F455DF5FFB}"/>
+              </a:ext>
+            </a:extLst>
+          </p:cNvPr>
+          <p:cNvSpPr/>
+          <p:nvPr/>
+        </p:nvSpPr>
+        <p:spPr>
+          <a:xfrm>
+            <a:off x="1023067" y="4036875"/>
+            <a:ext cx="10299701" cy="1754326"/>
+          </a:xfrm>
+          <a:prstGeom prst="rect">
+            <a:avLst/>
+          </a:prstGeom>
+        </p:spPr>
+        <p:txBody>
+          <a:bodyPr wrap="square">
+            <a:spAutoFit/>
+          </a:bodyPr>
+          <a:lstStyle/>
           <a:p>
             <a:r>
               <a:rPr lang="en-US" dirty="0"/>
-              <a:t>How we found the solution</a:t>
+              <a:t>// probing for 'TAG_SLAVE_STATUS' messages from slaves</a:t>
             </a:r>
           </a:p>
           <a:p>
             <a:r>
               <a:rPr lang="en-US" dirty="0"/>
-              <a:t>What we could have done better to prepare  </a:t>
+              <a:t>        while (!flag)</a:t>
+            </a:r>
+          </a:p>
+          <a:p>
+            <a:r>
+              <a:rPr lang="en-US" dirty="0"/>
+              <a:t>        {</a:t>
+            </a:r>
+          </a:p>
+          <a:p>
+            <a:r>
+              <a:rPr lang="en-US" dirty="0"/>
+              <a:t>            for (</a:t>
+            </a:r>
+            <a:r>
+              <a:rPr lang="en-US" dirty="0" err="1"/>
+              <a:t>i</a:t>
+            </a:r>
+            <a:r>
+              <a:rPr lang="en-US" dirty="0"/>
+              <a:t> = 0; </a:t>
+            </a:r>
+            <a:r>
+              <a:rPr lang="en-US" dirty="0" err="1"/>
+              <a:t>i</a:t>
+            </a:r>
+            <a:r>
+              <a:rPr lang="en-US" dirty="0"/>
+              <a:t> &lt; 100000; </a:t>
+            </a:r>
+            <a:r>
+              <a:rPr lang="en-US" dirty="0" err="1"/>
+              <a:t>i</a:t>
+            </a:r>
+            <a:r>
+              <a:rPr lang="en-US" dirty="0"/>
+              <a:t>++); // waiting time, don't poll too often</a:t>
+            </a:r>
+          </a:p>
+          <a:p>
+            <a:r>
+              <a:rPr lang="en-US" dirty="0"/>
+              <a:t>            </a:t>
+            </a:r>
+            <a:r>
+              <a:rPr lang="en-US" dirty="0" err="1"/>
+              <a:t>MPI_Iprobe</a:t>
+            </a:r>
+            <a:r>
+              <a:rPr lang="en-US" dirty="0"/>
+              <a:t>(MPI_ANY_SOURCE, TAG_SLAVE_STATUS, MPI_COMM_WORLD, &amp;flag, &amp;status);</a:t>
+            </a:r>
+          </a:p>
+          <a:p>
+            <a:r>
+              <a:rPr lang="en-US" dirty="0"/>
+              <a:t>        }</a:t>
             </a:r>
           </a:p>
         </p:txBody>
@@ -12762,7 +17395,7 @@
           <a:p>
             <a:r>
               <a:rPr lang="en-US" dirty="0"/>
-              <a:t>Conclusion </a:t>
+              <a:t>Data Analysis  </a:t>
             </a:r>
           </a:p>
         </p:txBody>
@@ -12788,31 +17421,73 @@
           <a:bodyPr/>
           <a:lstStyle/>
           <a:p>
-            <a:r>
-              <a:rPr lang="en-US" dirty="0"/>
-              <a:t>Better performance non-blocking Vs. blocking?</a:t>
-            </a:r>
-          </a:p>
-          <a:p>
-            <a:r>
-              <a:rPr lang="en-US" dirty="0"/>
-              <a:t>Understanding which application is better for different situation. </a:t>
-            </a:r>
-          </a:p>
-          <a:p>
-            <a:r>
-              <a:rPr lang="en-US" dirty="0"/>
-              <a:t>Overall choice between the two options. </a:t>
-            </a:r>
-          </a:p>
-          <a:p>
-            <a:endParaRPr lang="en-US" dirty="0"/>
-          </a:p>
-          <a:p>
+            <a:pPr marL="0" indent="0">
+              <a:buNone/>
+            </a:pPr>
             <a:endParaRPr lang="en-US" dirty="0"/>
           </a:p>
         </p:txBody>
       </p:sp>
+      <p:graphicFrame>
+        <p:nvGraphicFramePr>
+          <p:cNvPr id="5" name="Chart 4">
+            <a:extLst>
+              <a:ext uri="{FF2B5EF4-FFF2-40B4-BE49-F238E27FC236}">
+                <a16:creationId xmlns:a16="http://schemas.microsoft.com/office/drawing/2014/main" id="{354C5BF6-1FAB-4001-BD34-0C31BA3F2E91}"/>
+              </a:ext>
+            </a:extLst>
+          </p:cNvPr>
+          <p:cNvGraphicFramePr>
+            <a:graphicFrameLocks/>
+          </p:cNvGraphicFramePr>
+          <p:nvPr>
+            <p:extLst>
+              <p:ext uri="{D42A27DB-BD31-4B8C-83A1-F6EECF244321}">
+                <p14:modId xmlns:p14="http://schemas.microsoft.com/office/powerpoint/2010/main" val="2867064908"/>
+              </p:ext>
+            </p:extLst>
+          </p:nvPr>
+        </p:nvGraphicFramePr>
+        <p:xfrm>
+          <a:off x="959954" y="2249487"/>
+          <a:ext cx="4568874" cy="3989995"/>
+        </p:xfrm>
+        <a:graphic>
+          <a:graphicData uri="http://schemas.openxmlformats.org/drawingml/2006/chart">
+            <c:chart xmlns:c="http://schemas.openxmlformats.org/drawingml/2006/chart" xmlns:r="http://schemas.openxmlformats.org/officeDocument/2006/relationships" r:id="rId2"/>
+          </a:graphicData>
+        </a:graphic>
+      </p:graphicFrame>
+      <p:graphicFrame>
+        <p:nvGraphicFramePr>
+          <p:cNvPr id="7" name="Chart 6">
+            <a:extLst>
+              <a:ext uri="{FF2B5EF4-FFF2-40B4-BE49-F238E27FC236}">
+                <a16:creationId xmlns:a16="http://schemas.microsoft.com/office/drawing/2014/main" id="{83EB2EAF-19A1-44D0-9700-09EEB886A59E}"/>
+              </a:ext>
+            </a:extLst>
+          </p:cNvPr>
+          <p:cNvGraphicFramePr>
+            <a:graphicFrameLocks/>
+          </p:cNvGraphicFramePr>
+          <p:nvPr>
+            <p:extLst>
+              <p:ext uri="{D42A27DB-BD31-4B8C-83A1-F6EECF244321}">
+                <p14:modId xmlns:p14="http://schemas.microsoft.com/office/powerpoint/2010/main" val="3609748489"/>
+              </p:ext>
+            </p:extLst>
+          </p:nvPr>
+        </p:nvGraphicFramePr>
+        <p:xfrm>
+          <a:off x="5769006" y="2249488"/>
+          <a:ext cx="4570787" cy="3841712"/>
+        </p:xfrm>
+        <a:graphic>
+          <a:graphicData uri="http://schemas.openxmlformats.org/drawingml/2006/chart">
+            <c:chart xmlns:c="http://schemas.openxmlformats.org/drawingml/2006/chart" xmlns:r="http://schemas.openxmlformats.org/officeDocument/2006/relationships" r:id="rId3"/>
+          </a:graphicData>
+        </a:graphic>
+      </p:graphicFrame>
     </p:spTree>
     <p:extLst>
       <p:ext uri="{BB962C8B-B14F-4D97-AF65-F5344CB8AC3E}">
@@ -12848,7 +17523,7 @@
           <p:cNvPr id="2" name="Title 1">
             <a:extLst>
               <a:ext uri="{FF2B5EF4-FFF2-40B4-BE49-F238E27FC236}">
-                <a16:creationId xmlns:a16="http://schemas.microsoft.com/office/drawing/2014/main" id="{C23A027B-C6D8-4768-A0FB-BB1DC86AEA66}"/>
+                <a16:creationId xmlns:a16="http://schemas.microsoft.com/office/drawing/2014/main" id="{DA66D426-C02F-4A39-B63A-F42CE7B87C7D}"/>
               </a:ext>
             </a:extLst>
           </p:cNvPr>
@@ -12866,7 +17541,7 @@
           <a:p>
             <a:r>
               <a:rPr lang="en-US" dirty="0"/>
-              <a:t>Thank you </a:t>
+              <a:t>Conclusion </a:t>
             </a:r>
           </a:p>
         </p:txBody>
@@ -12876,7 +17551,7 @@
           <p:cNvPr id="3" name="Content Placeholder 2">
             <a:extLst>
               <a:ext uri="{FF2B5EF4-FFF2-40B4-BE49-F238E27FC236}">
-                <a16:creationId xmlns:a16="http://schemas.microsoft.com/office/drawing/2014/main" id="{610B07A6-194A-4931-B2F8-4D00D1B1FC77}"/>
+                <a16:creationId xmlns:a16="http://schemas.microsoft.com/office/drawing/2014/main" id="{AF0462A9-B86B-49A7-BF15-57B2CEB9C8A5}"/>
               </a:ext>
             </a:extLst>
           </p:cNvPr>
@@ -12892,18 +17567,172 @@
           <a:bodyPr/>
           <a:lstStyle/>
           <a:p>
-            <a:pPr marL="0" indent="0">
-              <a:buNone/>
-            </a:pPr>
             <a:r>
               <a:rPr lang="en-US" dirty="0"/>
-              <a:t>Group 4: Trevor Greenside, Matthew lee, Thomas Hughes </a:t>
+              <a:t>Logic for blocking MPI send and receive can be simpler </a:t>
             </a:r>
-          </a:p>
-          <a:p>
-            <a:pPr marL="0" indent="0">
-              <a:buNone/>
-            </a:pPr>
+            <a:r>
+              <a:rPr lang="en-US"/>
+              <a:t>to implement. </a:t>
+            </a:r>
+            <a:endParaRPr lang="en-US" dirty="0"/>
+          </a:p>
+          <a:p>
+            <a:r>
+              <a:rPr lang="en-US" dirty="0"/>
+              <a:t>With increasingly larger matrices, blocking logic proved to be more efficient. </a:t>
+            </a:r>
+          </a:p>
+          <a:p>
+            <a:endParaRPr lang="en-US" dirty="0"/>
+          </a:p>
+        </p:txBody>
+      </p:sp>
+      <p:graphicFrame>
+        <p:nvGraphicFramePr>
+          <p:cNvPr id="4" name="Chart 3">
+            <a:extLst>
+              <a:ext uri="{FF2B5EF4-FFF2-40B4-BE49-F238E27FC236}">
+                <a16:creationId xmlns:a16="http://schemas.microsoft.com/office/drawing/2014/main" id="{75BE2743-7E6C-477B-A54E-C2DFA5D874DA}"/>
+              </a:ext>
+            </a:extLst>
+          </p:cNvPr>
+          <p:cNvGraphicFramePr>
+            <a:graphicFrameLocks/>
+          </p:cNvGraphicFramePr>
+          <p:nvPr>
+            <p:extLst>
+              <p:ext uri="{D42A27DB-BD31-4B8C-83A1-F6EECF244321}">
+                <p14:modId xmlns:p14="http://schemas.microsoft.com/office/powerpoint/2010/main" val="2522225724"/>
+              </p:ext>
+            </p:extLst>
+          </p:nvPr>
+        </p:nvGraphicFramePr>
+        <p:xfrm>
+          <a:off x="1083579" y="3510951"/>
+          <a:ext cx="4274491" cy="2796116"/>
+        </p:xfrm>
+        <a:graphic>
+          <a:graphicData uri="http://schemas.openxmlformats.org/drawingml/2006/chart">
+            <c:chart xmlns:c="http://schemas.openxmlformats.org/drawingml/2006/chart" xmlns:r="http://schemas.openxmlformats.org/officeDocument/2006/relationships" r:id="rId2"/>
+          </a:graphicData>
+        </a:graphic>
+      </p:graphicFrame>
+      <p:graphicFrame>
+        <p:nvGraphicFramePr>
+          <p:cNvPr id="5" name="Chart 4">
+            <a:extLst>
+              <a:ext uri="{FF2B5EF4-FFF2-40B4-BE49-F238E27FC236}">
+                <a16:creationId xmlns:a16="http://schemas.microsoft.com/office/drawing/2014/main" id="{D21F215A-1211-4B56-948A-C529A2F33346}"/>
+              </a:ext>
+            </a:extLst>
+          </p:cNvPr>
+          <p:cNvGraphicFramePr>
+            <a:graphicFrameLocks/>
+          </p:cNvGraphicFramePr>
+          <p:nvPr>
+            <p:extLst>
+              <p:ext uri="{D42A27DB-BD31-4B8C-83A1-F6EECF244321}">
+                <p14:modId xmlns:p14="http://schemas.microsoft.com/office/powerpoint/2010/main" val="2623879293"/>
+              </p:ext>
+            </p:extLst>
+          </p:nvPr>
+        </p:nvGraphicFramePr>
+        <p:xfrm>
+          <a:off x="5690629" y="3510952"/>
+          <a:ext cx="4553184" cy="2796115"/>
+        </p:xfrm>
+        <a:graphic>
+          <a:graphicData uri="http://schemas.openxmlformats.org/drawingml/2006/chart">
+            <c:chart xmlns:c="http://schemas.openxmlformats.org/drawingml/2006/chart" xmlns:r="http://schemas.openxmlformats.org/officeDocument/2006/relationships" r:id="rId3"/>
+          </a:graphicData>
+        </a:graphic>
+      </p:graphicFrame>
+    </p:spTree>
+    <p:extLst>
+      <p:ext uri="{BB962C8B-B14F-4D97-AF65-F5344CB8AC3E}">
+        <p14:creationId xmlns:p14="http://schemas.microsoft.com/office/powerpoint/2010/main" val="1620564338"/>
+      </p:ext>
+    </p:extLst>
+  </p:cSld>
+  <p:clrMapOvr>
+    <a:masterClrMapping/>
+  </p:clrMapOvr>
+</p:sld>
+</file>
+
+<file path=ppt/slides/slide7.xml><?xml version="1.0" encoding="utf-8"?>
+<p:sld xmlns:a="http://schemas.openxmlformats.org/drawingml/2006/main" xmlns:r="http://schemas.openxmlformats.org/officeDocument/2006/relationships" xmlns:p="http://schemas.openxmlformats.org/presentationml/2006/main">
+  <p:cSld>
+    <p:spTree>
+      <p:nvGrpSpPr>
+        <p:cNvPr id="1" name=""/>
+        <p:cNvGrpSpPr/>
+        <p:nvPr/>
+      </p:nvGrpSpPr>
+      <p:grpSpPr>
+        <a:xfrm>
+          <a:off x="0" y="0"/>
+          <a:ext cx="0" cy="0"/>
+          <a:chOff x="0" y="0"/>
+          <a:chExt cx="0" cy="0"/>
+        </a:xfrm>
+      </p:grpSpPr>
+      <p:sp>
+        <p:nvSpPr>
+          <p:cNvPr id="2" name="Title 1">
+            <a:extLst>
+              <a:ext uri="{FF2B5EF4-FFF2-40B4-BE49-F238E27FC236}">
+                <a16:creationId xmlns:a16="http://schemas.microsoft.com/office/drawing/2014/main" id="{9EFF91E3-F16A-4688-9388-0FE4C9867D23}"/>
+              </a:ext>
+            </a:extLst>
+          </p:cNvPr>
+          <p:cNvSpPr>
+            <a:spLocks noGrp="1"/>
+          </p:cNvSpPr>
+          <p:nvPr>
+            <p:ph type="title"/>
+          </p:nvPr>
+        </p:nvSpPr>
+        <p:spPr/>
+        <p:txBody>
+          <a:bodyPr/>
+          <a:lstStyle/>
+          <a:p>
+            <a:r>
+              <a:rPr lang="en-US" dirty="0"/>
+              <a:t>Thank you </a:t>
+            </a:r>
+          </a:p>
+        </p:txBody>
+      </p:sp>
+      <p:sp>
+        <p:nvSpPr>
+          <p:cNvPr id="3" name="Content Placeholder 2">
+            <a:extLst>
+              <a:ext uri="{FF2B5EF4-FFF2-40B4-BE49-F238E27FC236}">
+                <a16:creationId xmlns:a16="http://schemas.microsoft.com/office/drawing/2014/main" id="{9EBD1ECC-0E87-4D25-A2A0-197C5534C5C3}"/>
+              </a:ext>
+            </a:extLst>
+          </p:cNvPr>
+          <p:cNvSpPr>
+            <a:spLocks noGrp="1"/>
+          </p:cNvSpPr>
+          <p:nvPr>
+            <p:ph idx="1"/>
+          </p:nvPr>
+        </p:nvSpPr>
+        <p:spPr/>
+        <p:txBody>
+          <a:bodyPr/>
+          <a:lstStyle/>
+          <a:p>
+            <a:r>
+              <a:rPr lang="en-US" dirty="0"/>
+              <a:t>Group 4: Trevor Greenside, Matthew Lee, Thomas Hughes </a:t>
+            </a:r>
+          </a:p>
+          <a:p>
             <a:endParaRPr lang="en-US" dirty="0"/>
           </a:p>
         </p:txBody>
@@ -12911,7 +17740,7 @@
     </p:spTree>
     <p:extLst>
       <p:ext uri="{BB962C8B-B14F-4D97-AF65-F5344CB8AC3E}">
-        <p14:creationId xmlns:p14="http://schemas.microsoft.com/office/powerpoint/2010/main" val="4029116363"/>
+        <p14:creationId xmlns:p14="http://schemas.microsoft.com/office/powerpoint/2010/main" val="1648674666"/>
       </p:ext>
     </p:extLst>
   </p:cSld>
